--- a/Slides/PH223_Lecture_35.pptx
+++ b/Slides/PH223_Lecture_35.pptx
@@ -15,17 +15,18 @@
     <p:sldId id="267" r:id="rId9"/>
     <p:sldId id="259" r:id="rId10"/>
     <p:sldId id="266" r:id="rId11"/>
-    <p:sldId id="781" r:id="rId12"/>
-    <p:sldId id="1148" r:id="rId13"/>
-    <p:sldId id="261" r:id="rId14"/>
-    <p:sldId id="262" r:id="rId15"/>
-    <p:sldId id="1317" r:id="rId16"/>
-    <p:sldId id="263" r:id="rId17"/>
-    <p:sldId id="260" r:id="rId18"/>
-    <p:sldId id="264" r:id="rId19"/>
-    <p:sldId id="265" r:id="rId20"/>
-    <p:sldId id="1149" r:id="rId21"/>
-    <p:sldId id="1436" r:id="rId22"/>
+    <p:sldId id="1438" r:id="rId12"/>
+    <p:sldId id="781" r:id="rId13"/>
+    <p:sldId id="1148" r:id="rId14"/>
+    <p:sldId id="261" r:id="rId15"/>
+    <p:sldId id="262" r:id="rId16"/>
+    <p:sldId id="1317" r:id="rId17"/>
+    <p:sldId id="263" r:id="rId18"/>
+    <p:sldId id="260" r:id="rId19"/>
+    <p:sldId id="264" r:id="rId20"/>
+    <p:sldId id="265" r:id="rId21"/>
+    <p:sldId id="1149" r:id="rId22"/>
+    <p:sldId id="1436" r:id="rId23"/>
   </p:sldIdLst>
   <p:sldSz cx="9144000" cy="6858000" type="screen4x3"/>
   <p:notesSz cx="6858000" cy="9144000"/>
@@ -146,7 +147,7 @@
 <file path=ppt/revisionInfo.xml><?xml version="1.0" encoding="utf-8"?>
 <p1510:revInfo xmlns:a="http://schemas.openxmlformats.org/drawingml/2006/main" xmlns:r="http://schemas.openxmlformats.org/officeDocument/2006/relationships" xmlns:p1510="http://schemas.microsoft.com/office/powerpoint/2015/10/main">
   <p1510:revLst>
-    <p1510:client id="{5028E244-1E29-451B-8325-33D7F2AD012C}" v="5" dt="2023-11-07T23:52:09.665"/>
+    <p1510:client id="{49170AD9-6FBF-4204-85E0-ABDE04B93642}" v="1" dt="2024-06-21T17:36:27.475"/>
   </p1510:revLst>
 </p1510:revInfo>
 </file>
@@ -347,6 +348,38 @@
       </pc:sldChg>
     </pc:docChg>
   </pc:docChgLst>
+  <pc:docChgLst>
+    <pc:chgData name="Lines, Todd" userId="afaf7c3a-e8aa-4568-882a-02ad8f9e19b0" providerId="ADAL" clId="{49170AD9-6FBF-4204-85E0-ABDE04B93642}"/>
+    <pc:docChg chg="addSld modSld">
+      <pc:chgData name="Lines, Todd" userId="afaf7c3a-e8aa-4568-882a-02ad8f9e19b0" providerId="ADAL" clId="{49170AD9-6FBF-4204-85E0-ABDE04B93642}" dt="2024-06-21T18:27:42.857" v="4" actId="14100"/>
+      <pc:docMkLst>
+        <pc:docMk/>
+      </pc:docMkLst>
+      <pc:sldChg chg="addSp delSp modSp new mod modAnim">
+        <pc:chgData name="Lines, Todd" userId="afaf7c3a-e8aa-4568-882a-02ad8f9e19b0" providerId="ADAL" clId="{49170AD9-6FBF-4204-85E0-ABDE04B93642}" dt="2024-06-21T18:27:42.857" v="4" actId="14100"/>
+        <pc:sldMkLst>
+          <pc:docMk/>
+          <pc:sldMk cId="3229743166" sldId="1438"/>
+        </pc:sldMkLst>
+        <pc:spChg chg="del">
+          <ac:chgData name="Lines, Todd" userId="afaf7c3a-e8aa-4568-882a-02ad8f9e19b0" providerId="ADAL" clId="{49170AD9-6FBF-4204-85E0-ABDE04B93642}" dt="2024-06-21T17:36:27.475" v="1"/>
+          <ac:spMkLst>
+            <pc:docMk/>
+            <pc:sldMk cId="3229743166" sldId="1438"/>
+            <ac:spMk id="3" creationId="{B786E921-809B-BAC0-1CEA-F0FC319D02BA}"/>
+          </ac:spMkLst>
+        </pc:spChg>
+        <pc:picChg chg="add mod">
+          <ac:chgData name="Lines, Todd" userId="afaf7c3a-e8aa-4568-882a-02ad8f9e19b0" providerId="ADAL" clId="{49170AD9-6FBF-4204-85E0-ABDE04B93642}" dt="2024-06-21T18:27:42.857" v="4" actId="14100"/>
+          <ac:picMkLst>
+            <pc:docMk/>
+            <pc:sldMk cId="3229743166" sldId="1438"/>
+            <ac:picMk id="4" creationId="{3CA29352-66C6-97BB-FA9F-896EC067323D}"/>
+          </ac:picMkLst>
+        </pc:picChg>
+      </pc:sldChg>
+    </pc:docChg>
+  </pc:docChgLst>
 </pc:chgInfo>
 </file>
 
@@ -530,7 +563,7 @@
             <a:fld id="{0A56A753-9053-4C2C-9B2C-0220926BE43E}" type="datetimeFigureOut">
               <a:rPr lang="en-US" smtClean="0"/>
               <a:pPr/>
-              <a:t>11/7/2023</a:t>
+              <a:t>6/21/2024</a:t>
             </a:fld>
             <a:endParaRPr lang="en-US"/>
           </a:p>
@@ -695,7 +728,7 @@
             <a:fld id="{0A56A753-9053-4C2C-9B2C-0220926BE43E}" type="datetimeFigureOut">
               <a:rPr lang="en-US" smtClean="0"/>
               <a:pPr/>
-              <a:t>11/7/2023</a:t>
+              <a:t>6/21/2024</a:t>
             </a:fld>
             <a:endParaRPr lang="en-US"/>
           </a:p>
@@ -870,7 +903,7 @@
             <a:fld id="{0A56A753-9053-4C2C-9B2C-0220926BE43E}" type="datetimeFigureOut">
               <a:rPr lang="en-US" smtClean="0"/>
               <a:pPr/>
-              <a:t>11/7/2023</a:t>
+              <a:t>6/21/2024</a:t>
             </a:fld>
             <a:endParaRPr lang="en-US"/>
           </a:p>
@@ -1035,7 +1068,7 @@
             <a:fld id="{0A56A753-9053-4C2C-9B2C-0220926BE43E}" type="datetimeFigureOut">
               <a:rPr lang="en-US" smtClean="0"/>
               <a:pPr/>
-              <a:t>11/7/2023</a:t>
+              <a:t>6/21/2024</a:t>
             </a:fld>
             <a:endParaRPr lang="en-US"/>
           </a:p>
@@ -1277,7 +1310,7 @@
             <a:fld id="{0A56A753-9053-4C2C-9B2C-0220926BE43E}" type="datetimeFigureOut">
               <a:rPr lang="en-US" smtClean="0"/>
               <a:pPr/>
-              <a:t>11/7/2023</a:t>
+              <a:t>6/21/2024</a:t>
             </a:fld>
             <a:endParaRPr lang="en-US"/>
           </a:p>
@@ -1559,7 +1592,7 @@
             <a:fld id="{0A56A753-9053-4C2C-9B2C-0220926BE43E}" type="datetimeFigureOut">
               <a:rPr lang="en-US" smtClean="0"/>
               <a:pPr/>
-              <a:t>11/7/2023</a:t>
+              <a:t>6/21/2024</a:t>
             </a:fld>
             <a:endParaRPr lang="en-US"/>
           </a:p>
@@ -1975,7 +2008,7 @@
             <a:fld id="{0A56A753-9053-4C2C-9B2C-0220926BE43E}" type="datetimeFigureOut">
               <a:rPr lang="en-US" smtClean="0"/>
               <a:pPr/>
-              <a:t>11/7/2023</a:t>
+              <a:t>6/21/2024</a:t>
             </a:fld>
             <a:endParaRPr lang="en-US"/>
           </a:p>
@@ -2089,7 +2122,7 @@
             <a:fld id="{0A56A753-9053-4C2C-9B2C-0220926BE43E}" type="datetimeFigureOut">
               <a:rPr lang="en-US" smtClean="0"/>
               <a:pPr/>
-              <a:t>11/7/2023</a:t>
+              <a:t>6/21/2024</a:t>
             </a:fld>
             <a:endParaRPr lang="en-US"/>
           </a:p>
@@ -2181,7 +2214,7 @@
             <a:fld id="{0A56A753-9053-4C2C-9B2C-0220926BE43E}" type="datetimeFigureOut">
               <a:rPr lang="en-US" smtClean="0"/>
               <a:pPr/>
-              <a:t>11/7/2023</a:t>
+              <a:t>6/21/2024</a:t>
             </a:fld>
             <a:endParaRPr lang="en-US"/>
           </a:p>
@@ -2453,7 +2486,7 @@
             <a:fld id="{0A56A753-9053-4C2C-9B2C-0220926BE43E}" type="datetimeFigureOut">
               <a:rPr lang="en-US" smtClean="0"/>
               <a:pPr/>
-              <a:t>11/7/2023</a:t>
+              <a:t>6/21/2024</a:t>
             </a:fld>
             <a:endParaRPr lang="en-US"/>
           </a:p>
@@ -2702,7 +2735,7 @@
             <a:fld id="{0A56A753-9053-4C2C-9B2C-0220926BE43E}" type="datetimeFigureOut">
               <a:rPr lang="en-US" smtClean="0"/>
               <a:pPr/>
-              <a:t>11/7/2023</a:t>
+              <a:t>6/21/2024</a:t>
             </a:fld>
             <a:endParaRPr lang="en-US"/>
           </a:p>
@@ -2910,7 +2943,7 @@
             <a:fld id="{0A56A753-9053-4C2C-9B2C-0220926BE43E}" type="datetimeFigureOut">
               <a:rPr lang="en-US" smtClean="0"/>
               <a:pPr/>
-              <a:t>11/7/2023</a:t>
+              <a:t>6/21/2024</a:t>
             </a:fld>
             <a:endParaRPr lang="en-US"/>
           </a:p>
@@ -3421,6 +3454,230 @@
       </p:grpSpPr>
       <p:sp>
         <p:nvSpPr>
+          <p:cNvPr id="2" name="Title 1">
+            <a:extLst>
+              <a:ext uri="{FF2B5EF4-FFF2-40B4-BE49-F238E27FC236}">
+                <a16:creationId xmlns:a16="http://schemas.microsoft.com/office/drawing/2014/main" id="{4D62E5F3-80C3-EEAA-6553-27653EDEEE65}"/>
+              </a:ext>
+            </a:extLst>
+          </p:cNvPr>
+          <p:cNvSpPr>
+            <a:spLocks noGrp="1"/>
+          </p:cNvSpPr>
+          <p:nvPr>
+            <p:ph type="title"/>
+          </p:nvPr>
+        </p:nvSpPr>
+        <p:spPr/>
+        <p:txBody>
+          <a:bodyPr/>
+          <a:lstStyle/>
+          <a:p>
+            <a:endParaRPr lang="en-US"/>
+          </a:p>
+        </p:txBody>
+      </p:sp>
+      <p:pic>
+        <p:nvPicPr>
+          <p:cNvPr id="4" name="Online Media 3" title="Long Stacked EAP Actuator">
+            <a:hlinkClick r:id="" action="ppaction://media"/>
+            <a:extLst>
+              <a:ext uri="{FF2B5EF4-FFF2-40B4-BE49-F238E27FC236}">
+                <a16:creationId xmlns:a16="http://schemas.microsoft.com/office/drawing/2014/main" id="{3CA29352-66C6-97BB-FA9F-896EC067323D}"/>
+              </a:ext>
+            </a:extLst>
+          </p:cNvPr>
+          <p:cNvPicPr>
+            <a:picLocks noGrp="1" noRot="1" noChangeAspect="1"/>
+          </p:cNvPicPr>
+          <p:nvPr>
+            <p:ph idx="1"/>
+            <a:videoFile r:link="rId1"/>
+          </p:nvPr>
+        </p:nvPicPr>
+        <p:blipFill>
+          <a:blip r:embed="rId3"/>
+          <a:stretch>
+            <a:fillRect/>
+          </a:stretch>
+        </p:blipFill>
+        <p:spPr>
+          <a:xfrm>
+            <a:off x="0" y="0"/>
+            <a:ext cx="9144000" cy="6858602"/>
+          </a:xfrm>
+          <a:prstGeom prst="rect">
+            <a:avLst/>
+          </a:prstGeom>
+        </p:spPr>
+      </p:pic>
+    </p:spTree>
+    <p:extLst>
+      <p:ext uri="{BB962C8B-B14F-4D97-AF65-F5344CB8AC3E}">
+        <p14:creationId xmlns:p14="http://schemas.microsoft.com/office/powerpoint/2010/main" val="3229743166"/>
+      </p:ext>
+    </p:extLst>
+  </p:cSld>
+  <p:clrMapOvr>
+    <a:masterClrMapping/>
+  </p:clrMapOvr>
+  <p:timing>
+    <p:tnLst>
+      <p:par>
+        <p:cTn id="1" dur="indefinite" restart="never" nodeType="tmRoot">
+          <p:childTnLst>
+            <p:seq concurrent="1" nextAc="seek">
+              <p:cTn id="2" dur="indefinite" nodeType="mainSeq">
+                <p:childTnLst>
+                  <p:par>
+                    <p:cTn id="3" fill="hold">
+                      <p:stCondLst>
+                        <p:cond delay="indefinite"/>
+                      </p:stCondLst>
+                      <p:childTnLst>
+                        <p:par>
+                          <p:cTn id="4" fill="hold">
+                            <p:stCondLst>
+                              <p:cond delay="0"/>
+                            </p:stCondLst>
+                            <p:childTnLst>
+                              <p:par>
+                                <p:cTn id="5" presetID="1" presetClass="mediacall" presetSubtype="0" fill="hold" nodeType="clickEffect">
+                                  <p:stCondLst>
+                                    <p:cond delay="0"/>
+                                  </p:stCondLst>
+                                  <p:childTnLst>
+                                    <p:cmd type="call" cmd="playFrom(0.0)">
+                                      <p:cBhvr>
+                                        <p:cTn id="6" dur="1" fill="hold"/>
+                                        <p:tgtEl>
+                                          <p:spTgt spid="4"/>
+                                        </p:tgtEl>
+                                      </p:cBhvr>
+                                    </p:cmd>
+                                  </p:childTnLst>
+                                </p:cTn>
+                              </p:par>
+                            </p:childTnLst>
+                          </p:cTn>
+                        </p:par>
+                      </p:childTnLst>
+                    </p:cTn>
+                  </p:par>
+                </p:childTnLst>
+              </p:cTn>
+              <p:prevCondLst>
+                <p:cond evt="onPrev" delay="0">
+                  <p:tgtEl>
+                    <p:sldTgt/>
+                  </p:tgtEl>
+                </p:cond>
+              </p:prevCondLst>
+              <p:nextCondLst>
+                <p:cond evt="onNext" delay="0">
+                  <p:tgtEl>
+                    <p:sldTgt/>
+                  </p:tgtEl>
+                </p:cond>
+              </p:nextCondLst>
+            </p:seq>
+            <p:video>
+              <p:cMediaNode vol="80000">
+                <p:cTn id="7" fill="hold" display="0">
+                  <p:stCondLst>
+                    <p:cond delay="indefinite"/>
+                  </p:stCondLst>
+                </p:cTn>
+                <p:tgtEl>
+                  <p:spTgt spid="4"/>
+                </p:tgtEl>
+              </p:cMediaNode>
+            </p:video>
+            <p:seq concurrent="1" nextAc="seek">
+              <p:cTn id="8" restart="whenNotActive" fill="hold" evtFilter="cancelBubble" nodeType="interactiveSeq">
+                <p:stCondLst>
+                  <p:cond evt="onClick" delay="0">
+                    <p:tgtEl>
+                      <p:spTgt spid="4"/>
+                    </p:tgtEl>
+                  </p:cond>
+                </p:stCondLst>
+                <p:endSync evt="end" delay="0">
+                  <p:rtn val="all"/>
+                </p:endSync>
+                <p:childTnLst>
+                  <p:par>
+                    <p:cTn id="9" fill="hold">
+                      <p:stCondLst>
+                        <p:cond delay="0"/>
+                      </p:stCondLst>
+                      <p:childTnLst>
+                        <p:par>
+                          <p:cTn id="10" fill="hold">
+                            <p:stCondLst>
+                              <p:cond delay="0"/>
+                            </p:stCondLst>
+                            <p:childTnLst>
+                              <p:par>
+                                <p:cTn id="11" presetID="2" presetClass="mediacall" presetSubtype="0" fill="hold" nodeType="clickEffect">
+                                  <p:stCondLst>
+                                    <p:cond delay="0"/>
+                                  </p:stCondLst>
+                                  <p:childTnLst>
+                                    <p:cmd type="call" cmd="togglePause">
+                                      <p:cBhvr>
+                                        <p:cTn id="12" dur="1" fill="hold"/>
+                                        <p:tgtEl>
+                                          <p:spTgt spid="4"/>
+                                        </p:tgtEl>
+                                      </p:cBhvr>
+                                    </p:cmd>
+                                  </p:childTnLst>
+                                </p:cTn>
+                              </p:par>
+                            </p:childTnLst>
+                          </p:cTn>
+                        </p:par>
+                      </p:childTnLst>
+                    </p:cTn>
+                  </p:par>
+                </p:childTnLst>
+              </p:cTn>
+              <p:nextCondLst>
+                <p:cond evt="onClick" delay="0">
+                  <p:tgtEl>
+                    <p:spTgt spid="4"/>
+                  </p:tgtEl>
+                </p:cond>
+              </p:nextCondLst>
+            </p:seq>
+          </p:childTnLst>
+        </p:cTn>
+      </p:par>
+    </p:tnLst>
+  </p:timing>
+</p:sld>
+</file>
+
+<file path=ppt/slides/slide12.xml><?xml version="1.0" encoding="utf-8"?>
+<p:sld xmlns:a="http://schemas.openxmlformats.org/drawingml/2006/main" xmlns:r="http://schemas.openxmlformats.org/officeDocument/2006/relationships" xmlns:p="http://schemas.openxmlformats.org/presentationml/2006/main">
+  <p:cSld>
+    <p:spTree>
+      <p:nvGrpSpPr>
+        <p:cNvPr id="1" name=""/>
+        <p:cNvGrpSpPr/>
+        <p:nvPr/>
+      </p:nvGrpSpPr>
+      <p:grpSpPr>
+        <a:xfrm>
+          <a:off x="0" y="0"/>
+          <a:ext cx="0" cy="0"/>
+          <a:chOff x="0" y="0"/>
+          <a:chExt cx="0" cy="0"/>
+        </a:xfrm>
+      </p:grpSpPr>
+      <p:sp>
+        <p:nvSpPr>
           <p:cNvPr id="2404354" name="Rectangle 2"/>
           <p:cNvSpPr>
             <a:spLocks noGrp="1" noChangeArrowheads="1"/>
@@ -3529,7 +3786,7 @@
 </p:sld>
 </file>
 
-<file path=ppt/slides/slide12.xml><?xml version="1.0" encoding="utf-8"?>
+<file path=ppt/slides/slide13.xml><?xml version="1.0" encoding="utf-8"?>
 <p:sld xmlns:a="http://schemas.openxmlformats.org/drawingml/2006/main" xmlns:r="http://schemas.openxmlformats.org/officeDocument/2006/relationships" xmlns:p="http://schemas.openxmlformats.org/presentationml/2006/main">
   <p:cSld>
     <p:spTree>
@@ -3663,7 +3920,7 @@
               <a:pPr>
                 <a:defRPr/>
               </a:pPr>
-              <a:t>12</a:t>
+              <a:t>13</a:t>
             </a:fld>
             <a:endParaRPr lang="en-US"/>
           </a:p>
@@ -3710,7 +3967,7 @@
 </p:sld>
 </file>
 
-<file path=ppt/slides/slide13.xml><?xml version="1.0" encoding="utf-8"?>
+<file path=ppt/slides/slide14.xml><?xml version="1.0" encoding="utf-8"?>
 <p:sld xmlns:a="http://schemas.openxmlformats.org/drawingml/2006/main" xmlns:r="http://schemas.openxmlformats.org/officeDocument/2006/relationships" xmlns:p="http://schemas.openxmlformats.org/presentationml/2006/main">
   <p:cSld>
     <p:spTree>
@@ -3806,7 +4063,7 @@
 </p:sld>
 </file>
 
-<file path=ppt/slides/slide14.xml><?xml version="1.0" encoding="utf-8"?>
+<file path=ppt/slides/slide15.xml><?xml version="1.0" encoding="utf-8"?>
 <p:sld xmlns:a="http://schemas.openxmlformats.org/drawingml/2006/main" xmlns:r="http://schemas.openxmlformats.org/officeDocument/2006/relationships" xmlns:p="http://schemas.openxmlformats.org/presentationml/2006/main">
   <p:cSld>
     <p:spTree>
@@ -29640,7 +29897,7 @@
 </p:sld>
 </file>
 
-<file path=ppt/slides/slide15.xml><?xml version="1.0" encoding="utf-8"?>
+<file path=ppt/slides/slide16.xml><?xml version="1.0" encoding="utf-8"?>
 <p:sld xmlns:a="http://schemas.openxmlformats.org/drawingml/2006/main" xmlns:r="http://schemas.openxmlformats.org/officeDocument/2006/relationships" xmlns:p="http://schemas.openxmlformats.org/presentationml/2006/main">
   <p:cSld>
     <p:spTree>
@@ -29774,7 +30031,7 @@
               <a:pPr>
                 <a:defRPr/>
               </a:pPr>
-              <a:t>15</a:t>
+              <a:t>16</a:t>
             </a:fld>
             <a:endParaRPr lang="en-US"/>
           </a:p>
@@ -29788,7 +30045,7 @@
 </p:sld>
 </file>
 
-<file path=ppt/slides/slide16.xml><?xml version="1.0" encoding="utf-8"?>
+<file path=ppt/slides/slide17.xml><?xml version="1.0" encoding="utf-8"?>
 <p:sld xmlns:a="http://schemas.openxmlformats.org/drawingml/2006/main" xmlns:r="http://schemas.openxmlformats.org/officeDocument/2006/relationships" xmlns:p="http://schemas.openxmlformats.org/presentationml/2006/main">
   <p:cSld>
     <p:spTree>
@@ -29846,7 +30103,7 @@
 </p:sld>
 </file>
 
-<file path=ppt/slides/slide17.xml><?xml version="1.0" encoding="utf-8"?>
+<file path=ppt/slides/slide18.xml><?xml version="1.0" encoding="utf-8"?>
 <p:sld xmlns:a="http://schemas.openxmlformats.org/drawingml/2006/main" xmlns:r="http://schemas.openxmlformats.org/officeDocument/2006/relationships" xmlns:p="http://schemas.openxmlformats.org/presentationml/2006/main">
   <p:cSld>
     <p:spTree>
@@ -29904,7 +30161,7 @@
 </p:sld>
 </file>
 
-<file path=ppt/slides/slide18.xml><?xml version="1.0" encoding="utf-8"?>
+<file path=ppt/slides/slide19.xml><?xml version="1.0" encoding="utf-8"?>
 <p:sld xmlns:a="http://schemas.openxmlformats.org/drawingml/2006/main" xmlns:r="http://schemas.openxmlformats.org/officeDocument/2006/relationships" xmlns:p="http://schemas.openxmlformats.org/presentationml/2006/main">
   <p:cSld>
     <p:spTree>
@@ -31270,133 +31527,6 @@
 </p:sld>
 </file>
 
-<file path=ppt/slides/slide19.xml><?xml version="1.0" encoding="utf-8"?>
-<p:sld xmlns:a="http://schemas.openxmlformats.org/drawingml/2006/main" xmlns:r="http://schemas.openxmlformats.org/officeDocument/2006/relationships" xmlns:p="http://schemas.openxmlformats.org/presentationml/2006/main">
-  <p:cSld>
-    <p:spTree>
-      <p:nvGrpSpPr>
-        <p:cNvPr id="1" name=""/>
-        <p:cNvGrpSpPr/>
-        <p:nvPr/>
-      </p:nvGrpSpPr>
-      <p:grpSpPr>
-        <a:xfrm>
-          <a:off x="0" y="0"/>
-          <a:ext cx="0" cy="0"/>
-          <a:chOff x="0" y="0"/>
-          <a:chExt cx="0" cy="0"/>
-        </a:xfrm>
-      </p:grpSpPr>
-      <p:sp>
-        <p:nvSpPr>
-          <p:cNvPr id="2" name="Title 1"/>
-          <p:cNvSpPr>
-            <a:spLocks noGrp="1"/>
-          </p:cNvSpPr>
-          <p:nvPr>
-            <p:ph type="title"/>
-          </p:nvPr>
-        </p:nvSpPr>
-        <p:spPr/>
-        <p:txBody>
-          <a:bodyPr/>
-          <a:lstStyle/>
-          <a:p>
-            <a:endParaRPr lang="en-US"/>
-          </a:p>
-        </p:txBody>
-      </p:sp>
-      <p:sp>
-        <p:nvSpPr>
-          <p:cNvPr id="3" name="Content Placeholder 2"/>
-          <p:cNvSpPr>
-            <a:spLocks noGrp="1"/>
-          </p:cNvSpPr>
-          <p:nvPr>
-            <p:ph idx="1"/>
-          </p:nvPr>
-        </p:nvSpPr>
-        <p:spPr/>
-        <p:txBody>
-          <a:bodyPr/>
-          <a:lstStyle/>
-          <a:p>
-            <a:endParaRPr lang="en-US"/>
-          </a:p>
-        </p:txBody>
-      </p:sp>
-      <p:pic>
-        <p:nvPicPr>
-          <p:cNvPr id="5122" name="Picture 2"/>
-          <p:cNvPicPr>
-            <a:picLocks noChangeAspect="1" noChangeArrowheads="1"/>
-          </p:cNvPicPr>
-          <p:nvPr/>
-        </p:nvPicPr>
-        <p:blipFill>
-          <a:blip r:embed="rId2">
-            <a:extLst>
-              <a:ext uri="{28A0092B-C50C-407E-A947-70E740481C1C}">
-                <a14:useLocalDpi xmlns:a14="http://schemas.microsoft.com/office/drawing/2010/main" val="0"/>
-              </a:ext>
-            </a:extLst>
-          </a:blip>
-          <a:srcRect/>
-          <a:stretch>
-            <a:fillRect/>
-          </a:stretch>
-        </p:blipFill>
-        <p:spPr bwMode="auto">
-          <a:xfrm>
-            <a:off x="1538289" y="386956"/>
-            <a:ext cx="5434012" cy="5696344"/>
-          </a:xfrm>
-          <a:prstGeom prst="rect">
-            <a:avLst/>
-          </a:prstGeom>
-          <a:noFill/>
-          <a:ln>
-            <a:noFill/>
-          </a:ln>
-          <a:effectLst/>
-          <a:extLst>
-            <a:ext uri="{909E8E84-426E-40DD-AFC4-6F175D3DCCD1}">
-              <a14:hiddenFill xmlns:a14="http://schemas.microsoft.com/office/drawing/2010/main">
-                <a:solidFill>
-                  <a:schemeClr val="accent1"/>
-                </a:solidFill>
-              </a14:hiddenFill>
-            </a:ext>
-            <a:ext uri="{91240B29-F687-4F45-9708-019B960494DF}">
-              <a14:hiddenLine xmlns:a14="http://schemas.microsoft.com/office/drawing/2010/main" w="9525">
-                <a:solidFill>
-                  <a:schemeClr val="tx1"/>
-                </a:solidFill>
-                <a:miter lim="800000"/>
-                <a:headEnd/>
-                <a:tailEnd/>
-              </a14:hiddenLine>
-            </a:ext>
-            <a:ext uri="{AF507438-7753-43E0-B8FC-AC1667EBCBE1}">
-              <a14:hiddenEffects xmlns:a14="http://schemas.microsoft.com/office/drawing/2010/main">
-                <a:effectLst>
-                  <a:outerShdw dist="35921" dir="2700000" algn="ctr" rotWithShape="0">
-                    <a:schemeClr val="bg2"/>
-                  </a:outerShdw>
-                </a:effectLst>
-              </a14:hiddenEffects>
-            </a:ext>
-          </a:extLst>
-        </p:spPr>
-      </p:pic>
-    </p:spTree>
-  </p:cSld>
-  <p:clrMapOvr>
-    <a:masterClrMapping/>
-  </p:clrMapOvr>
-</p:sld>
-</file>
-
 <file path=ppt/slides/slide2.xml><?xml version="1.0" encoding="utf-8"?>
 <p:sld xmlns:a="http://schemas.openxmlformats.org/drawingml/2006/main" xmlns:r="http://schemas.openxmlformats.org/officeDocument/2006/relationships" xmlns:p="http://schemas.openxmlformats.org/presentationml/2006/main">
   <p:cSld>
@@ -31696,6 +31826,133 @@
           <a:bodyPr/>
           <a:lstStyle/>
           <a:p>
+            <a:endParaRPr lang="en-US"/>
+          </a:p>
+        </p:txBody>
+      </p:sp>
+      <p:sp>
+        <p:nvSpPr>
+          <p:cNvPr id="3" name="Content Placeholder 2"/>
+          <p:cNvSpPr>
+            <a:spLocks noGrp="1"/>
+          </p:cNvSpPr>
+          <p:nvPr>
+            <p:ph idx="1"/>
+          </p:nvPr>
+        </p:nvSpPr>
+        <p:spPr/>
+        <p:txBody>
+          <a:bodyPr/>
+          <a:lstStyle/>
+          <a:p>
+            <a:endParaRPr lang="en-US"/>
+          </a:p>
+        </p:txBody>
+      </p:sp>
+      <p:pic>
+        <p:nvPicPr>
+          <p:cNvPr id="5122" name="Picture 2"/>
+          <p:cNvPicPr>
+            <a:picLocks noChangeAspect="1" noChangeArrowheads="1"/>
+          </p:cNvPicPr>
+          <p:nvPr/>
+        </p:nvPicPr>
+        <p:blipFill>
+          <a:blip r:embed="rId2">
+            <a:extLst>
+              <a:ext uri="{28A0092B-C50C-407E-A947-70E740481C1C}">
+                <a14:useLocalDpi xmlns:a14="http://schemas.microsoft.com/office/drawing/2010/main" val="0"/>
+              </a:ext>
+            </a:extLst>
+          </a:blip>
+          <a:srcRect/>
+          <a:stretch>
+            <a:fillRect/>
+          </a:stretch>
+        </p:blipFill>
+        <p:spPr bwMode="auto">
+          <a:xfrm>
+            <a:off x="1538289" y="386956"/>
+            <a:ext cx="5434012" cy="5696344"/>
+          </a:xfrm>
+          <a:prstGeom prst="rect">
+            <a:avLst/>
+          </a:prstGeom>
+          <a:noFill/>
+          <a:ln>
+            <a:noFill/>
+          </a:ln>
+          <a:effectLst/>
+          <a:extLst>
+            <a:ext uri="{909E8E84-426E-40DD-AFC4-6F175D3DCCD1}">
+              <a14:hiddenFill xmlns:a14="http://schemas.microsoft.com/office/drawing/2010/main">
+                <a:solidFill>
+                  <a:schemeClr val="accent1"/>
+                </a:solidFill>
+              </a14:hiddenFill>
+            </a:ext>
+            <a:ext uri="{91240B29-F687-4F45-9708-019B960494DF}">
+              <a14:hiddenLine xmlns:a14="http://schemas.microsoft.com/office/drawing/2010/main" w="9525">
+                <a:solidFill>
+                  <a:schemeClr val="tx1"/>
+                </a:solidFill>
+                <a:miter lim="800000"/>
+                <a:headEnd/>
+                <a:tailEnd/>
+              </a14:hiddenLine>
+            </a:ext>
+            <a:ext uri="{AF507438-7753-43E0-B8FC-AC1667EBCBE1}">
+              <a14:hiddenEffects xmlns:a14="http://schemas.microsoft.com/office/drawing/2010/main">
+                <a:effectLst>
+                  <a:outerShdw dist="35921" dir="2700000" algn="ctr" rotWithShape="0">
+                    <a:schemeClr val="bg2"/>
+                  </a:outerShdw>
+                </a:effectLst>
+              </a14:hiddenEffects>
+            </a:ext>
+          </a:extLst>
+        </p:spPr>
+      </p:pic>
+    </p:spTree>
+  </p:cSld>
+  <p:clrMapOvr>
+    <a:masterClrMapping/>
+  </p:clrMapOvr>
+</p:sld>
+</file>
+
+<file path=ppt/slides/slide21.xml><?xml version="1.0" encoding="utf-8"?>
+<p:sld xmlns:a="http://schemas.openxmlformats.org/drawingml/2006/main" xmlns:r="http://schemas.openxmlformats.org/officeDocument/2006/relationships" xmlns:p="http://schemas.openxmlformats.org/presentationml/2006/main">
+  <p:cSld>
+    <p:spTree>
+      <p:nvGrpSpPr>
+        <p:cNvPr id="1" name=""/>
+        <p:cNvGrpSpPr/>
+        <p:nvPr/>
+      </p:nvGrpSpPr>
+      <p:grpSpPr>
+        <a:xfrm>
+          <a:off x="0" y="0"/>
+          <a:ext cx="0" cy="0"/>
+          <a:chOff x="0" y="0"/>
+          <a:chExt cx="0" cy="0"/>
+        </a:xfrm>
+      </p:grpSpPr>
+      <p:sp>
+        <p:nvSpPr>
+          <p:cNvPr id="2" name="Title 1"/>
+          <p:cNvSpPr>
+            <a:spLocks noGrp="1"/>
+          </p:cNvSpPr>
+          <p:nvPr>
+            <p:ph type="title"/>
+          </p:nvPr>
+        </p:nvSpPr>
+        <p:spPr/>
+        <p:txBody>
+          <a:bodyPr/>
+          <a:lstStyle/>
+          <a:p>
             <a:r>
               <a:rPr lang="en-US"/>
               <a:t>Question 223.35.7</a:t>
@@ -31799,7 +32056,7 @@
               <a:pPr>
                 <a:defRPr/>
               </a:pPr>
-              <a:t>20</a:t>
+              <a:t>21</a:t>
             </a:fld>
             <a:endParaRPr lang="en-US"/>
           </a:p>
@@ -31813,7 +32070,7 @@
 </p:sld>
 </file>
 
-<file path=ppt/slides/slide21.xml><?xml version="1.0" encoding="utf-8"?>
+<file path=ppt/slides/slide22.xml><?xml version="1.0" encoding="utf-8"?>
 <p:sld xmlns:a="http://schemas.openxmlformats.org/drawingml/2006/main" xmlns:r="http://schemas.openxmlformats.org/officeDocument/2006/relationships" xmlns:p="http://schemas.openxmlformats.org/presentationml/2006/main">
   <p:cSld>
     <p:spTree>
@@ -31927,7 +32184,7 @@
               <a:pPr>
                 <a:defRPr/>
               </a:pPr>
-              <a:t>21</a:t>
+              <a:t>22</a:t>
             </a:fld>
             <a:endParaRPr lang="en-US"/>
           </a:p>

--- a/Slides/PH223_Lecture_35.pptx
+++ b/Slides/PH223_Lecture_35.pptx
@@ -161,7 +161,7 @@
 <file path=ppt/revisionInfo.xml><?xml version="1.0" encoding="utf-8"?>
 <p1510:revInfo xmlns:a="http://schemas.openxmlformats.org/drawingml/2006/main" xmlns:r="http://schemas.openxmlformats.org/officeDocument/2006/relationships" xmlns:p1510="http://schemas.microsoft.com/office/powerpoint/2015/10/main">
   <p1510:revLst>
-    <p1510:client id="{323D9915-82C1-4A47-8520-A140989421C6}" v="2" dt="2023-09-18T21:56:17.536"/>
+    <p1510:client id="{ECD2871F-8E77-4DD9-BC52-F2A40FA213C4}" v="16" dt="2025-11-11T18:09:55.615"/>
   </p1510:revLst>
 </p1510:revInfo>
 </file>
@@ -169,182 +169,531 @@
 <file path=ppt/changesInfos/changesInfo1.xml><?xml version="1.0" encoding="utf-8"?>
 <pc:chgInfo xmlns:a="http://schemas.openxmlformats.org/drawingml/2006/main" xmlns:r="http://schemas.openxmlformats.org/officeDocument/2006/relationships" xmlns:ac="http://schemas.microsoft.com/office/drawing/2013/main/command" xmlns:pc="http://schemas.microsoft.com/office/powerpoint/2013/main/command">
   <pc:docChgLst>
-    <pc:chgData name="Lines, Todd" userId="afaf7c3a-e8aa-4568-882a-02ad8f9e19b0" providerId="ADAL" clId="{323D9915-82C1-4A47-8520-A140989421C6}"/>
-    <pc:docChg chg="addSld delSld modSld sldOrd">
-      <pc:chgData name="Lines, Todd" userId="afaf7c3a-e8aa-4568-882a-02ad8f9e19b0" providerId="ADAL" clId="{323D9915-82C1-4A47-8520-A140989421C6}" dt="2023-09-18T22:04:03.067" v="54"/>
+    <pc:chgData name="Lines, Todd" userId="afaf7c3a-e8aa-4568-882a-02ad8f9e19b0" providerId="ADAL" clId="{5FF5AC1B-ABA9-43D7-A1E3-2D92732CD6E2}"/>
+    <pc:docChg chg="undo custSel modSld">
+      <pc:chgData name="Lines, Todd" userId="afaf7c3a-e8aa-4568-882a-02ad8f9e19b0" providerId="ADAL" clId="{5FF5AC1B-ABA9-43D7-A1E3-2D92732CD6E2}" dt="2025-11-11T18:09:55.615" v="67" actId="20577"/>
       <pc:docMkLst>
         <pc:docMk/>
       </pc:docMkLst>
-      <pc:sldChg chg="del">
-        <pc:chgData name="Lines, Todd" userId="afaf7c3a-e8aa-4568-882a-02ad8f9e19b0" providerId="ADAL" clId="{323D9915-82C1-4A47-8520-A140989421C6}" dt="2023-09-18T21:54:16.409" v="35" actId="47"/>
+      <pc:sldChg chg="addSp delSp modSp mod">
+        <pc:chgData name="Lines, Todd" userId="afaf7c3a-e8aa-4568-882a-02ad8f9e19b0" providerId="ADAL" clId="{5FF5AC1B-ABA9-43D7-A1E3-2D92732CD6E2}" dt="2025-11-11T18:08:55.968" v="50" actId="27636"/>
         <pc:sldMkLst>
           <pc:docMk/>
-          <pc:sldMk cId="0" sldId="256"/>
+          <pc:sldMk cId="0" sldId="261"/>
         </pc:sldMkLst>
+        <pc:spChg chg="add mod">
+          <ac:chgData name="Lines, Todd" userId="afaf7c3a-e8aa-4568-882a-02ad8f9e19b0" providerId="ADAL" clId="{5FF5AC1B-ABA9-43D7-A1E3-2D92732CD6E2}" dt="2025-11-11T18:08:55.769" v="47" actId="27636"/>
+          <ac:spMkLst>
+            <pc:docMk/>
+            <pc:sldMk cId="0" sldId="261"/>
+            <ac:spMk id="1026" creationId="{00000000-0000-0000-0000-000000000000}"/>
+          </ac:spMkLst>
+        </pc:spChg>
+        <pc:spChg chg="add mod">
+          <ac:chgData name="Lines, Todd" userId="afaf7c3a-e8aa-4568-882a-02ad8f9e19b0" providerId="ADAL" clId="{5FF5AC1B-ABA9-43D7-A1E3-2D92732CD6E2}" dt="2025-11-11T18:08:55.814" v="48" actId="27636"/>
+          <ac:spMkLst>
+            <pc:docMk/>
+            <pc:sldMk cId="0" sldId="261"/>
+            <ac:spMk id="1027" creationId="{00000000-0000-0000-0000-000000000000}"/>
+          </ac:spMkLst>
+        </pc:spChg>
+        <pc:spChg chg="add mod">
+          <ac:chgData name="Lines, Todd" userId="afaf7c3a-e8aa-4568-882a-02ad8f9e19b0" providerId="ADAL" clId="{5FF5AC1B-ABA9-43D7-A1E3-2D92732CD6E2}" dt="2025-11-11T18:08:55.968" v="50" actId="27636"/>
+          <ac:spMkLst>
+            <pc:docMk/>
+            <pc:sldMk cId="0" sldId="261"/>
+            <ac:spMk id="1028" creationId="{00000000-0000-0000-0000-000000000000}"/>
+          </ac:spMkLst>
+        </pc:spChg>
+        <pc:spChg chg="add mod">
+          <ac:chgData name="Lines, Todd" userId="afaf7c3a-e8aa-4568-882a-02ad8f9e19b0" providerId="ADAL" clId="{5FF5AC1B-ABA9-43D7-A1E3-2D92732CD6E2}" dt="2025-11-11T18:08:55.902" v="49" actId="27636"/>
+          <ac:spMkLst>
+            <pc:docMk/>
+            <pc:sldMk cId="0" sldId="261"/>
+            <ac:spMk id="1029" creationId="{00000000-0000-0000-0000-000000000000}"/>
+          </ac:spMkLst>
+        </pc:spChg>
+        <pc:graphicFrameChg chg="del mod replId">
+          <ac:chgData name="Lines, Todd" userId="afaf7c3a-e8aa-4568-882a-02ad8f9e19b0" providerId="ADAL" clId="{5FF5AC1B-ABA9-43D7-A1E3-2D92732CD6E2}" dt="2025-11-11T18:08:54.756" v="29"/>
+          <ac:graphicFrameMkLst>
+            <pc:docMk/>
+            <pc:sldMk cId="0" sldId="261"/>
+            <ac:graphicFrameMk id="2" creationId="{00000000-0000-0000-0000-000000000000}"/>
+          </ac:graphicFrameMkLst>
+        </pc:graphicFrameChg>
+        <pc:graphicFrameChg chg="del mod replId">
+          <ac:chgData name="Lines, Todd" userId="afaf7c3a-e8aa-4568-882a-02ad8f9e19b0" providerId="ADAL" clId="{5FF5AC1B-ABA9-43D7-A1E3-2D92732CD6E2}" dt="2025-11-11T18:08:54.756" v="29"/>
+          <ac:graphicFrameMkLst>
+            <pc:docMk/>
+            <pc:sldMk cId="0" sldId="261"/>
+            <ac:graphicFrameMk id="4" creationId="{00000000-0000-0000-0000-000000000000}"/>
+          </ac:graphicFrameMkLst>
+        </pc:graphicFrameChg>
+        <pc:graphicFrameChg chg="del mod replId">
+          <ac:chgData name="Lines, Todd" userId="afaf7c3a-e8aa-4568-882a-02ad8f9e19b0" providerId="ADAL" clId="{5FF5AC1B-ABA9-43D7-A1E3-2D92732CD6E2}" dt="2025-11-11T18:08:54.756" v="29"/>
+          <ac:graphicFrameMkLst>
+            <pc:docMk/>
+            <pc:sldMk cId="0" sldId="261"/>
+            <ac:graphicFrameMk id="6" creationId="{00000000-0000-0000-0000-000000000000}"/>
+          </ac:graphicFrameMkLst>
+        </pc:graphicFrameChg>
+        <pc:graphicFrameChg chg="del mod replId">
+          <ac:chgData name="Lines, Todd" userId="afaf7c3a-e8aa-4568-882a-02ad8f9e19b0" providerId="ADAL" clId="{5FF5AC1B-ABA9-43D7-A1E3-2D92732CD6E2}" dt="2025-11-11T18:08:54.756" v="29"/>
+          <ac:graphicFrameMkLst>
+            <pc:docMk/>
+            <pc:sldMk cId="0" sldId="261"/>
+            <ac:graphicFrameMk id="8" creationId="{00000000-0000-0000-0000-000000000000}"/>
+          </ac:graphicFrameMkLst>
+        </pc:graphicFrameChg>
       </pc:sldChg>
-      <pc:sldChg chg="modSp mod">
-        <pc:chgData name="Lines, Todd" userId="afaf7c3a-e8aa-4568-882a-02ad8f9e19b0" providerId="ADAL" clId="{323D9915-82C1-4A47-8520-A140989421C6}" dt="2023-09-18T21:54:13.043" v="34" actId="20577"/>
+      <pc:sldChg chg="addSp delSp modSp mod">
+        <pc:chgData name="Lines, Todd" userId="afaf7c3a-e8aa-4568-882a-02ad8f9e19b0" providerId="ADAL" clId="{5FF5AC1B-ABA9-43D7-A1E3-2D92732CD6E2}" dt="2025-11-11T18:09:55.615" v="67" actId="20577"/>
         <pc:sldMkLst>
           <pc:docMk/>
-          <pc:sldMk cId="0" sldId="257"/>
+          <pc:sldMk cId="0" sldId="262"/>
         </pc:sldMkLst>
-        <pc:spChg chg="mod">
-          <ac:chgData name="Lines, Todd" userId="afaf7c3a-e8aa-4568-882a-02ad8f9e19b0" providerId="ADAL" clId="{323D9915-82C1-4A47-8520-A140989421C6}" dt="2023-09-18T21:54:02.834" v="14" actId="20577"/>
+        <pc:spChg chg="add del">
+          <ac:chgData name="Lines, Todd" userId="afaf7c3a-e8aa-4568-882a-02ad8f9e19b0" providerId="ADAL" clId="{5FF5AC1B-ABA9-43D7-A1E3-2D92732CD6E2}" dt="2025-11-11T18:08:44.718" v="2" actId="22"/>
           <ac:spMkLst>
             <pc:docMk/>
-            <pc:sldMk cId="0" sldId="257"/>
-            <ac:spMk id="24578" creationId="{00000000-0000-0000-0000-000000000000}"/>
+            <pc:sldMk cId="0" sldId="262"/>
+            <ac:spMk id="3" creationId="{104C5856-E2C2-E2FB-1DD8-201A10B40B58}"/>
+          </ac:spMkLst>
+        </pc:spChg>
+        <pc:spChg chg="add mod">
+          <ac:chgData name="Lines, Todd" userId="afaf7c3a-e8aa-4568-882a-02ad8f9e19b0" providerId="ADAL" clId="{5FF5AC1B-ABA9-43D7-A1E3-2D92732CD6E2}" dt="2025-11-11T18:09:55.615" v="67" actId="20577"/>
+          <ac:spMkLst>
+            <pc:docMk/>
+            <pc:sldMk cId="0" sldId="262"/>
+            <ac:spMk id="2050" creationId="{00000000-0000-0000-0000-000000000000}"/>
+          </ac:spMkLst>
+        </pc:spChg>
+        <pc:graphicFrameChg chg="del mod replId">
+          <ac:chgData name="Lines, Todd" userId="afaf7c3a-e8aa-4568-882a-02ad8f9e19b0" providerId="ADAL" clId="{5FF5AC1B-ABA9-43D7-A1E3-2D92732CD6E2}" dt="2025-11-11T18:08:54.756" v="29"/>
+          <ac:graphicFrameMkLst>
+            <pc:docMk/>
+            <pc:sldMk cId="0" sldId="262"/>
+            <ac:graphicFrameMk id="6" creationId="{00000000-0000-0000-0000-000000000000}"/>
+          </ac:graphicFrameMkLst>
+        </pc:graphicFrameChg>
+        <pc:picChg chg="add mod">
+          <ac:chgData name="Lines, Todd" userId="afaf7c3a-e8aa-4568-882a-02ad8f9e19b0" providerId="ADAL" clId="{5FF5AC1B-ABA9-43D7-A1E3-2D92732CD6E2}" dt="2025-11-11T18:08:50.129" v="4" actId="1076"/>
+          <ac:picMkLst>
+            <pc:docMk/>
+            <pc:sldMk cId="0" sldId="262"/>
+            <ac:picMk id="5" creationId="{C21D242C-CE45-701C-91E5-D3A3262873AA}"/>
+          </ac:picMkLst>
+        </pc:picChg>
+        <pc:picChg chg="del">
+          <ac:chgData name="Lines, Todd" userId="afaf7c3a-e8aa-4568-882a-02ad8f9e19b0" providerId="ADAL" clId="{5FF5AC1B-ABA9-43D7-A1E3-2D92732CD6E2}" dt="2025-11-11T18:08:42.897" v="0" actId="478"/>
+          <ac:picMkLst>
+            <pc:docMk/>
+            <pc:sldMk cId="0" sldId="262"/>
+            <ac:picMk id="2053" creationId="{00000000-0000-0000-0000-000000000000}"/>
+          </ac:picMkLst>
+        </pc:picChg>
+      </pc:sldChg>
+      <pc:sldChg chg="addSp delSp modSp mod">
+        <pc:chgData name="Lines, Todd" userId="afaf7c3a-e8aa-4568-882a-02ad8f9e19b0" providerId="ADAL" clId="{5FF5AC1B-ABA9-43D7-A1E3-2D92732CD6E2}" dt="2025-11-11T18:08:55.022" v="31" actId="27636"/>
+        <pc:sldMkLst>
+          <pc:docMk/>
+          <pc:sldMk cId="0" sldId="263"/>
+        </pc:sldMkLst>
+        <pc:spChg chg="add mod">
+          <ac:chgData name="Lines, Todd" userId="afaf7c3a-e8aa-4568-882a-02ad8f9e19b0" providerId="ADAL" clId="{5FF5AC1B-ABA9-43D7-A1E3-2D92732CD6E2}" dt="2025-11-11T18:08:54.964" v="30" actId="27636"/>
+          <ac:spMkLst>
+            <pc:docMk/>
+            <pc:sldMk cId="0" sldId="263"/>
+            <ac:spMk id="3074" creationId="{00000000-0000-0000-0000-000000000000}"/>
+          </ac:spMkLst>
+        </pc:spChg>
+        <pc:spChg chg="add mod">
+          <ac:chgData name="Lines, Todd" userId="afaf7c3a-e8aa-4568-882a-02ad8f9e19b0" providerId="ADAL" clId="{5FF5AC1B-ABA9-43D7-A1E3-2D92732CD6E2}" dt="2025-11-11T18:08:55.022" v="31" actId="27636"/>
+          <ac:spMkLst>
+            <pc:docMk/>
+            <pc:sldMk cId="0" sldId="263"/>
+            <ac:spMk id="3075" creationId="{00000000-0000-0000-0000-000000000000}"/>
+          </ac:spMkLst>
+        </pc:spChg>
+        <pc:graphicFrameChg chg="del mod replId">
+          <ac:chgData name="Lines, Todd" userId="afaf7c3a-e8aa-4568-882a-02ad8f9e19b0" providerId="ADAL" clId="{5FF5AC1B-ABA9-43D7-A1E3-2D92732CD6E2}" dt="2025-11-11T18:08:54.756" v="29"/>
+          <ac:graphicFrameMkLst>
+            <pc:docMk/>
+            <pc:sldMk cId="0" sldId="263"/>
+            <ac:graphicFrameMk id="2" creationId="{00000000-0000-0000-0000-000000000000}"/>
+          </ac:graphicFrameMkLst>
+        </pc:graphicFrameChg>
+        <pc:graphicFrameChg chg="del mod replId">
+          <ac:chgData name="Lines, Todd" userId="afaf7c3a-e8aa-4568-882a-02ad8f9e19b0" providerId="ADAL" clId="{5FF5AC1B-ABA9-43D7-A1E3-2D92732CD6E2}" dt="2025-11-11T18:08:54.756" v="29"/>
+          <ac:graphicFrameMkLst>
+            <pc:docMk/>
+            <pc:sldMk cId="0" sldId="263"/>
+            <ac:graphicFrameMk id="4" creationId="{00000000-0000-0000-0000-000000000000}"/>
+          </ac:graphicFrameMkLst>
+        </pc:graphicFrameChg>
+      </pc:sldChg>
+      <pc:sldChg chg="addSp delSp modSp mod">
+        <pc:chgData name="Lines, Todd" userId="afaf7c3a-e8aa-4568-882a-02ad8f9e19b0" providerId="ADAL" clId="{5FF5AC1B-ABA9-43D7-A1E3-2D92732CD6E2}" dt="2025-11-11T18:08:55.594" v="44" actId="27636"/>
+        <pc:sldMkLst>
+          <pc:docMk/>
+          <pc:sldMk cId="0" sldId="269"/>
+        </pc:sldMkLst>
+        <pc:spChg chg="add mod">
+          <ac:chgData name="Lines, Todd" userId="afaf7c3a-e8aa-4568-882a-02ad8f9e19b0" providerId="ADAL" clId="{5FF5AC1B-ABA9-43D7-A1E3-2D92732CD6E2}" dt="2025-11-11T18:08:55.441" v="42" actId="27636"/>
+          <ac:spMkLst>
+            <pc:docMk/>
+            <pc:sldMk cId="0" sldId="269"/>
+            <ac:spMk id="5122" creationId="{00000000-0000-0000-0000-000000000000}"/>
+          </ac:spMkLst>
+        </pc:spChg>
+        <pc:spChg chg="add mod">
+          <ac:chgData name="Lines, Todd" userId="afaf7c3a-e8aa-4568-882a-02ad8f9e19b0" providerId="ADAL" clId="{5FF5AC1B-ABA9-43D7-A1E3-2D92732CD6E2}" dt="2025-11-11T18:08:55.202" v="38" actId="27636"/>
+          <ac:spMkLst>
+            <pc:docMk/>
+            <pc:sldMk cId="0" sldId="269"/>
+            <ac:spMk id="5123" creationId="{00000000-0000-0000-0000-000000000000}"/>
+          </ac:spMkLst>
+        </pc:spChg>
+        <pc:spChg chg="add mod">
+          <ac:chgData name="Lines, Todd" userId="afaf7c3a-e8aa-4568-882a-02ad8f9e19b0" providerId="ADAL" clId="{5FF5AC1B-ABA9-43D7-A1E3-2D92732CD6E2}" dt="2025-11-11T18:08:55.343" v="41" actId="27636"/>
+          <ac:spMkLst>
+            <pc:docMk/>
+            <pc:sldMk cId="0" sldId="269"/>
+            <ac:spMk id="5124" creationId="{00000000-0000-0000-0000-000000000000}"/>
+          </ac:spMkLst>
+        </pc:spChg>
+        <pc:spChg chg="add mod">
+          <ac:chgData name="Lines, Todd" userId="afaf7c3a-e8aa-4568-882a-02ad8f9e19b0" providerId="ADAL" clId="{5FF5AC1B-ABA9-43D7-A1E3-2D92732CD6E2}" dt="2025-11-11T18:08:55.594" v="44" actId="27636"/>
+          <ac:spMkLst>
+            <pc:docMk/>
+            <pc:sldMk cId="0" sldId="269"/>
+            <ac:spMk id="5125" creationId="{00000000-0000-0000-0000-000000000000}"/>
+          </ac:spMkLst>
+        </pc:spChg>
+        <pc:spChg chg="add mod">
+          <ac:chgData name="Lines, Todd" userId="afaf7c3a-e8aa-4568-882a-02ad8f9e19b0" providerId="ADAL" clId="{5FF5AC1B-ABA9-43D7-A1E3-2D92732CD6E2}" dt="2025-11-11T18:08:55.523" v="43" actId="27636"/>
+          <ac:spMkLst>
+            <pc:docMk/>
+            <pc:sldMk cId="0" sldId="269"/>
+            <ac:spMk id="5126" creationId="{00000000-0000-0000-0000-000000000000}"/>
+          </ac:spMkLst>
+        </pc:spChg>
+        <pc:spChg chg="add mod">
+          <ac:chgData name="Lines, Todd" userId="afaf7c3a-e8aa-4568-882a-02ad8f9e19b0" providerId="ADAL" clId="{5FF5AC1B-ABA9-43D7-A1E3-2D92732CD6E2}" dt="2025-11-11T18:08:55.265" v="40" actId="27636"/>
+          <ac:spMkLst>
+            <pc:docMk/>
+            <pc:sldMk cId="0" sldId="269"/>
+            <ac:spMk id="5127" creationId="{00000000-0000-0000-0000-000000000000}"/>
+          </ac:spMkLst>
+        </pc:spChg>
+        <pc:spChg chg="add mod">
+          <ac:chgData name="Lines, Todd" userId="afaf7c3a-e8aa-4568-882a-02ad8f9e19b0" providerId="ADAL" clId="{5FF5AC1B-ABA9-43D7-A1E3-2D92732CD6E2}" dt="2025-11-11T18:08:55.233" v="39" actId="27636"/>
+          <ac:spMkLst>
+            <pc:docMk/>
+            <pc:sldMk cId="0" sldId="269"/>
+            <ac:spMk id="5128" creationId="{00000000-0000-0000-0000-000000000000}"/>
+          </ac:spMkLst>
+        </pc:spChg>
+        <pc:graphicFrameChg chg="del mod replId">
+          <ac:chgData name="Lines, Todd" userId="afaf7c3a-e8aa-4568-882a-02ad8f9e19b0" providerId="ADAL" clId="{5FF5AC1B-ABA9-43D7-A1E3-2D92732CD6E2}" dt="2025-11-11T18:08:54.744" v="20" actId="33423"/>
+          <ac:graphicFrameMkLst>
+            <pc:docMk/>
+            <pc:sldMk cId="0" sldId="269"/>
+            <ac:graphicFrameMk id="2" creationId="{00000000-0000-0000-0000-000000000000}"/>
+          </ac:graphicFrameMkLst>
+        </pc:graphicFrameChg>
+        <pc:graphicFrameChg chg="del mod replId">
+          <ac:chgData name="Lines, Todd" userId="afaf7c3a-e8aa-4568-882a-02ad8f9e19b0" providerId="ADAL" clId="{5FF5AC1B-ABA9-43D7-A1E3-2D92732CD6E2}" dt="2025-11-11T18:08:54.756" v="29"/>
+          <ac:graphicFrameMkLst>
+            <pc:docMk/>
+            <pc:sldMk cId="0" sldId="269"/>
+            <ac:graphicFrameMk id="4" creationId="{00000000-0000-0000-0000-000000000000}"/>
+          </ac:graphicFrameMkLst>
+        </pc:graphicFrameChg>
+        <pc:graphicFrameChg chg="del mod replId">
+          <ac:chgData name="Lines, Todd" userId="afaf7c3a-e8aa-4568-882a-02ad8f9e19b0" providerId="ADAL" clId="{5FF5AC1B-ABA9-43D7-A1E3-2D92732CD6E2}" dt="2025-11-11T18:08:54.747" v="22" actId="33423"/>
+          <ac:graphicFrameMkLst>
+            <pc:docMk/>
+            <pc:sldMk cId="0" sldId="269"/>
+            <ac:graphicFrameMk id="6" creationId="{00000000-0000-0000-0000-000000000000}"/>
+          </ac:graphicFrameMkLst>
+        </pc:graphicFrameChg>
+        <pc:graphicFrameChg chg="del mod replId">
+          <ac:chgData name="Lines, Todd" userId="afaf7c3a-e8aa-4568-882a-02ad8f9e19b0" providerId="ADAL" clId="{5FF5AC1B-ABA9-43D7-A1E3-2D92732CD6E2}" dt="2025-11-11T18:08:54.756" v="29"/>
+          <ac:graphicFrameMkLst>
+            <pc:docMk/>
+            <pc:sldMk cId="0" sldId="269"/>
+            <ac:graphicFrameMk id="8" creationId="{00000000-0000-0000-0000-000000000000}"/>
+          </ac:graphicFrameMkLst>
+        </pc:graphicFrameChg>
+        <pc:graphicFrameChg chg="del mod replId">
+          <ac:chgData name="Lines, Todd" userId="afaf7c3a-e8aa-4568-882a-02ad8f9e19b0" providerId="ADAL" clId="{5FF5AC1B-ABA9-43D7-A1E3-2D92732CD6E2}" dt="2025-11-11T18:08:54.751" v="24" actId="33423"/>
+          <ac:graphicFrameMkLst>
+            <pc:docMk/>
+            <pc:sldMk cId="0" sldId="269"/>
+            <ac:graphicFrameMk id="10" creationId="{00000000-0000-0000-0000-000000000000}"/>
+          </ac:graphicFrameMkLst>
+        </pc:graphicFrameChg>
+        <pc:graphicFrameChg chg="del mod replId">
+          <ac:chgData name="Lines, Todd" userId="afaf7c3a-e8aa-4568-882a-02ad8f9e19b0" providerId="ADAL" clId="{5FF5AC1B-ABA9-43D7-A1E3-2D92732CD6E2}" dt="2025-11-11T18:08:54.752" v="25" actId="33423"/>
+          <ac:graphicFrameMkLst>
+            <pc:docMk/>
+            <pc:sldMk cId="0" sldId="269"/>
+            <ac:graphicFrameMk id="12" creationId="{00000000-0000-0000-0000-000000000000}"/>
+          </ac:graphicFrameMkLst>
+        </pc:graphicFrameChg>
+        <pc:graphicFrameChg chg="del mod replId">
+          <ac:chgData name="Lines, Todd" userId="afaf7c3a-e8aa-4568-882a-02ad8f9e19b0" providerId="ADAL" clId="{5FF5AC1B-ABA9-43D7-A1E3-2D92732CD6E2}" dt="2025-11-11T18:08:54.756" v="29"/>
+          <ac:graphicFrameMkLst>
+            <pc:docMk/>
+            <pc:sldMk cId="0" sldId="269"/>
+            <ac:graphicFrameMk id="14" creationId="{00000000-0000-0000-0000-000000000000}"/>
+          </ac:graphicFrameMkLst>
+        </pc:graphicFrameChg>
+      </pc:sldChg>
+      <pc:sldChg chg="addSp delSp modSp mod">
+        <pc:chgData name="Lines, Todd" userId="afaf7c3a-e8aa-4568-882a-02ad8f9e19b0" providerId="ADAL" clId="{5FF5AC1B-ABA9-43D7-A1E3-2D92732CD6E2}" dt="2025-11-11T18:08:55.709" v="46" actId="27636"/>
+        <pc:sldMkLst>
+          <pc:docMk/>
+          <pc:sldMk cId="0" sldId="270"/>
+        </pc:sldMkLst>
+        <pc:spChg chg="add mod">
+          <ac:chgData name="Lines, Todd" userId="afaf7c3a-e8aa-4568-882a-02ad8f9e19b0" providerId="ADAL" clId="{5FF5AC1B-ABA9-43D7-A1E3-2D92732CD6E2}" dt="2025-11-11T18:08:55.676" v="45" actId="27636"/>
+          <ac:spMkLst>
+            <pc:docMk/>
+            <pc:sldMk cId="0" sldId="270"/>
+            <ac:spMk id="6146" creationId="{00000000-0000-0000-0000-000000000000}"/>
+          </ac:spMkLst>
+        </pc:spChg>
+        <pc:spChg chg="add mod">
+          <ac:chgData name="Lines, Todd" userId="afaf7c3a-e8aa-4568-882a-02ad8f9e19b0" providerId="ADAL" clId="{5FF5AC1B-ABA9-43D7-A1E3-2D92732CD6E2}" dt="2025-11-11T18:08:55.709" v="46" actId="27636"/>
+          <ac:spMkLst>
+            <pc:docMk/>
+            <pc:sldMk cId="0" sldId="270"/>
+            <ac:spMk id="6147" creationId="{00000000-0000-0000-0000-000000000000}"/>
+          </ac:spMkLst>
+        </pc:spChg>
+        <pc:graphicFrameChg chg="del mod replId">
+          <ac:chgData name="Lines, Todd" userId="afaf7c3a-e8aa-4568-882a-02ad8f9e19b0" providerId="ADAL" clId="{5FF5AC1B-ABA9-43D7-A1E3-2D92732CD6E2}" dt="2025-11-11T18:08:54.756" v="29"/>
+          <ac:graphicFrameMkLst>
+            <pc:docMk/>
+            <pc:sldMk cId="0" sldId="270"/>
+            <ac:graphicFrameMk id="2" creationId="{00000000-0000-0000-0000-000000000000}"/>
+          </ac:graphicFrameMkLst>
+        </pc:graphicFrameChg>
+        <pc:graphicFrameChg chg="del mod replId">
+          <ac:chgData name="Lines, Todd" userId="afaf7c3a-e8aa-4568-882a-02ad8f9e19b0" providerId="ADAL" clId="{5FF5AC1B-ABA9-43D7-A1E3-2D92732CD6E2}" dt="2025-11-11T18:08:54.756" v="29"/>
+          <ac:graphicFrameMkLst>
+            <pc:docMk/>
+            <pc:sldMk cId="0" sldId="270"/>
+            <ac:graphicFrameMk id="4" creationId="{00000000-0000-0000-0000-000000000000}"/>
+          </ac:graphicFrameMkLst>
+        </pc:graphicFrameChg>
+      </pc:sldChg>
+      <pc:sldChg chg="addSp delSp modSp mod">
+        <pc:chgData name="Lines, Todd" userId="afaf7c3a-e8aa-4568-882a-02ad8f9e19b0" providerId="ADAL" clId="{5FF5AC1B-ABA9-43D7-A1E3-2D92732CD6E2}" dt="2025-11-11T18:08:54.756" v="29"/>
+        <pc:sldMkLst>
+          <pc:docMk/>
+          <pc:sldMk cId="0" sldId="273"/>
+        </pc:sldMkLst>
+        <pc:spChg chg="add mod">
+          <ac:chgData name="Lines, Todd" userId="afaf7c3a-e8aa-4568-882a-02ad8f9e19b0" providerId="ADAL" clId="{5FF5AC1B-ABA9-43D7-A1E3-2D92732CD6E2}" dt="2025-11-11T18:08:54.756" v="29"/>
+          <ac:spMkLst>
+            <pc:docMk/>
+            <pc:sldMk cId="0" sldId="273"/>
+            <ac:spMk id="17410" creationId="{00000000-0000-0000-0000-000000000000}"/>
+          </ac:spMkLst>
+        </pc:spChg>
+        <pc:spChg chg="add mod">
+          <ac:chgData name="Lines, Todd" userId="afaf7c3a-e8aa-4568-882a-02ad8f9e19b0" providerId="ADAL" clId="{5FF5AC1B-ABA9-43D7-A1E3-2D92732CD6E2}" dt="2025-11-11T18:08:54.756" v="29"/>
+          <ac:spMkLst>
+            <pc:docMk/>
+            <pc:sldMk cId="0" sldId="273"/>
+            <ac:spMk id="17411" creationId="{00000000-0000-0000-0000-000000000000}"/>
           </ac:spMkLst>
         </pc:spChg>
         <pc:spChg chg="mod">
-          <ac:chgData name="Lines, Todd" userId="afaf7c3a-e8aa-4568-882a-02ad8f9e19b0" providerId="ADAL" clId="{323D9915-82C1-4A47-8520-A140989421C6}" dt="2023-09-18T21:54:13.043" v="34" actId="20577"/>
+          <ac:chgData name="Lines, Todd" userId="afaf7c3a-e8aa-4568-882a-02ad8f9e19b0" providerId="ADAL" clId="{5FF5AC1B-ABA9-43D7-A1E3-2D92732CD6E2}" dt="2025-11-11T18:08:54.756" v="29"/>
           <ac:spMkLst>
             <pc:docMk/>
-            <pc:sldMk cId="0" sldId="257"/>
-            <ac:spMk id="24579" creationId="{00000000-0000-0000-0000-000000000000}"/>
+            <pc:sldMk cId="0" sldId="273"/>
+            <ac:spMk id="17418" creationId="{00000000-0000-0000-0000-000000000000}"/>
           </ac:spMkLst>
         </pc:spChg>
+        <pc:spChg chg="mod">
+          <ac:chgData name="Lines, Todd" userId="afaf7c3a-e8aa-4568-882a-02ad8f9e19b0" providerId="ADAL" clId="{5FF5AC1B-ABA9-43D7-A1E3-2D92732CD6E2}" dt="2025-11-11T18:08:54.756" v="29"/>
+          <ac:spMkLst>
+            <pc:docMk/>
+            <pc:sldMk cId="0" sldId="273"/>
+            <ac:spMk id="17419" creationId="{00000000-0000-0000-0000-000000000000}"/>
+          </ac:spMkLst>
+        </pc:spChg>
+        <pc:spChg chg="mod">
+          <ac:chgData name="Lines, Todd" userId="afaf7c3a-e8aa-4568-882a-02ad8f9e19b0" providerId="ADAL" clId="{5FF5AC1B-ABA9-43D7-A1E3-2D92732CD6E2}" dt="2025-11-11T18:08:54.756" v="29"/>
+          <ac:spMkLst>
+            <pc:docMk/>
+            <pc:sldMk cId="0" sldId="273"/>
+            <ac:spMk id="17420" creationId="{00000000-0000-0000-0000-000000000000}"/>
+          </ac:spMkLst>
+        </pc:spChg>
+        <pc:spChg chg="mod">
+          <ac:chgData name="Lines, Todd" userId="afaf7c3a-e8aa-4568-882a-02ad8f9e19b0" providerId="ADAL" clId="{5FF5AC1B-ABA9-43D7-A1E3-2D92732CD6E2}" dt="2025-11-11T18:08:54.756" v="29"/>
+          <ac:spMkLst>
+            <pc:docMk/>
+            <pc:sldMk cId="0" sldId="273"/>
+            <ac:spMk id="17424" creationId="{00000000-0000-0000-0000-000000000000}"/>
+          </ac:spMkLst>
+        </pc:spChg>
+        <pc:spChg chg="mod">
+          <ac:chgData name="Lines, Todd" userId="afaf7c3a-e8aa-4568-882a-02ad8f9e19b0" providerId="ADAL" clId="{5FF5AC1B-ABA9-43D7-A1E3-2D92732CD6E2}" dt="2025-11-11T18:08:54.756" v="29"/>
+          <ac:spMkLst>
+            <pc:docMk/>
+            <pc:sldMk cId="0" sldId="273"/>
+            <ac:spMk id="17426" creationId="{00000000-0000-0000-0000-000000000000}"/>
+          </ac:spMkLst>
+        </pc:spChg>
+        <pc:spChg chg="mod">
+          <ac:chgData name="Lines, Todd" userId="afaf7c3a-e8aa-4568-882a-02ad8f9e19b0" providerId="ADAL" clId="{5FF5AC1B-ABA9-43D7-A1E3-2D92732CD6E2}" dt="2025-11-11T18:08:54.756" v="29"/>
+          <ac:spMkLst>
+            <pc:docMk/>
+            <pc:sldMk cId="0" sldId="273"/>
+            <ac:spMk id="17427" creationId="{00000000-0000-0000-0000-000000000000}"/>
+          </ac:spMkLst>
+        </pc:spChg>
+        <pc:spChg chg="mod">
+          <ac:chgData name="Lines, Todd" userId="afaf7c3a-e8aa-4568-882a-02ad8f9e19b0" providerId="ADAL" clId="{5FF5AC1B-ABA9-43D7-A1E3-2D92732CD6E2}" dt="2025-11-11T18:08:54.756" v="29"/>
+          <ac:spMkLst>
+            <pc:docMk/>
+            <pc:sldMk cId="0" sldId="273"/>
+            <ac:spMk id="17428" creationId="{00000000-0000-0000-0000-000000000000}"/>
+          </ac:spMkLst>
+        </pc:spChg>
+        <pc:spChg chg="mod">
+          <ac:chgData name="Lines, Todd" userId="afaf7c3a-e8aa-4568-882a-02ad8f9e19b0" providerId="ADAL" clId="{5FF5AC1B-ABA9-43D7-A1E3-2D92732CD6E2}" dt="2025-11-11T18:08:54.756" v="29"/>
+          <ac:spMkLst>
+            <pc:docMk/>
+            <pc:sldMk cId="0" sldId="273"/>
+            <ac:spMk id="17430" creationId="{00000000-0000-0000-0000-000000000000}"/>
+          </ac:spMkLst>
+        </pc:spChg>
+        <pc:graphicFrameChg chg="del mod replId">
+          <ac:chgData name="Lines, Todd" userId="afaf7c3a-e8aa-4568-882a-02ad8f9e19b0" providerId="ADAL" clId="{5FF5AC1B-ABA9-43D7-A1E3-2D92732CD6E2}" dt="2025-11-11T18:08:54.735" v="12" actId="33423"/>
+          <ac:graphicFrameMkLst>
+            <pc:docMk/>
+            <pc:sldMk cId="0" sldId="273"/>
+            <ac:graphicFrameMk id="5" creationId="{00000000-0000-0000-0000-000000000000}"/>
+          </ac:graphicFrameMkLst>
+        </pc:graphicFrameChg>
+        <pc:graphicFrameChg chg="del mod replId">
+          <ac:chgData name="Lines, Todd" userId="afaf7c3a-e8aa-4568-882a-02ad8f9e19b0" providerId="ADAL" clId="{5FF5AC1B-ABA9-43D7-A1E3-2D92732CD6E2}" dt="2025-11-11T18:08:54.736" v="13" actId="33423"/>
+          <ac:graphicFrameMkLst>
+            <pc:docMk/>
+            <pc:sldMk cId="0" sldId="273"/>
+            <ac:graphicFrameMk id="7" creationId="{00000000-0000-0000-0000-000000000000}"/>
+          </ac:graphicFrameMkLst>
+        </pc:graphicFrameChg>
       </pc:sldChg>
-      <pc:sldChg chg="del">
-        <pc:chgData name="Lines, Todd" userId="afaf7c3a-e8aa-4568-882a-02ad8f9e19b0" providerId="ADAL" clId="{323D9915-82C1-4A47-8520-A140989421C6}" dt="2023-09-18T21:53:40.049" v="1" actId="47"/>
-        <pc:sldMkLst>
-          <pc:docMk/>
-          <pc:sldMk cId="0" sldId="266"/>
-        </pc:sldMkLst>
-      </pc:sldChg>
-      <pc:sldChg chg="del">
-        <pc:chgData name="Lines, Todd" userId="afaf7c3a-e8aa-4568-882a-02ad8f9e19b0" providerId="ADAL" clId="{323D9915-82C1-4A47-8520-A140989421C6}" dt="2023-09-18T21:53:40.049" v="1" actId="47"/>
-        <pc:sldMkLst>
-          <pc:docMk/>
-          <pc:sldMk cId="0" sldId="267"/>
-        </pc:sldMkLst>
-      </pc:sldChg>
-      <pc:sldChg chg="del">
-        <pc:chgData name="Lines, Todd" userId="afaf7c3a-e8aa-4568-882a-02ad8f9e19b0" providerId="ADAL" clId="{323D9915-82C1-4A47-8520-A140989421C6}" dt="2023-09-18T21:53:40.049" v="1" actId="47"/>
-        <pc:sldMkLst>
-          <pc:docMk/>
-          <pc:sldMk cId="0" sldId="268"/>
-        </pc:sldMkLst>
-      </pc:sldChg>
-      <pc:sldChg chg="del">
-        <pc:chgData name="Lines, Todd" userId="afaf7c3a-e8aa-4568-882a-02ad8f9e19b0" providerId="ADAL" clId="{323D9915-82C1-4A47-8520-A140989421C6}" dt="2023-09-18T21:57:53.412" v="39" actId="47"/>
-        <pc:sldMkLst>
-          <pc:docMk/>
-          <pc:sldMk cId="0" sldId="271"/>
-        </pc:sldMkLst>
-      </pc:sldChg>
-      <pc:sldChg chg="modSp mod">
-        <pc:chgData name="Lines, Todd" userId="afaf7c3a-e8aa-4568-882a-02ad8f9e19b0" providerId="ADAL" clId="{323D9915-82C1-4A47-8520-A140989421C6}" dt="2023-09-18T21:53:08.079" v="0" actId="14100"/>
+      <pc:sldChg chg="addSp delSp modSp mod">
+        <pc:chgData name="Lines, Todd" userId="afaf7c3a-e8aa-4568-882a-02ad8f9e19b0" providerId="ADAL" clId="{5FF5AC1B-ABA9-43D7-A1E3-2D92732CD6E2}" dt="2025-11-11T18:08:55.042" v="32" actId="27636"/>
         <pc:sldMkLst>
           <pc:docMk/>
           <pc:sldMk cId="0" sldId="279"/>
         </pc:sldMkLst>
-        <pc:spChg chg="mod">
-          <ac:chgData name="Lines, Todd" userId="afaf7c3a-e8aa-4568-882a-02ad8f9e19b0" providerId="ADAL" clId="{323D9915-82C1-4A47-8520-A140989421C6}" dt="2023-09-18T21:53:08.079" v="0" actId="14100"/>
+        <pc:spChg chg="add mod">
+          <ac:chgData name="Lines, Todd" userId="afaf7c3a-e8aa-4568-882a-02ad8f9e19b0" providerId="ADAL" clId="{5FF5AC1B-ABA9-43D7-A1E3-2D92732CD6E2}" dt="2025-11-11T18:08:55.042" v="32" actId="27636"/>
           <ac:spMkLst>
             <pc:docMk/>
             <pc:sldMk cId="0" sldId="279"/>
-            <ac:spMk id="18439" creationId="{00000000-0000-0000-0000-000000000000}"/>
+            <ac:spMk id="18434" creationId="{00000000-0000-0000-0000-000000000000}"/>
           </ac:spMkLst>
         </pc:spChg>
+        <pc:graphicFrameChg chg="del mod replId">
+          <ac:chgData name="Lines, Todd" userId="afaf7c3a-e8aa-4568-882a-02ad8f9e19b0" providerId="ADAL" clId="{5FF5AC1B-ABA9-43D7-A1E3-2D92732CD6E2}" dt="2025-11-11T18:08:54.756" v="29"/>
+          <ac:graphicFrameMkLst>
+            <pc:docMk/>
+            <pc:sldMk cId="0" sldId="279"/>
+            <ac:graphicFrameMk id="3" creationId="{00000000-0000-0000-0000-000000000000}"/>
+          </ac:graphicFrameMkLst>
+        </pc:graphicFrameChg>
       </pc:sldChg>
-      <pc:sldChg chg="del">
-        <pc:chgData name="Lines, Todd" userId="afaf7c3a-e8aa-4568-882a-02ad8f9e19b0" providerId="ADAL" clId="{323D9915-82C1-4A47-8520-A140989421C6}" dt="2023-09-18T21:57:55.423" v="40" actId="47"/>
-        <pc:sldMkLst>
-          <pc:docMk/>
-          <pc:sldMk cId="0" sldId="285"/>
-        </pc:sldMkLst>
-      </pc:sldChg>
-      <pc:sldChg chg="add ord">
-        <pc:chgData name="Lines, Todd" userId="afaf7c3a-e8aa-4568-882a-02ad8f9e19b0" providerId="ADAL" clId="{323D9915-82C1-4A47-8520-A140989421C6}" dt="2023-09-18T22:02:50.583" v="48"/>
-        <pc:sldMkLst>
-          <pc:docMk/>
-          <pc:sldMk cId="0" sldId="424"/>
-        </pc:sldMkLst>
-      </pc:sldChg>
-      <pc:sldChg chg="add ord">
-        <pc:chgData name="Lines, Todd" userId="afaf7c3a-e8aa-4568-882a-02ad8f9e19b0" providerId="ADAL" clId="{323D9915-82C1-4A47-8520-A140989421C6}" dt="2023-09-18T22:03:04.346" v="50"/>
-        <pc:sldMkLst>
-          <pc:docMk/>
-          <pc:sldMk cId="0" sldId="425"/>
-        </pc:sldMkLst>
-      </pc:sldChg>
-      <pc:sldChg chg="add ord">
-        <pc:chgData name="Lines, Todd" userId="afaf7c3a-e8aa-4568-882a-02ad8f9e19b0" providerId="ADAL" clId="{323D9915-82C1-4A47-8520-A140989421C6}" dt="2023-09-18T22:03:04.346" v="50"/>
+      <pc:sldChg chg="addSp delSp modSp mod">
+        <pc:chgData name="Lines, Todd" userId="afaf7c3a-e8aa-4568-882a-02ad8f9e19b0" providerId="ADAL" clId="{5FF5AC1B-ABA9-43D7-A1E3-2D92732CD6E2}" dt="2025-11-11T18:08:55.108" v="37" actId="27636"/>
         <pc:sldMkLst>
           <pc:docMk/>
           <pc:sldMk cId="0" sldId="426"/>
         </pc:sldMkLst>
-      </pc:sldChg>
-      <pc:sldChg chg="add ord">
-        <pc:chgData name="Lines, Todd" userId="afaf7c3a-e8aa-4568-882a-02ad8f9e19b0" providerId="ADAL" clId="{323D9915-82C1-4A47-8520-A140989421C6}" dt="2023-09-18T22:04:03.067" v="54"/>
-        <pc:sldMkLst>
-          <pc:docMk/>
-          <pc:sldMk cId="0" sldId="427"/>
-        </pc:sldMkLst>
-      </pc:sldChg>
-      <pc:sldChg chg="add ord">
-        <pc:chgData name="Lines, Todd" userId="afaf7c3a-e8aa-4568-882a-02ad8f9e19b0" providerId="ADAL" clId="{323D9915-82C1-4A47-8520-A140989421C6}" dt="2023-09-18T22:04:03.067" v="54"/>
-        <pc:sldMkLst>
-          <pc:docMk/>
-          <pc:sldMk cId="0" sldId="428"/>
-        </pc:sldMkLst>
-      </pc:sldChg>
-      <pc:sldChg chg="add ord">
-        <pc:chgData name="Lines, Todd" userId="afaf7c3a-e8aa-4568-882a-02ad8f9e19b0" providerId="ADAL" clId="{323D9915-82C1-4A47-8520-A140989421C6}" dt="2023-09-18T22:04:03.067" v="54"/>
-        <pc:sldMkLst>
-          <pc:docMk/>
-          <pc:sldMk cId="0" sldId="429"/>
-        </pc:sldMkLst>
-      </pc:sldChg>
-      <pc:sldChg chg="add ord">
-        <pc:chgData name="Lines, Todd" userId="afaf7c3a-e8aa-4568-882a-02ad8f9e19b0" providerId="ADAL" clId="{323D9915-82C1-4A47-8520-A140989421C6}" dt="2023-09-18T22:04:03.067" v="54"/>
-        <pc:sldMkLst>
-          <pc:docMk/>
-          <pc:sldMk cId="0" sldId="430"/>
-        </pc:sldMkLst>
-      </pc:sldChg>
-      <pc:sldChg chg="add ord">
-        <pc:chgData name="Lines, Todd" userId="afaf7c3a-e8aa-4568-882a-02ad8f9e19b0" providerId="ADAL" clId="{323D9915-82C1-4A47-8520-A140989421C6}" dt="2023-09-18T22:02:11.611" v="46"/>
-        <pc:sldMkLst>
-          <pc:docMk/>
-          <pc:sldMk cId="0" sldId="1079"/>
-        </pc:sldMkLst>
-      </pc:sldChg>
-      <pc:sldChg chg="add ord">
-        <pc:chgData name="Lines, Todd" userId="afaf7c3a-e8aa-4568-882a-02ad8f9e19b0" providerId="ADAL" clId="{323D9915-82C1-4A47-8520-A140989421C6}" dt="2023-09-18T22:03:33.720" v="52"/>
-        <pc:sldMkLst>
-          <pc:docMk/>
-          <pc:sldMk cId="0" sldId="1081"/>
-        </pc:sldMkLst>
-      </pc:sldChg>
-      <pc:sldChg chg="add ord">
-        <pc:chgData name="Lines, Todd" userId="afaf7c3a-e8aa-4568-882a-02ad8f9e19b0" providerId="ADAL" clId="{323D9915-82C1-4A47-8520-A140989421C6}" dt="2023-09-18T22:02:11.611" v="46"/>
-        <pc:sldMkLst>
-          <pc:docMk/>
-          <pc:sldMk cId="0" sldId="1218"/>
-        </pc:sldMkLst>
-      </pc:sldChg>
-      <pc:sldChg chg="add ord">
-        <pc:chgData name="Lines, Todd" userId="afaf7c3a-e8aa-4568-882a-02ad8f9e19b0" providerId="ADAL" clId="{323D9915-82C1-4A47-8520-A140989421C6}" dt="2023-09-18T21:56:36.734" v="38"/>
-        <pc:sldMkLst>
-          <pc:docMk/>
-          <pc:sldMk cId="0" sldId="1219"/>
-        </pc:sldMkLst>
-      </pc:sldChg>
-      <pc:sldChg chg="add ord">
-        <pc:chgData name="Lines, Todd" userId="afaf7c3a-e8aa-4568-882a-02ad8f9e19b0" providerId="ADAL" clId="{323D9915-82C1-4A47-8520-A140989421C6}" dt="2023-09-18T21:58:41.322" v="42"/>
-        <pc:sldMkLst>
-          <pc:docMk/>
-          <pc:sldMk cId="1489329854" sldId="1450"/>
-        </pc:sldMkLst>
-      </pc:sldChg>
-      <pc:sldChg chg="add ord">
-        <pc:chgData name="Lines, Todd" userId="afaf7c3a-e8aa-4568-882a-02ad8f9e19b0" providerId="ADAL" clId="{323D9915-82C1-4A47-8520-A140989421C6}" dt="2023-09-18T22:01:44.441" v="44"/>
-        <pc:sldMkLst>
-          <pc:docMk/>
-          <pc:sldMk cId="2101599553" sldId="1451"/>
-        </pc:sldMkLst>
+        <pc:spChg chg="add mod">
+          <ac:chgData name="Lines, Todd" userId="afaf7c3a-e8aa-4568-882a-02ad8f9e19b0" providerId="ADAL" clId="{5FF5AC1B-ABA9-43D7-A1E3-2D92732CD6E2}" dt="2025-11-11T18:08:55.091" v="36" actId="27636"/>
+          <ac:spMkLst>
+            <pc:docMk/>
+            <pc:sldMk cId="0" sldId="426"/>
+            <ac:spMk id="4098" creationId="{00000000-0000-0000-0000-000000000000}"/>
+          </ac:spMkLst>
+        </pc:spChg>
+        <pc:spChg chg="add mod">
+          <ac:chgData name="Lines, Todd" userId="afaf7c3a-e8aa-4568-882a-02ad8f9e19b0" providerId="ADAL" clId="{5FF5AC1B-ABA9-43D7-A1E3-2D92732CD6E2}" dt="2025-11-11T18:08:55.063" v="33" actId="27636"/>
+          <ac:spMkLst>
+            <pc:docMk/>
+            <pc:sldMk cId="0" sldId="426"/>
+            <ac:spMk id="4099" creationId="{00000000-0000-0000-0000-000000000000}"/>
+          </ac:spMkLst>
+        </pc:spChg>
+        <pc:spChg chg="add mod">
+          <ac:chgData name="Lines, Todd" userId="afaf7c3a-e8aa-4568-882a-02ad8f9e19b0" providerId="ADAL" clId="{5FF5AC1B-ABA9-43D7-A1E3-2D92732CD6E2}" dt="2025-11-11T18:08:55.108" v="37" actId="27636"/>
+          <ac:spMkLst>
+            <pc:docMk/>
+            <pc:sldMk cId="0" sldId="426"/>
+            <ac:spMk id="4100" creationId="{00000000-0000-0000-0000-000000000000}"/>
+          </ac:spMkLst>
+        </pc:spChg>
+        <pc:spChg chg="add mod">
+          <ac:chgData name="Lines, Todd" userId="afaf7c3a-e8aa-4568-882a-02ad8f9e19b0" providerId="ADAL" clId="{5FF5AC1B-ABA9-43D7-A1E3-2D92732CD6E2}" dt="2025-11-11T18:08:55.075" v="34" actId="27636"/>
+          <ac:spMkLst>
+            <pc:docMk/>
+            <pc:sldMk cId="0" sldId="426"/>
+            <ac:spMk id="4101" creationId="{00000000-0000-0000-0000-000000000000}"/>
+          </ac:spMkLst>
+        </pc:spChg>
+        <pc:spChg chg="mod">
+          <ac:chgData name="Lines, Todd" userId="afaf7c3a-e8aa-4568-882a-02ad8f9e19b0" providerId="ADAL" clId="{5FF5AC1B-ABA9-43D7-A1E3-2D92732CD6E2}" dt="2025-11-11T18:08:55.090" v="35" actId="27636"/>
+          <ac:spMkLst>
+            <pc:docMk/>
+            <pc:sldMk cId="0" sldId="426"/>
+            <ac:spMk id="4104" creationId="{00000000-0000-0000-0000-000000000000}"/>
+          </ac:spMkLst>
+        </pc:spChg>
+        <pc:graphicFrameChg chg="del mod replId">
+          <ac:chgData name="Lines, Todd" userId="afaf7c3a-e8aa-4568-882a-02ad8f9e19b0" providerId="ADAL" clId="{5FF5AC1B-ABA9-43D7-A1E3-2D92732CD6E2}" dt="2025-11-11T18:08:54.756" v="29"/>
+          <ac:graphicFrameMkLst>
+            <pc:docMk/>
+            <pc:sldMk cId="0" sldId="426"/>
+            <ac:graphicFrameMk id="2" creationId="{00000000-0000-0000-0000-000000000000}"/>
+          </ac:graphicFrameMkLst>
+        </pc:graphicFrameChg>
+        <pc:graphicFrameChg chg="del mod replId">
+          <ac:chgData name="Lines, Todd" userId="afaf7c3a-e8aa-4568-882a-02ad8f9e19b0" providerId="ADAL" clId="{5FF5AC1B-ABA9-43D7-A1E3-2D92732CD6E2}" dt="2025-11-11T18:08:54.756" v="29"/>
+          <ac:graphicFrameMkLst>
+            <pc:docMk/>
+            <pc:sldMk cId="0" sldId="426"/>
+            <ac:graphicFrameMk id="4" creationId="{00000000-0000-0000-0000-000000000000}"/>
+          </ac:graphicFrameMkLst>
+        </pc:graphicFrameChg>
+        <pc:graphicFrameChg chg="del mod replId">
+          <ac:chgData name="Lines, Todd" userId="afaf7c3a-e8aa-4568-882a-02ad8f9e19b0" providerId="ADAL" clId="{5FF5AC1B-ABA9-43D7-A1E3-2D92732CD6E2}" dt="2025-11-11T18:08:54.756" v="29"/>
+          <ac:graphicFrameMkLst>
+            <pc:docMk/>
+            <pc:sldMk cId="0" sldId="426"/>
+            <ac:graphicFrameMk id="6" creationId="{00000000-0000-0000-0000-000000000000}"/>
+          </ac:graphicFrameMkLst>
+        </pc:graphicFrameChg>
+        <pc:graphicFrameChg chg="del mod replId">
+          <ac:chgData name="Lines, Todd" userId="afaf7c3a-e8aa-4568-882a-02ad8f9e19b0" providerId="ADAL" clId="{5FF5AC1B-ABA9-43D7-A1E3-2D92732CD6E2}" dt="2025-11-11T18:08:54.756" v="29"/>
+          <ac:graphicFrameMkLst>
+            <pc:docMk/>
+            <pc:sldMk cId="0" sldId="426"/>
+            <ac:graphicFrameMk id="8" creationId="{00000000-0000-0000-0000-000000000000}"/>
+          </ac:graphicFrameMkLst>
+        </pc:graphicFrameChg>
       </pc:sldChg>
     </pc:docChg>
   </pc:docChgLst>
@@ -434,7 +783,7 @@
             <a:fld id="{607C28BD-B451-44CB-8598-76CA2A7DC8BD}" type="datetimeFigureOut">
               <a:rPr lang="en-US" smtClean="0"/>
               <a:pPr/>
-              <a:t>9/18/2023</a:t>
+              <a:t>11/11/2025</a:t>
             </a:fld>
             <a:endParaRPr lang="en-US"/>
           </a:p>
@@ -971,7 +1320,7 @@
             <a:fld id="{58A85C90-C599-4103-B9D8-F35C9EFD2BC3}" type="datetimeFigureOut">
               <a:rPr lang="en-US" smtClean="0"/>
               <a:pPr/>
-              <a:t>9/18/2023</a:t>
+              <a:t>11/11/2025</a:t>
             </a:fld>
             <a:endParaRPr lang="en-US"/>
           </a:p>
@@ -1136,7 +1485,7 @@
             <a:fld id="{58A85C90-C599-4103-B9D8-F35C9EFD2BC3}" type="datetimeFigureOut">
               <a:rPr lang="en-US" smtClean="0"/>
               <a:pPr/>
-              <a:t>9/18/2023</a:t>
+              <a:t>11/11/2025</a:t>
             </a:fld>
             <a:endParaRPr lang="en-US"/>
           </a:p>
@@ -1311,7 +1660,7 @@
             <a:fld id="{58A85C90-C599-4103-B9D8-F35C9EFD2BC3}" type="datetimeFigureOut">
               <a:rPr lang="en-US" smtClean="0"/>
               <a:pPr/>
-              <a:t>9/18/2023</a:t>
+              <a:t>11/11/2025</a:t>
             </a:fld>
             <a:endParaRPr lang="en-US"/>
           </a:p>
@@ -1736,7 +2085,7 @@
             <a:fld id="{58A85C90-C599-4103-B9D8-F35C9EFD2BC3}" type="datetimeFigureOut">
               <a:rPr lang="en-US" smtClean="0"/>
               <a:pPr/>
-              <a:t>9/18/2023</a:t>
+              <a:t>11/11/2025</a:t>
             </a:fld>
             <a:endParaRPr lang="en-US"/>
           </a:p>
@@ -1978,7 +2327,7 @@
             <a:fld id="{58A85C90-C599-4103-B9D8-F35C9EFD2BC3}" type="datetimeFigureOut">
               <a:rPr lang="en-US" smtClean="0"/>
               <a:pPr/>
-              <a:t>9/18/2023</a:t>
+              <a:t>11/11/2025</a:t>
             </a:fld>
             <a:endParaRPr lang="en-US"/>
           </a:p>
@@ -2260,7 +2609,7 @@
             <a:fld id="{58A85C90-C599-4103-B9D8-F35C9EFD2BC3}" type="datetimeFigureOut">
               <a:rPr lang="en-US" smtClean="0"/>
               <a:pPr/>
-              <a:t>9/18/2023</a:t>
+              <a:t>11/11/2025</a:t>
             </a:fld>
             <a:endParaRPr lang="en-US"/>
           </a:p>
@@ -2676,7 +3025,7 @@
             <a:fld id="{58A85C90-C599-4103-B9D8-F35C9EFD2BC3}" type="datetimeFigureOut">
               <a:rPr lang="en-US" smtClean="0"/>
               <a:pPr/>
-              <a:t>9/18/2023</a:t>
+              <a:t>11/11/2025</a:t>
             </a:fld>
             <a:endParaRPr lang="en-US"/>
           </a:p>
@@ -2790,7 +3139,7 @@
             <a:fld id="{58A85C90-C599-4103-B9D8-F35C9EFD2BC3}" type="datetimeFigureOut">
               <a:rPr lang="en-US" smtClean="0"/>
               <a:pPr/>
-              <a:t>9/18/2023</a:t>
+              <a:t>11/11/2025</a:t>
             </a:fld>
             <a:endParaRPr lang="en-US"/>
           </a:p>
@@ -2882,7 +3231,7 @@
             <a:fld id="{58A85C90-C599-4103-B9D8-F35C9EFD2BC3}" type="datetimeFigureOut">
               <a:rPr lang="en-US" smtClean="0"/>
               <a:pPr/>
-              <a:t>9/18/2023</a:t>
+              <a:t>11/11/2025</a:t>
             </a:fld>
             <a:endParaRPr lang="en-US"/>
           </a:p>
@@ -3154,7 +3503,7 @@
             <a:fld id="{58A85C90-C599-4103-B9D8-F35C9EFD2BC3}" type="datetimeFigureOut">
               <a:rPr lang="en-US" smtClean="0"/>
               <a:pPr/>
-              <a:t>9/18/2023</a:t>
+              <a:t>11/11/2025</a:t>
             </a:fld>
             <a:endParaRPr lang="en-US"/>
           </a:p>
@@ -3403,7 +3752,7 @@
             <a:fld id="{58A85C90-C599-4103-B9D8-F35C9EFD2BC3}" type="datetimeFigureOut">
               <a:rPr lang="en-US" smtClean="0"/>
               <a:pPr/>
-              <a:t>9/18/2023</a:t>
+              <a:t>11/11/2025</a:t>
             </a:fld>
             <a:endParaRPr lang="en-US"/>
           </a:p>
@@ -3611,7 +3960,7 @@
             <a:fld id="{58A85C90-C599-4103-B9D8-F35C9EFD2BC3}" type="datetimeFigureOut">
               <a:rPr lang="en-US" smtClean="0"/>
               <a:pPr/>
-              <a:t>9/18/2023</a:t>
+              <a:t>11/11/2025</a:t>
             </a:fld>
             <a:endParaRPr lang="en-US"/>
           </a:p>
@@ -10961,76 +11310,152 @@
           </p:txBody>
         </p:sp>
       </p:grpSp>
-      <p:graphicFrame>
-        <p:nvGraphicFramePr>
-          <p:cNvPr id="18434" name="Object 17"/>
-          <p:cNvGraphicFramePr>
-            <a:graphicFrameLocks noChangeAspect="1"/>
-          </p:cNvGraphicFramePr>
-          <p:nvPr/>
-        </p:nvGraphicFramePr>
-        <p:xfrm>
-          <a:off x="5842000" y="1936750"/>
-          <a:ext cx="812800" cy="752475"/>
-        </p:xfrm>
-        <a:graphic>
-          <a:graphicData uri="http://schemas.openxmlformats.org/presentationml/2006/ole">
-            <mc:AlternateContent xmlns:mc="http://schemas.openxmlformats.org/markup-compatibility/2006">
-              <mc:Choice xmlns:v="urn:schemas-microsoft-com:vml" Requires="v">
-                <p:oleObj name="Equation" r:id="rId2" imgW="507960" imgH="469800" progId="Equation.3">
-                  <p:embed/>
-                </p:oleObj>
-              </mc:Choice>
-              <mc:Fallback>
-                <p:oleObj name="Equation" r:id="rId2" imgW="507960" imgH="469800" progId="Equation.3">
-                  <p:embed/>
-                  <p:pic>
-                    <p:nvPicPr>
-                      <p:cNvPr id="18434" name="Object 17"/>
-                      <p:cNvPicPr>
-                        <a:picLocks noChangeAspect="1" noChangeArrowheads="1"/>
-                      </p:cNvPicPr>
-                      <p:nvPr/>
-                    </p:nvPicPr>
-                    <p:blipFill>
-                      <a:blip r:embed="rId3">
-                        <a:extLst>
-                          <a:ext uri="{28A0092B-C50C-407E-A947-70E740481C1C}">
-                            <a14:useLocalDpi xmlns:a14="http://schemas.microsoft.com/office/drawing/2010/main" val="0"/>
-                          </a:ext>
-                        </a:extLst>
-                      </a:blip>
-                      <a:srcRect/>
-                      <a:stretch>
-                        <a:fillRect/>
-                      </a:stretch>
-                    </p:blipFill>
-                    <p:spPr bwMode="auto">
-                      <a:xfrm>
-                        <a:off x="5842000" y="1936750"/>
-                        <a:ext cx="812800" cy="752475"/>
-                      </a:xfrm>
-                      <a:prstGeom prst="rect">
-                        <a:avLst/>
-                      </a:prstGeom>
-                      <a:noFill/>
-                      <a:extLst>
-                        <a:ext uri="{909E8E84-426E-40DD-AFC4-6F175D3DCCD1}">
-                          <a14:hiddenFill xmlns:a14="http://schemas.microsoft.com/office/drawing/2010/main">
-                            <a:solidFill>
-                              <a:srgbClr val="FFFFFF"/>
-                            </a:solidFill>
-                          </a14:hiddenFill>
-                        </a:ext>
-                      </a:extLst>
-                    </p:spPr>
-                  </p:pic>
-                </p:oleObj>
-              </mc:Fallback>
-            </mc:AlternateContent>
-          </a:graphicData>
-        </a:graphic>
-      </p:graphicFrame>
+      <mc:AlternateContent xmlns:mc="http://schemas.openxmlformats.org/markup-compatibility/2006">
+        <mc:Choice xmlns:a14="http://schemas.microsoft.com/office/drawing/2010/main" Requires="a14">
+          <p:sp>
+            <p:nvSpPr>
+              <p:cNvPr id="18434" name="Object 17"/>
+              <p:cNvSpPr txBox="1"/>
+              <p:nvPr/>
+            </p:nvSpPr>
+            <p:spPr bwMode="auto">
+              <a:xfrm>
+                <a:off x="5842000" y="1936750"/>
+                <a:ext cx="812800" cy="752475"/>
+              </a:xfrm>
+              <a:prstGeom prst="rect">
+                <a:avLst/>
+              </a:prstGeom>
+              <a:noFill/>
+            </p:spPr>
+            <p:txBody>
+              <a:bodyPr>
+                <a:normAutofit fontScale="77500" lnSpcReduction="20000"/>
+              </a:bodyPr>
+              <a:lstStyle/>
+              <a:p>
+                <a:pPr/>
+                <a14:m>
+                  <m:oMathPara xmlns:m="http://schemas.openxmlformats.org/officeDocument/2006/math">
+                    <m:oMathParaPr>
+                      <m:jc m:val="left"/>
+                    </m:oMathParaPr>
+                    <m:oMath xmlns:m="http://schemas.openxmlformats.org/officeDocument/2006/math">
+                      <m:r>
+                        <a:rPr lang="en-US" i="1">
+                          <a:solidFill>
+                            <a:srgbClr val="000000"/>
+                          </a:solidFill>
+                          <a:latin typeface="Cambria Math" panose="02040503050406030204" pitchFamily="18" charset="0"/>
+                        </a:rPr>
+                        <m:t>𝑣</m:t>
+                      </m:r>
+                      <m:r>
+                        <a:rPr lang="en-US" i="1">
+                          <a:solidFill>
+                            <a:srgbClr val="000000"/>
+                          </a:solidFill>
+                          <a:latin typeface="Cambria Math" panose="02040503050406030204" pitchFamily="18" charset="0"/>
+                        </a:rPr>
+                        <m:t>=</m:t>
+                      </m:r>
+                      <m:rad>
+                        <m:radPr>
+                          <m:degHide m:val="on"/>
+                          <m:ctrlPr>
+                            <a:rPr lang="en-US" i="1">
+                              <a:solidFill>
+                                <a:srgbClr val="000000"/>
+                              </a:solidFill>
+                              <a:latin typeface="Cambria Math" panose="02040503050406030204" pitchFamily="18" charset="0"/>
+                            </a:rPr>
+                          </m:ctrlPr>
+                        </m:radPr>
+                        <m:deg/>
+                        <m:e>
+                          <m:f>
+                            <m:fPr>
+                              <m:ctrlPr>
+                                <a:rPr lang="en-US" i="1">
+                                  <a:solidFill>
+                                    <a:srgbClr val="000000"/>
+                                  </a:solidFill>
+                                  <a:latin typeface="Cambria Math" panose="02040503050406030204" pitchFamily="18" charset="0"/>
+                                </a:rPr>
+                              </m:ctrlPr>
+                            </m:fPr>
+                            <m:num>
+                              <m:r>
+                                <a:rPr lang="en-US" i="1">
+                                  <a:solidFill>
+                                    <a:srgbClr val="000000"/>
+                                  </a:solidFill>
+                                  <a:latin typeface="Cambria Math" panose="02040503050406030204" pitchFamily="18" charset="0"/>
+                                </a:rPr>
+                                <m:t>𝑇</m:t>
+                              </m:r>
+                            </m:num>
+                            <m:den>
+                              <m:r>
+                                <a:rPr lang="en-US" i="1">
+                                  <a:solidFill>
+                                    <a:srgbClr val="000000"/>
+                                  </a:solidFill>
+                                  <a:latin typeface="Cambria Math" panose="02040503050406030204" pitchFamily="18" charset="0"/>
+                                </a:rPr>
+                                <m:t>𝜇</m:t>
+                              </m:r>
+                            </m:den>
+                          </m:f>
+                        </m:e>
+                      </m:rad>
+                    </m:oMath>
+                  </m:oMathPara>
+                </a14:m>
+                <a:endParaRPr lang="en-US"/>
+              </a:p>
+            </p:txBody>
+          </p:sp>
+        </mc:Choice>
+        <mc:Fallback>
+          <p:sp>
+            <p:nvSpPr>
+              <p:cNvPr id="18434" name="Object 17"/>
+              <p:cNvSpPr txBox="1">
+                <a:spLocks noRot="1" noChangeAspect="1" noMove="1" noResize="1" noEditPoints="1" noAdjustHandles="1" noChangeArrowheads="1" noChangeShapeType="1" noTextEdit="1"/>
+              </p:cNvSpPr>
+              <p:nvPr/>
+            </p:nvSpPr>
+            <p:spPr bwMode="auto">
+              <a:xfrm>
+                <a:off x="5842000" y="1936750"/>
+                <a:ext cx="812800" cy="752475"/>
+              </a:xfrm>
+              <a:prstGeom prst="rect">
+                <a:avLst/>
+              </a:prstGeom>
+              <a:blipFill>
+                <a:blip r:embed="rId2"/>
+                <a:stretch>
+                  <a:fillRect/>
+                </a:stretch>
+              </a:blipFill>
+            </p:spPr>
+            <p:txBody>
+              <a:bodyPr/>
+              <a:lstStyle/>
+              <a:p>
+                <a:r>
+                  <a:rPr lang="en-US">
+                    <a:noFill/>
+                  </a:rPr>
+                  <a:t> </a:t>
+                </a:r>
+              </a:p>
+            </p:txBody>
+          </p:sp>
+        </mc:Fallback>
+      </mc:AlternateContent>
     </p:spTree>
   </p:cSld>
   <p:clrMapOvr>
@@ -11361,76 +11786,214 @@
           </a:p>
         </p:txBody>
       </p:sp>
-      <p:graphicFrame>
-        <p:nvGraphicFramePr>
-          <p:cNvPr id="1026" name="Object 7"/>
-          <p:cNvGraphicFramePr>
-            <a:graphicFrameLocks noChangeAspect="1"/>
-          </p:cNvGraphicFramePr>
-          <p:nvPr/>
-        </p:nvGraphicFramePr>
-        <p:xfrm>
-          <a:off x="2401888" y="3190875"/>
-          <a:ext cx="1144587" cy="215900"/>
-        </p:xfrm>
-        <a:graphic>
-          <a:graphicData uri="http://schemas.openxmlformats.org/presentationml/2006/ole">
-            <mc:AlternateContent xmlns:mc="http://schemas.openxmlformats.org/markup-compatibility/2006">
-              <mc:Choice xmlns:v="urn:schemas-microsoft-com:vml" Requires="v">
-                <p:oleObj name="Equation" r:id="rId5" imgW="1143000" imgH="215640" progId="Equation.3">
-                  <p:embed/>
-                </p:oleObj>
-              </mc:Choice>
-              <mc:Fallback>
-                <p:oleObj name="Equation" r:id="rId5" imgW="1143000" imgH="215640" progId="Equation.3">
-                  <p:embed/>
-                  <p:pic>
-                    <p:nvPicPr>
-                      <p:cNvPr id="1026" name="Object 7"/>
-                      <p:cNvPicPr>
-                        <a:picLocks noChangeAspect="1" noChangeArrowheads="1"/>
-                      </p:cNvPicPr>
-                      <p:nvPr/>
-                    </p:nvPicPr>
-                    <p:blipFill>
-                      <a:blip r:embed="rId6">
-                        <a:extLst>
-                          <a:ext uri="{28A0092B-C50C-407E-A947-70E740481C1C}">
-                            <a14:useLocalDpi xmlns:a14="http://schemas.microsoft.com/office/drawing/2010/main" val="0"/>
-                          </a:ext>
-                        </a:extLst>
-                      </a:blip>
-                      <a:srcRect/>
-                      <a:stretch>
-                        <a:fillRect/>
-                      </a:stretch>
-                    </p:blipFill>
-                    <p:spPr bwMode="auto">
-                      <a:xfrm>
-                        <a:off x="2401888" y="3190875"/>
-                        <a:ext cx="1144587" cy="215900"/>
-                      </a:xfrm>
-                      <a:prstGeom prst="rect">
-                        <a:avLst/>
-                      </a:prstGeom>
-                      <a:noFill/>
-                      <a:extLst>
-                        <a:ext uri="{909E8E84-426E-40DD-AFC4-6F175D3DCCD1}">
-                          <a14:hiddenFill xmlns:a14="http://schemas.microsoft.com/office/drawing/2010/main">
-                            <a:solidFill>
-                              <a:srgbClr val="FFFFFF"/>
-                            </a:solidFill>
-                          </a14:hiddenFill>
-                        </a:ext>
-                      </a:extLst>
-                    </p:spPr>
-                  </p:pic>
-                </p:oleObj>
-              </mc:Fallback>
-            </mc:AlternateContent>
-          </a:graphicData>
-        </a:graphic>
-      </p:graphicFrame>
+      <mc:AlternateContent xmlns:mc="http://schemas.openxmlformats.org/markup-compatibility/2006">
+        <mc:Choice xmlns:a14="http://schemas.microsoft.com/office/drawing/2010/main" Requires="a14">
+          <p:sp>
+            <p:nvSpPr>
+              <p:cNvPr id="1026" name="Object 7"/>
+              <p:cNvSpPr txBox="1"/>
+              <p:nvPr/>
+            </p:nvSpPr>
+            <p:spPr bwMode="auto">
+              <a:xfrm>
+                <a:off x="2401888" y="3190875"/>
+                <a:ext cx="1144587" cy="215900"/>
+              </a:xfrm>
+              <a:prstGeom prst="rect">
+                <a:avLst/>
+              </a:prstGeom>
+              <a:noFill/>
+            </p:spPr>
+            <p:txBody>
+              <a:bodyPr>
+                <a:normAutofit fontScale="40000" lnSpcReduction="20000"/>
+              </a:bodyPr>
+              <a:lstStyle/>
+              <a:p>
+                <a:pPr/>
+                <a14:m>
+                  <m:oMathPara xmlns:m="http://schemas.openxmlformats.org/officeDocument/2006/math">
+                    <m:oMathParaPr>
+                      <m:jc m:val="left"/>
+                    </m:oMathParaPr>
+                    <m:oMath xmlns:m="http://schemas.openxmlformats.org/officeDocument/2006/math">
+                      <m:sSub>
+                        <m:sSubPr>
+                          <m:ctrlPr>
+                            <a:rPr lang="en-US" i="1">
+                              <a:solidFill>
+                                <a:srgbClr val="000000"/>
+                              </a:solidFill>
+                              <a:latin typeface="Cambria Math" panose="02040503050406030204" pitchFamily="18" charset="0"/>
+                            </a:rPr>
+                          </m:ctrlPr>
+                        </m:sSubPr>
+                        <m:e>
+                          <m:r>
+                            <a:rPr lang="en-US" i="1">
+                              <a:solidFill>
+                                <a:srgbClr val="000000"/>
+                              </a:solidFill>
+                              <a:latin typeface="Cambria Math" panose="02040503050406030204" pitchFamily="18" charset="0"/>
+                            </a:rPr>
+                            <m:t>𝑦</m:t>
+                          </m:r>
+                        </m:e>
+                        <m:sub>
+                          <m:r>
+                            <a:rPr lang="en-US" i="1">
+                              <a:solidFill>
+                                <a:srgbClr val="000000"/>
+                              </a:solidFill>
+                              <a:latin typeface="Cambria Math" panose="02040503050406030204" pitchFamily="18" charset="0"/>
+                            </a:rPr>
+                            <m:t>1</m:t>
+                          </m:r>
+                        </m:sub>
+                      </m:sSub>
+                      <m:r>
+                        <a:rPr lang="en-US" i="1">
+                          <a:solidFill>
+                            <a:srgbClr val="000000"/>
+                          </a:solidFill>
+                          <a:latin typeface="Cambria Math" panose="02040503050406030204" pitchFamily="18" charset="0"/>
+                        </a:rPr>
+                        <m:t>=</m:t>
+                      </m:r>
+                      <m:r>
+                        <a:rPr lang="en-US" i="1">
+                          <a:solidFill>
+                            <a:srgbClr val="000000"/>
+                          </a:solidFill>
+                          <a:latin typeface="Cambria Math" panose="02040503050406030204" pitchFamily="18" charset="0"/>
+                        </a:rPr>
+                        <m:t>𝐴</m:t>
+                      </m:r>
+                      <m:func>
+                        <m:funcPr>
+                          <m:ctrlPr>
+                            <a:rPr lang="en-US" i="1">
+                              <a:solidFill>
+                                <a:srgbClr val="000000"/>
+                              </a:solidFill>
+                              <a:latin typeface="Cambria Math" panose="02040503050406030204" pitchFamily="18" charset="0"/>
+                            </a:rPr>
+                          </m:ctrlPr>
+                        </m:funcPr>
+                        <m:fName>
+                          <m:r>
+                            <m:rPr>
+                              <m:sty m:val="p"/>
+                            </m:rPr>
+                            <a:rPr lang="en-US" i="0">
+                              <a:solidFill>
+                                <a:srgbClr val="000000"/>
+                              </a:solidFill>
+                              <a:latin typeface="Cambria Math" panose="02040503050406030204" pitchFamily="18" charset="0"/>
+                            </a:rPr>
+                            <m:t>sin</m:t>
+                          </m:r>
+                        </m:fName>
+                        <m:e>
+                          <m:d>
+                            <m:dPr>
+                              <m:ctrlPr>
+                                <a:rPr lang="en-US" i="1">
+                                  <a:solidFill>
+                                    <a:srgbClr val="000000"/>
+                                  </a:solidFill>
+                                  <a:latin typeface="Cambria Math" panose="02040503050406030204" pitchFamily="18" charset="0"/>
+                                </a:rPr>
+                              </m:ctrlPr>
+                            </m:dPr>
+                            <m:e>
+                              <m:r>
+                                <a:rPr lang="en-US" i="1">
+                                  <a:solidFill>
+                                    <a:srgbClr val="000000"/>
+                                  </a:solidFill>
+                                  <a:latin typeface="Cambria Math" panose="02040503050406030204" pitchFamily="18" charset="0"/>
+                                </a:rPr>
+                                <m:t>𝑘𝑥</m:t>
+                              </m:r>
+                              <m:r>
+                                <a:rPr lang="en-US" i="1">
+                                  <a:solidFill>
+                                    <a:srgbClr val="000000"/>
+                                  </a:solidFill>
+                                  <a:latin typeface="Cambria Math" panose="02040503050406030204" pitchFamily="18" charset="0"/>
+                                </a:rPr>
+                                <m:t>−</m:t>
+                              </m:r>
+                              <m:r>
+                                <a:rPr lang="en-US" i="1">
+                                  <a:solidFill>
+                                    <a:srgbClr val="000000"/>
+                                  </a:solidFill>
+                                  <a:latin typeface="Cambria Math" panose="02040503050406030204" pitchFamily="18" charset="0"/>
+                                </a:rPr>
+                                <m:t>𝜔</m:t>
+                              </m:r>
+                              <m:r>
+                                <a:rPr lang="en-US" i="1">
+                                  <a:solidFill>
+                                    <a:srgbClr val="000000"/>
+                                  </a:solidFill>
+                                  <a:latin typeface="Cambria Math" panose="02040503050406030204" pitchFamily="18" charset="0"/>
+                                </a:rPr>
+                                <m:t>𝑡</m:t>
+                              </m:r>
+                            </m:e>
+                          </m:d>
+                        </m:e>
+                      </m:func>
+                    </m:oMath>
+                  </m:oMathPara>
+                </a14:m>
+                <a:endParaRPr lang="en-US"/>
+              </a:p>
+            </p:txBody>
+          </p:sp>
+        </mc:Choice>
+        <mc:Fallback>
+          <p:sp>
+            <p:nvSpPr>
+              <p:cNvPr id="1026" name="Object 7"/>
+              <p:cNvSpPr txBox="1">
+                <a:spLocks noRot="1" noChangeAspect="1" noMove="1" noResize="1" noEditPoints="1" noAdjustHandles="1" noChangeArrowheads="1" noChangeShapeType="1" noTextEdit="1"/>
+              </p:cNvSpPr>
+              <p:nvPr/>
+            </p:nvSpPr>
+            <p:spPr bwMode="auto">
+              <a:xfrm>
+                <a:off x="2401888" y="3190875"/>
+                <a:ext cx="1144587" cy="215900"/>
+              </a:xfrm>
+              <a:prstGeom prst="rect">
+                <a:avLst/>
+              </a:prstGeom>
+              <a:blipFill>
+                <a:blip r:embed="rId5"/>
+                <a:stretch>
+                  <a:fillRect/>
+                </a:stretch>
+              </a:blipFill>
+            </p:spPr>
+            <p:txBody>
+              <a:bodyPr/>
+              <a:lstStyle/>
+              <a:p>
+                <a:r>
+                  <a:rPr lang="en-US">
+                    <a:noFill/>
+                  </a:rPr>
+                  <a:t> </a:t>
+                </a:r>
+              </a:p>
+            </p:txBody>
+          </p:sp>
+        </mc:Fallback>
+      </mc:AlternateContent>
       <p:sp>
         <p:nvSpPr>
           <p:cNvPr id="1036" name="Rectangle 10"/>
@@ -11465,76 +12028,232 @@
           </a:p>
         </p:txBody>
       </p:sp>
-      <p:graphicFrame>
-        <p:nvGraphicFramePr>
-          <p:cNvPr id="1027" name="Object 9"/>
-          <p:cNvGraphicFramePr>
-            <a:graphicFrameLocks noChangeAspect="1"/>
-          </p:cNvGraphicFramePr>
-          <p:nvPr/>
-        </p:nvGraphicFramePr>
-        <p:xfrm>
-          <a:off x="5705475" y="3262313"/>
-          <a:ext cx="1373188" cy="217487"/>
-        </p:xfrm>
-        <a:graphic>
-          <a:graphicData uri="http://schemas.openxmlformats.org/presentationml/2006/ole">
-            <mc:AlternateContent xmlns:mc="http://schemas.openxmlformats.org/markup-compatibility/2006">
-              <mc:Choice xmlns:v="urn:schemas-microsoft-com:vml" Requires="v">
-                <p:oleObj name="Equation" r:id="rId7" imgW="1371600" imgH="215640" progId="Equation.3">
-                  <p:embed/>
-                </p:oleObj>
-              </mc:Choice>
-              <mc:Fallback>
-                <p:oleObj name="Equation" r:id="rId7" imgW="1371600" imgH="215640" progId="Equation.3">
-                  <p:embed/>
-                  <p:pic>
-                    <p:nvPicPr>
-                      <p:cNvPr id="1027" name="Object 9"/>
-                      <p:cNvPicPr>
-                        <a:picLocks noChangeAspect="1" noChangeArrowheads="1"/>
-                      </p:cNvPicPr>
-                      <p:nvPr/>
-                    </p:nvPicPr>
-                    <p:blipFill>
-                      <a:blip r:embed="rId8">
-                        <a:extLst>
-                          <a:ext uri="{28A0092B-C50C-407E-A947-70E740481C1C}">
-                            <a14:useLocalDpi xmlns:a14="http://schemas.microsoft.com/office/drawing/2010/main" val="0"/>
-                          </a:ext>
-                        </a:extLst>
-                      </a:blip>
-                      <a:srcRect/>
-                      <a:stretch>
-                        <a:fillRect/>
-                      </a:stretch>
-                    </p:blipFill>
-                    <p:spPr bwMode="auto">
-                      <a:xfrm>
-                        <a:off x="5705475" y="3262313"/>
-                        <a:ext cx="1373188" cy="217487"/>
-                      </a:xfrm>
-                      <a:prstGeom prst="rect">
-                        <a:avLst/>
-                      </a:prstGeom>
-                      <a:noFill/>
-                      <a:extLst>
-                        <a:ext uri="{909E8E84-426E-40DD-AFC4-6F175D3DCCD1}">
-                          <a14:hiddenFill xmlns:a14="http://schemas.microsoft.com/office/drawing/2010/main">
-                            <a:solidFill>
-                              <a:srgbClr val="FFFFFF"/>
-                            </a:solidFill>
-                          </a14:hiddenFill>
-                        </a:ext>
-                      </a:extLst>
-                    </p:spPr>
-                  </p:pic>
-                </p:oleObj>
-              </mc:Fallback>
-            </mc:AlternateContent>
-          </a:graphicData>
-        </a:graphic>
-      </p:graphicFrame>
+      <mc:AlternateContent xmlns:mc="http://schemas.openxmlformats.org/markup-compatibility/2006">
+        <mc:Choice xmlns:a14="http://schemas.microsoft.com/office/drawing/2010/main" Requires="a14">
+          <p:sp>
+            <p:nvSpPr>
+              <p:cNvPr id="1027" name="Object 9"/>
+              <p:cNvSpPr txBox="1"/>
+              <p:nvPr/>
+            </p:nvSpPr>
+            <p:spPr bwMode="auto">
+              <a:xfrm>
+                <a:off x="5705475" y="3262313"/>
+                <a:ext cx="1373188" cy="217487"/>
+              </a:xfrm>
+              <a:prstGeom prst="rect">
+                <a:avLst/>
+              </a:prstGeom>
+              <a:noFill/>
+            </p:spPr>
+            <p:txBody>
+              <a:bodyPr>
+                <a:normAutofit fontScale="40000" lnSpcReduction="20000"/>
+              </a:bodyPr>
+              <a:lstStyle/>
+              <a:p>
+                <a:pPr/>
+                <a14:m>
+                  <m:oMathPara xmlns:m="http://schemas.openxmlformats.org/officeDocument/2006/math">
+                    <m:oMathParaPr>
+                      <m:jc m:val="left"/>
+                    </m:oMathParaPr>
+                    <m:oMath xmlns:m="http://schemas.openxmlformats.org/officeDocument/2006/math">
+                      <m:sSub>
+                        <m:sSubPr>
+                          <m:ctrlPr>
+                            <a:rPr lang="en-US" i="1">
+                              <a:solidFill>
+                                <a:srgbClr val="000000"/>
+                              </a:solidFill>
+                              <a:latin typeface="Cambria Math" panose="02040503050406030204" pitchFamily="18" charset="0"/>
+                            </a:rPr>
+                          </m:ctrlPr>
+                        </m:sSubPr>
+                        <m:e>
+                          <m:r>
+                            <a:rPr lang="en-US" i="1">
+                              <a:solidFill>
+                                <a:srgbClr val="000000"/>
+                              </a:solidFill>
+                              <a:latin typeface="Cambria Math" panose="02040503050406030204" pitchFamily="18" charset="0"/>
+                            </a:rPr>
+                            <m:t>𝑦</m:t>
+                          </m:r>
+                        </m:e>
+                        <m:sub>
+                          <m:r>
+                            <a:rPr lang="en-US" i="1">
+                              <a:solidFill>
+                                <a:srgbClr val="000000"/>
+                              </a:solidFill>
+                              <a:latin typeface="Cambria Math" panose="02040503050406030204" pitchFamily="18" charset="0"/>
+                            </a:rPr>
+                            <m:t>2</m:t>
+                          </m:r>
+                        </m:sub>
+                      </m:sSub>
+                      <m:r>
+                        <a:rPr lang="en-US" i="1">
+                          <a:solidFill>
+                            <a:srgbClr val="000000"/>
+                          </a:solidFill>
+                          <a:latin typeface="Cambria Math" panose="02040503050406030204" pitchFamily="18" charset="0"/>
+                        </a:rPr>
+                        <m:t>=</m:t>
+                      </m:r>
+                      <m:r>
+                        <a:rPr lang="en-US" i="1">
+                          <a:solidFill>
+                            <a:srgbClr val="000000"/>
+                          </a:solidFill>
+                          <a:latin typeface="Cambria Math" panose="02040503050406030204" pitchFamily="18" charset="0"/>
+                        </a:rPr>
+                        <m:t>𝐴</m:t>
+                      </m:r>
+                      <m:func>
+                        <m:funcPr>
+                          <m:ctrlPr>
+                            <a:rPr lang="en-US" i="1">
+                              <a:solidFill>
+                                <a:srgbClr val="000000"/>
+                              </a:solidFill>
+                              <a:latin typeface="Cambria Math" panose="02040503050406030204" pitchFamily="18" charset="0"/>
+                            </a:rPr>
+                          </m:ctrlPr>
+                        </m:funcPr>
+                        <m:fName>
+                          <m:r>
+                            <m:rPr>
+                              <m:sty m:val="p"/>
+                            </m:rPr>
+                            <a:rPr lang="en-US" i="0">
+                              <a:solidFill>
+                                <a:srgbClr val="000000"/>
+                              </a:solidFill>
+                              <a:latin typeface="Cambria Math" panose="02040503050406030204" pitchFamily="18" charset="0"/>
+                            </a:rPr>
+                            <m:t>sin</m:t>
+                          </m:r>
+                        </m:fName>
+                        <m:e>
+                          <m:d>
+                            <m:dPr>
+                              <m:ctrlPr>
+                                <a:rPr lang="en-US" i="1">
+                                  <a:solidFill>
+                                    <a:srgbClr val="000000"/>
+                                  </a:solidFill>
+                                  <a:latin typeface="Cambria Math" panose="02040503050406030204" pitchFamily="18" charset="0"/>
+                                </a:rPr>
+                              </m:ctrlPr>
+                            </m:dPr>
+                            <m:e>
+                              <m:r>
+                                <a:rPr lang="en-US" i="1">
+                                  <a:solidFill>
+                                    <a:srgbClr val="000000"/>
+                                  </a:solidFill>
+                                  <a:latin typeface="Cambria Math" panose="02040503050406030204" pitchFamily="18" charset="0"/>
+                                </a:rPr>
+                                <m:t>𝑘𝑥</m:t>
+                              </m:r>
+                              <m:r>
+                                <a:rPr lang="en-US" i="1">
+                                  <a:solidFill>
+                                    <a:srgbClr val="000000"/>
+                                  </a:solidFill>
+                                  <a:latin typeface="Cambria Math" panose="02040503050406030204" pitchFamily="18" charset="0"/>
+                                </a:rPr>
+                                <m:t>−</m:t>
+                              </m:r>
+                              <m:r>
+                                <a:rPr lang="en-US" i="1">
+                                  <a:solidFill>
+                                    <a:srgbClr val="000000"/>
+                                  </a:solidFill>
+                                  <a:latin typeface="Cambria Math" panose="02040503050406030204" pitchFamily="18" charset="0"/>
+                                </a:rPr>
+                                <m:t>𝜔</m:t>
+                              </m:r>
+                              <m:r>
+                                <a:rPr lang="en-US" i="1">
+                                  <a:solidFill>
+                                    <a:srgbClr val="000000"/>
+                                  </a:solidFill>
+                                  <a:latin typeface="Cambria Math" panose="02040503050406030204" pitchFamily="18" charset="0"/>
+                                </a:rPr>
+                                <m:t>𝑡</m:t>
+                              </m:r>
+                              <m:r>
+                                <a:rPr lang="en-US" i="1">
+                                  <a:solidFill>
+                                    <a:srgbClr val="000000"/>
+                                  </a:solidFill>
+                                  <a:latin typeface="Cambria Math" panose="02040503050406030204" pitchFamily="18" charset="0"/>
+                                </a:rPr>
+                                <m:t>+</m:t>
+                              </m:r>
+                              <m:r>
+                                <a:rPr lang="en-US" i="1">
+                                  <a:solidFill>
+                                    <a:srgbClr val="000000"/>
+                                  </a:solidFill>
+                                  <a:latin typeface="Cambria Math" panose="02040503050406030204" pitchFamily="18" charset="0"/>
+                                </a:rPr>
+                                <m:t>𝜑</m:t>
+                              </m:r>
+                            </m:e>
+                          </m:d>
+                        </m:e>
+                      </m:func>
+                    </m:oMath>
+                  </m:oMathPara>
+                </a14:m>
+                <a:endParaRPr lang="en-US"/>
+              </a:p>
+            </p:txBody>
+          </p:sp>
+        </mc:Choice>
+        <mc:Fallback>
+          <p:sp>
+            <p:nvSpPr>
+              <p:cNvPr id="1027" name="Object 9"/>
+              <p:cNvSpPr txBox="1">
+                <a:spLocks noRot="1" noChangeAspect="1" noMove="1" noResize="1" noEditPoints="1" noAdjustHandles="1" noChangeArrowheads="1" noChangeShapeType="1" noTextEdit="1"/>
+              </p:cNvSpPr>
+              <p:nvPr/>
+            </p:nvSpPr>
+            <p:spPr bwMode="auto">
+              <a:xfrm>
+                <a:off x="5705475" y="3262313"/>
+                <a:ext cx="1373188" cy="217487"/>
+              </a:xfrm>
+              <a:prstGeom prst="rect">
+                <a:avLst/>
+              </a:prstGeom>
+              <a:blipFill>
+                <a:blip r:embed="rId6"/>
+                <a:stretch>
+                  <a:fillRect/>
+                </a:stretch>
+              </a:blipFill>
+            </p:spPr>
+            <p:txBody>
+              <a:bodyPr/>
+              <a:lstStyle/>
+              <a:p>
+                <a:r>
+                  <a:rPr lang="en-US">
+                    <a:noFill/>
+                  </a:rPr>
+                  <a:t> </a:t>
+                </a:r>
+              </a:p>
+            </p:txBody>
+          </p:sp>
+        </mc:Fallback>
+      </mc:AlternateContent>
       <p:sp>
         <p:nvSpPr>
           <p:cNvPr id="1037" name="Rectangle 12"/>
@@ -11569,76 +12288,314 @@
           </a:p>
         </p:txBody>
       </p:sp>
-      <p:graphicFrame>
-        <p:nvGraphicFramePr>
-          <p:cNvPr id="1028" name="Object 11"/>
-          <p:cNvGraphicFramePr>
-            <a:graphicFrameLocks noChangeAspect="1"/>
-          </p:cNvGraphicFramePr>
-          <p:nvPr/>
-        </p:nvGraphicFramePr>
-        <p:xfrm>
-          <a:off x="885825" y="4295775"/>
-          <a:ext cx="419100" cy="1343025"/>
-        </p:xfrm>
-        <a:graphic>
-          <a:graphicData uri="http://schemas.openxmlformats.org/presentationml/2006/ole">
-            <mc:AlternateContent xmlns:mc="http://schemas.openxmlformats.org/markup-compatibility/2006">
-              <mc:Choice xmlns:v="urn:schemas-microsoft-com:vml" Requires="v">
-                <p:oleObj name="Equation" r:id="rId9" imgW="419100" imgH="1346200" progId="Equation.3">
-                  <p:embed/>
-                </p:oleObj>
-              </mc:Choice>
-              <mc:Fallback>
-                <p:oleObj name="Equation" r:id="rId9" imgW="419100" imgH="1346200" progId="Equation.3">
-                  <p:embed/>
-                  <p:pic>
-                    <p:nvPicPr>
-                      <p:cNvPr id="1028" name="Object 11"/>
-                      <p:cNvPicPr>
-                        <a:picLocks noChangeAspect="1" noChangeArrowheads="1"/>
-                      </p:cNvPicPr>
-                      <p:nvPr/>
-                    </p:nvPicPr>
-                    <p:blipFill>
-                      <a:blip r:embed="rId10">
-                        <a:extLst>
-                          <a:ext uri="{28A0092B-C50C-407E-A947-70E740481C1C}">
-                            <a14:useLocalDpi xmlns:a14="http://schemas.microsoft.com/office/drawing/2010/main" val="0"/>
-                          </a:ext>
-                        </a:extLst>
-                      </a:blip>
-                      <a:srcRect/>
-                      <a:stretch>
-                        <a:fillRect/>
-                      </a:stretch>
-                    </p:blipFill>
-                    <p:spPr bwMode="auto">
-                      <a:xfrm>
-                        <a:off x="885825" y="4295775"/>
-                        <a:ext cx="419100" cy="1343025"/>
-                      </a:xfrm>
-                      <a:prstGeom prst="rect">
-                        <a:avLst/>
-                      </a:prstGeom>
-                      <a:noFill/>
-                      <a:extLst>
-                        <a:ext uri="{909E8E84-426E-40DD-AFC4-6F175D3DCCD1}">
-                          <a14:hiddenFill xmlns:a14="http://schemas.microsoft.com/office/drawing/2010/main">
-                            <a:solidFill>
-                              <a:srgbClr val="FFFFFF"/>
-                            </a:solidFill>
-                          </a14:hiddenFill>
-                        </a:ext>
-                      </a:extLst>
-                    </p:spPr>
-                  </p:pic>
-                </p:oleObj>
-              </mc:Fallback>
-            </mc:AlternateContent>
-          </a:graphicData>
-        </a:graphic>
-      </p:graphicFrame>
+      <mc:AlternateContent xmlns:mc="http://schemas.openxmlformats.org/markup-compatibility/2006">
+        <mc:Choice xmlns:a14="http://schemas.microsoft.com/office/drawing/2010/main" Requires="a14">
+          <p:sp>
+            <p:nvSpPr>
+              <p:cNvPr id="1028" name="Object 11"/>
+              <p:cNvSpPr txBox="1"/>
+              <p:nvPr/>
+            </p:nvSpPr>
+            <p:spPr bwMode="auto">
+              <a:xfrm>
+                <a:off x="885825" y="4295775"/>
+                <a:ext cx="419100" cy="1343025"/>
+              </a:xfrm>
+              <a:prstGeom prst="rect">
+                <a:avLst/>
+              </a:prstGeom>
+              <a:noFill/>
+            </p:spPr>
+            <p:txBody>
+              <a:bodyPr>
+                <a:normAutofit fontScale="55000" lnSpcReduction="20000"/>
+              </a:bodyPr>
+              <a:lstStyle/>
+              <a:p>
+                <a:pPr/>
+                <a14:m>
+                  <m:oMathPara xmlns:m="http://schemas.openxmlformats.org/officeDocument/2006/math">
+                    <m:oMathParaPr>
+                      <m:jc m:val="left"/>
+                    </m:oMathParaPr>
+                    <m:oMath xmlns:m="http://schemas.openxmlformats.org/officeDocument/2006/math">
+                      <m:m>
+                        <m:mPr>
+                          <m:plcHide m:val="on"/>
+                          <m:mcs>
+                            <m:mc>
+                              <m:mcPr>
+                                <m:count m:val="1"/>
+                                <m:mcJc m:val="center"/>
+                              </m:mcPr>
+                            </m:mc>
+                          </m:mcs>
+                          <m:ctrlPr>
+                            <a:rPr lang="en-US" i="1">
+                              <a:solidFill>
+                                <a:srgbClr val="000000"/>
+                              </a:solidFill>
+                              <a:latin typeface="Cambria Math" panose="02040503050406030204" pitchFamily="18" charset="0"/>
+                            </a:rPr>
+                          </m:ctrlPr>
+                        </m:mPr>
+                        <m:mr>
+                          <m:e>
+                            <m:r>
+                              <a:rPr lang="en-US" i="1">
+                                <a:solidFill>
+                                  <a:srgbClr val="000000"/>
+                                </a:solidFill>
+                                <a:latin typeface="Cambria Math" panose="02040503050406030204" pitchFamily="18" charset="0"/>
+                              </a:rPr>
+                              <m:t>𝜆</m:t>
+                            </m:r>
+                            <m:r>
+                              <a:rPr lang="en-US" i="1">
+                                <a:solidFill>
+                                  <a:srgbClr val="000000"/>
+                                </a:solidFill>
+                                <a:latin typeface="Cambria Math" panose="02040503050406030204" pitchFamily="18" charset="0"/>
+                              </a:rPr>
+                              <m:t>=2</m:t>
+                            </m:r>
+                          </m:e>
+                        </m:mr>
+                        <m:mr>
+                          <m:e>
+                            <m:r>
+                              <a:rPr lang="en-US" i="1">
+                                <a:solidFill>
+                                  <a:srgbClr val="000000"/>
+                                </a:solidFill>
+                                <a:latin typeface="Cambria Math" panose="02040503050406030204" pitchFamily="18" charset="0"/>
+                              </a:rPr>
+                              <m:t>𝑘</m:t>
+                            </m:r>
+                            <m:r>
+                              <a:rPr lang="en-US" i="1">
+                                <a:solidFill>
+                                  <a:srgbClr val="000000"/>
+                                </a:solidFill>
+                                <a:latin typeface="Cambria Math" panose="02040503050406030204" pitchFamily="18" charset="0"/>
+                              </a:rPr>
+                              <m:t>=</m:t>
+                            </m:r>
+                            <m:f>
+                              <m:fPr>
+                                <m:ctrlPr>
+                                  <a:rPr lang="en-US" i="1">
+                                    <a:solidFill>
+                                      <a:srgbClr val="000000"/>
+                                    </a:solidFill>
+                                    <a:latin typeface="Cambria Math" panose="02040503050406030204" pitchFamily="18" charset="0"/>
+                                  </a:rPr>
+                                </m:ctrlPr>
+                              </m:fPr>
+                              <m:num>
+                                <m:r>
+                                  <a:rPr lang="en-US" i="1">
+                                    <a:solidFill>
+                                      <a:srgbClr val="000000"/>
+                                    </a:solidFill>
+                                    <a:latin typeface="Cambria Math" panose="02040503050406030204" pitchFamily="18" charset="0"/>
+                                  </a:rPr>
+                                  <m:t>2</m:t>
+                                </m:r>
+                                <m:r>
+                                  <a:rPr lang="en-US" i="1">
+                                    <a:solidFill>
+                                      <a:srgbClr val="000000"/>
+                                    </a:solidFill>
+                                    <a:latin typeface="Cambria Math" panose="02040503050406030204" pitchFamily="18" charset="0"/>
+                                  </a:rPr>
+                                  <m:t>𝜋</m:t>
+                                </m:r>
+                              </m:num>
+                              <m:den>
+                                <m:r>
+                                  <a:rPr lang="en-US" i="1">
+                                    <a:solidFill>
+                                      <a:srgbClr val="000000"/>
+                                    </a:solidFill>
+                                    <a:latin typeface="Cambria Math" panose="02040503050406030204" pitchFamily="18" charset="0"/>
+                                  </a:rPr>
+                                  <m:t>𝜆</m:t>
+                                </m:r>
+                              </m:den>
+                            </m:f>
+                          </m:e>
+                        </m:mr>
+                        <m:mr>
+                          <m:e>
+                            <m:r>
+                              <a:rPr lang="en-US" i="1">
+                                <a:solidFill>
+                                  <a:srgbClr val="000000"/>
+                                </a:solidFill>
+                                <a:latin typeface="Cambria Math" panose="02040503050406030204" pitchFamily="18" charset="0"/>
+                              </a:rPr>
+                              <m:t>𝜔</m:t>
+                            </m:r>
+                            <m:r>
+                              <a:rPr lang="en-US" i="1">
+                                <a:solidFill>
+                                  <a:srgbClr val="000000"/>
+                                </a:solidFill>
+                                <a:latin typeface="Cambria Math" panose="02040503050406030204" pitchFamily="18" charset="0"/>
+                              </a:rPr>
+                              <m:t>=1</m:t>
+                            </m:r>
+                          </m:e>
+                        </m:mr>
+                        <m:mr>
+                          <m:e>
+                            <m:r>
+                              <a:rPr lang="en-US" i="1">
+                                <a:solidFill>
+                                  <a:srgbClr val="000000"/>
+                                </a:solidFill>
+                                <a:latin typeface="Cambria Math" panose="02040503050406030204" pitchFamily="18" charset="0"/>
+                              </a:rPr>
+                              <m:t>𝜑</m:t>
+                            </m:r>
+                            <m:r>
+                              <a:rPr lang="en-US" i="1">
+                                <a:solidFill>
+                                  <a:srgbClr val="000000"/>
+                                </a:solidFill>
+                                <a:latin typeface="Cambria Math" panose="02040503050406030204" pitchFamily="18" charset="0"/>
+                              </a:rPr>
+                              <m:t>=</m:t>
+                            </m:r>
+                            <m:f>
+                              <m:fPr>
+                                <m:ctrlPr>
+                                  <a:rPr lang="en-US" i="1">
+                                    <a:solidFill>
+                                      <a:srgbClr val="000000"/>
+                                    </a:solidFill>
+                                    <a:latin typeface="Cambria Math" panose="02040503050406030204" pitchFamily="18" charset="0"/>
+                                  </a:rPr>
+                                </m:ctrlPr>
+                              </m:fPr>
+                              <m:num>
+                                <m:r>
+                                  <a:rPr lang="en-US" i="1">
+                                    <a:solidFill>
+                                      <a:srgbClr val="000000"/>
+                                    </a:solidFill>
+                                    <a:latin typeface="Cambria Math" panose="02040503050406030204" pitchFamily="18" charset="0"/>
+                                  </a:rPr>
+                                  <m:t>𝜋</m:t>
+                                </m:r>
+                              </m:num>
+                              <m:den>
+                                <m:r>
+                                  <a:rPr lang="en-US" i="1">
+                                    <a:solidFill>
+                                      <a:srgbClr val="000000"/>
+                                    </a:solidFill>
+                                    <a:latin typeface="Cambria Math" panose="02040503050406030204" pitchFamily="18" charset="0"/>
+                                  </a:rPr>
+                                  <m:t>6</m:t>
+                                </m:r>
+                              </m:den>
+                            </m:f>
+                          </m:e>
+                        </m:mr>
+                        <m:mr>
+                          <m:e>
+                            <m:r>
+                              <a:rPr lang="en-US" i="1">
+                                <a:solidFill>
+                                  <a:srgbClr val="000000"/>
+                                </a:solidFill>
+                                <a:latin typeface="Cambria Math" panose="02040503050406030204" pitchFamily="18" charset="0"/>
+                              </a:rPr>
+                              <m:t>𝑡</m:t>
+                            </m:r>
+                            <m:r>
+                              <a:rPr lang="en-US" i="1">
+                                <a:solidFill>
+                                  <a:srgbClr val="000000"/>
+                                </a:solidFill>
+                                <a:latin typeface="Cambria Math" panose="02040503050406030204" pitchFamily="18" charset="0"/>
+                              </a:rPr>
+                              <m:t>=0</m:t>
+                            </m:r>
+                          </m:e>
+                        </m:mr>
+                        <m:mr>
+                          <m:e>
+                            <m:r>
+                              <a:rPr lang="en-US" i="1">
+                                <a:solidFill>
+                                  <a:srgbClr val="000000"/>
+                                </a:solidFill>
+                                <a:latin typeface="Cambria Math" panose="02040503050406030204" pitchFamily="18" charset="0"/>
+                              </a:rPr>
+                              <m:t>𝐴</m:t>
+                            </m:r>
+                            <m:r>
+                              <a:rPr lang="en-US" i="1">
+                                <a:solidFill>
+                                  <a:srgbClr val="000000"/>
+                                </a:solidFill>
+                                <a:latin typeface="Cambria Math" panose="02040503050406030204" pitchFamily="18" charset="0"/>
+                              </a:rPr>
+                              <m:t>=1</m:t>
+                            </m:r>
+                          </m:e>
+                        </m:mr>
+                      </m:m>
+                    </m:oMath>
+                  </m:oMathPara>
+                </a14:m>
+                <a:endParaRPr lang="en-US"/>
+              </a:p>
+            </p:txBody>
+          </p:sp>
+        </mc:Choice>
+        <mc:Fallback>
+          <p:sp>
+            <p:nvSpPr>
+              <p:cNvPr id="1028" name="Object 11"/>
+              <p:cNvSpPr txBox="1">
+                <a:spLocks noRot="1" noChangeAspect="1" noMove="1" noResize="1" noEditPoints="1" noAdjustHandles="1" noChangeArrowheads="1" noChangeShapeType="1" noTextEdit="1"/>
+              </p:cNvSpPr>
+              <p:nvPr/>
+            </p:nvSpPr>
+            <p:spPr bwMode="auto">
+              <a:xfrm>
+                <a:off x="885825" y="4295775"/>
+                <a:ext cx="419100" cy="1343025"/>
+              </a:xfrm>
+              <a:prstGeom prst="rect">
+                <a:avLst/>
+              </a:prstGeom>
+              <a:blipFill>
+                <a:blip r:embed="rId7"/>
+                <a:stretch>
+                  <a:fillRect r="-14493"/>
+                </a:stretch>
+              </a:blipFill>
+            </p:spPr>
+            <p:txBody>
+              <a:bodyPr/>
+              <a:lstStyle/>
+              <a:p>
+                <a:r>
+                  <a:rPr lang="en-US">
+                    <a:noFill/>
+                  </a:rPr>
+                  <a:t> </a:t>
+                </a:r>
+              </a:p>
+            </p:txBody>
+          </p:sp>
+        </mc:Fallback>
+      </mc:AlternateContent>
       <p:sp>
         <p:nvSpPr>
           <p:cNvPr id="1038" name="Rectangle 14"/>
@@ -11673,76 +12630,333 @@
           </a:p>
         </p:txBody>
       </p:sp>
-      <p:graphicFrame>
-        <p:nvGraphicFramePr>
-          <p:cNvPr id="1029" name="Object 13"/>
-          <p:cNvGraphicFramePr>
-            <a:graphicFrameLocks noChangeAspect="1"/>
-          </p:cNvGraphicFramePr>
-          <p:nvPr/>
-        </p:nvGraphicFramePr>
-        <p:xfrm>
-          <a:off x="3787775" y="5581650"/>
-          <a:ext cx="2019300" cy="428625"/>
-        </p:xfrm>
-        <a:graphic>
-          <a:graphicData uri="http://schemas.openxmlformats.org/presentationml/2006/ole">
-            <mc:AlternateContent xmlns:mc="http://schemas.openxmlformats.org/markup-compatibility/2006">
-              <mc:Choice xmlns:v="urn:schemas-microsoft-com:vml" Requires="v">
-                <p:oleObj name="Equation" r:id="rId11" imgW="2019300" imgH="431800" progId="Equation.3">
-                  <p:embed/>
-                </p:oleObj>
-              </mc:Choice>
-              <mc:Fallback>
-                <p:oleObj name="Equation" r:id="rId11" imgW="2019300" imgH="431800" progId="Equation.3">
-                  <p:embed/>
-                  <p:pic>
-                    <p:nvPicPr>
-                      <p:cNvPr id="1029" name="Object 13"/>
-                      <p:cNvPicPr>
-                        <a:picLocks noChangeAspect="1" noChangeArrowheads="1"/>
-                      </p:cNvPicPr>
-                      <p:nvPr/>
-                    </p:nvPicPr>
-                    <p:blipFill>
-                      <a:blip r:embed="rId12">
-                        <a:extLst>
-                          <a:ext uri="{28A0092B-C50C-407E-A947-70E740481C1C}">
-                            <a14:useLocalDpi xmlns:a14="http://schemas.microsoft.com/office/drawing/2010/main" val="0"/>
-                          </a:ext>
-                        </a:extLst>
-                      </a:blip>
-                      <a:srcRect/>
-                      <a:stretch>
-                        <a:fillRect/>
-                      </a:stretch>
-                    </p:blipFill>
-                    <p:spPr bwMode="auto">
-                      <a:xfrm>
-                        <a:off x="3787775" y="5581650"/>
-                        <a:ext cx="2019300" cy="428625"/>
-                      </a:xfrm>
-                      <a:prstGeom prst="rect">
-                        <a:avLst/>
-                      </a:prstGeom>
-                      <a:noFill/>
-                      <a:extLst>
-                        <a:ext uri="{909E8E84-426E-40DD-AFC4-6F175D3DCCD1}">
-                          <a14:hiddenFill xmlns:a14="http://schemas.microsoft.com/office/drawing/2010/main">
-                            <a:solidFill>
-                              <a:srgbClr val="FFFFFF"/>
-                            </a:solidFill>
-                          </a14:hiddenFill>
-                        </a:ext>
-                      </a:extLst>
-                    </p:spPr>
-                  </p:pic>
-                </p:oleObj>
-              </mc:Fallback>
-            </mc:AlternateContent>
-          </a:graphicData>
-        </a:graphic>
-      </p:graphicFrame>
+      <mc:AlternateContent xmlns:mc="http://schemas.openxmlformats.org/markup-compatibility/2006">
+        <mc:Choice xmlns:a14="http://schemas.microsoft.com/office/drawing/2010/main" Requires="a14">
+          <p:sp>
+            <p:nvSpPr>
+              <p:cNvPr id="1029" name="Object 13"/>
+              <p:cNvSpPr txBox="1"/>
+              <p:nvPr/>
+            </p:nvSpPr>
+            <p:spPr bwMode="auto">
+              <a:xfrm>
+                <a:off x="3787775" y="5581650"/>
+                <a:ext cx="2019300" cy="428625"/>
+              </a:xfrm>
+              <a:prstGeom prst="rect">
+                <a:avLst/>
+              </a:prstGeom>
+              <a:noFill/>
+            </p:spPr>
+            <p:txBody>
+              <a:bodyPr>
+                <a:normAutofit fontScale="47500" lnSpcReduction="20000"/>
+              </a:bodyPr>
+              <a:lstStyle/>
+              <a:p>
+                <a:pPr/>
+                <a14:m>
+                  <m:oMathPara xmlns:m="http://schemas.openxmlformats.org/officeDocument/2006/math">
+                    <m:oMathParaPr>
+                      <m:jc m:val="left"/>
+                    </m:oMathParaPr>
+                    <m:oMath xmlns:m="http://schemas.openxmlformats.org/officeDocument/2006/math">
+                      <m:sSub>
+                        <m:sSubPr>
+                          <m:ctrlPr>
+                            <a:rPr lang="en-US" i="1">
+                              <a:solidFill>
+                                <a:srgbClr val="000000"/>
+                              </a:solidFill>
+                              <a:latin typeface="Cambria Math" panose="02040503050406030204" pitchFamily="18" charset="0"/>
+                            </a:rPr>
+                          </m:ctrlPr>
+                        </m:sSubPr>
+                        <m:e>
+                          <m:r>
+                            <a:rPr lang="en-US" i="1">
+                              <a:solidFill>
+                                <a:srgbClr val="000000"/>
+                              </a:solidFill>
+                              <a:latin typeface="Cambria Math" panose="02040503050406030204" pitchFamily="18" charset="0"/>
+                            </a:rPr>
+                            <m:t>𝑦</m:t>
+                          </m:r>
+                        </m:e>
+                        <m:sub>
+                          <m:r>
+                            <a:rPr lang="en-US" i="1">
+                              <a:solidFill>
+                                <a:srgbClr val="000000"/>
+                              </a:solidFill>
+                              <a:latin typeface="Cambria Math" panose="02040503050406030204" pitchFamily="18" charset="0"/>
+                            </a:rPr>
+                            <m:t>𝑟</m:t>
+                          </m:r>
+                        </m:sub>
+                      </m:sSub>
+                      <m:r>
+                        <a:rPr lang="en-US" i="1">
+                          <a:solidFill>
+                            <a:srgbClr val="000000"/>
+                          </a:solidFill>
+                          <a:latin typeface="Cambria Math" panose="02040503050406030204" pitchFamily="18" charset="0"/>
+                        </a:rPr>
+                        <m:t>=2</m:t>
+                      </m:r>
+                      <m:r>
+                        <a:rPr lang="en-US" i="1">
+                          <a:solidFill>
+                            <a:srgbClr val="000000"/>
+                          </a:solidFill>
+                          <a:latin typeface="Cambria Math" panose="02040503050406030204" pitchFamily="18" charset="0"/>
+                        </a:rPr>
+                        <m:t>𝐴</m:t>
+                      </m:r>
+                      <m:func>
+                        <m:funcPr>
+                          <m:ctrlPr>
+                            <a:rPr lang="en-US" i="1">
+                              <a:solidFill>
+                                <a:srgbClr val="000000"/>
+                              </a:solidFill>
+                              <a:latin typeface="Cambria Math" panose="02040503050406030204" pitchFamily="18" charset="0"/>
+                            </a:rPr>
+                          </m:ctrlPr>
+                        </m:funcPr>
+                        <m:fName>
+                          <m:r>
+                            <m:rPr>
+                              <m:sty m:val="p"/>
+                            </m:rPr>
+                            <a:rPr lang="en-US" i="0">
+                              <a:solidFill>
+                                <a:srgbClr val="000000"/>
+                              </a:solidFill>
+                              <a:latin typeface="Cambria Math" panose="02040503050406030204" pitchFamily="18" charset="0"/>
+                            </a:rPr>
+                            <m:t>cos</m:t>
+                          </m:r>
+                        </m:fName>
+                        <m:e>
+                          <m:d>
+                            <m:dPr>
+                              <m:ctrlPr>
+                                <a:rPr lang="en-US" i="1">
+                                  <a:solidFill>
+                                    <a:srgbClr val="000000"/>
+                                  </a:solidFill>
+                                  <a:latin typeface="Cambria Math" panose="02040503050406030204" pitchFamily="18" charset="0"/>
+                                </a:rPr>
+                              </m:ctrlPr>
+                            </m:dPr>
+                            <m:e>
+                              <m:f>
+                                <m:fPr>
+                                  <m:ctrlPr>
+                                    <a:rPr lang="en-US" i="1">
+                                      <a:solidFill>
+                                        <a:srgbClr val="000000"/>
+                                      </a:solidFill>
+                                      <a:latin typeface="Cambria Math" panose="02040503050406030204" pitchFamily="18" charset="0"/>
+                                    </a:rPr>
+                                  </m:ctrlPr>
+                                </m:fPr>
+                                <m:num>
+                                  <m:r>
+                                    <a:rPr lang="en-US" i="1">
+                                      <a:solidFill>
+                                        <a:srgbClr val="000000"/>
+                                      </a:solidFill>
+                                      <a:latin typeface="Cambria Math" panose="02040503050406030204" pitchFamily="18" charset="0"/>
+                                    </a:rPr>
+                                    <m:t>𝜑</m:t>
+                                  </m:r>
+                                </m:num>
+                                <m:den>
+                                  <m:r>
+                                    <a:rPr lang="en-US" i="1">
+                                      <a:solidFill>
+                                        <a:srgbClr val="000000"/>
+                                      </a:solidFill>
+                                      <a:latin typeface="Cambria Math" panose="02040503050406030204" pitchFamily="18" charset="0"/>
+                                    </a:rPr>
+                                    <m:t>2</m:t>
+                                  </m:r>
+                                </m:den>
+                              </m:f>
+                            </m:e>
+                          </m:d>
+                        </m:e>
+                      </m:func>
+                      <m:func>
+                        <m:funcPr>
+                          <m:ctrlPr>
+                            <a:rPr lang="en-US" i="1">
+                              <a:solidFill>
+                                <a:srgbClr val="000000"/>
+                              </a:solidFill>
+                              <a:latin typeface="Cambria Math" panose="02040503050406030204" pitchFamily="18" charset="0"/>
+                            </a:rPr>
+                          </m:ctrlPr>
+                        </m:funcPr>
+                        <m:fName>
+                          <m:r>
+                            <m:rPr>
+                              <m:sty m:val="p"/>
+                            </m:rPr>
+                            <a:rPr lang="en-US" i="0">
+                              <a:solidFill>
+                                <a:srgbClr val="000000"/>
+                              </a:solidFill>
+                              <a:latin typeface="Cambria Math" panose="02040503050406030204" pitchFamily="18" charset="0"/>
+                            </a:rPr>
+                            <m:t>sin</m:t>
+                          </m:r>
+                        </m:fName>
+                        <m:e>
+                          <m:d>
+                            <m:dPr>
+                              <m:ctrlPr>
+                                <a:rPr lang="en-US" i="1">
+                                  <a:solidFill>
+                                    <a:srgbClr val="000000"/>
+                                  </a:solidFill>
+                                  <a:latin typeface="Cambria Math" panose="02040503050406030204" pitchFamily="18" charset="0"/>
+                                </a:rPr>
+                              </m:ctrlPr>
+                            </m:dPr>
+                            <m:e>
+                              <m:r>
+                                <a:rPr lang="en-US" i="1">
+                                  <a:solidFill>
+                                    <a:srgbClr val="000000"/>
+                                  </a:solidFill>
+                                  <a:latin typeface="Cambria Math" panose="02040503050406030204" pitchFamily="18" charset="0"/>
+                                </a:rPr>
+                                <m:t>𝑘𝑥</m:t>
+                              </m:r>
+                              <m:r>
+                                <a:rPr lang="en-US" i="1">
+                                  <a:solidFill>
+                                    <a:srgbClr val="000000"/>
+                                  </a:solidFill>
+                                  <a:latin typeface="Cambria Math" panose="02040503050406030204" pitchFamily="18" charset="0"/>
+                                </a:rPr>
+                                <m:t>−</m:t>
+                              </m:r>
+                              <m:r>
+                                <a:rPr lang="en-US" i="1">
+                                  <a:solidFill>
+                                    <a:srgbClr val="000000"/>
+                                  </a:solidFill>
+                                  <a:latin typeface="Cambria Math" panose="02040503050406030204" pitchFamily="18" charset="0"/>
+                                </a:rPr>
+                                <m:t>𝜔</m:t>
+                              </m:r>
+                              <m:r>
+                                <a:rPr lang="en-US" i="1">
+                                  <a:solidFill>
+                                    <a:srgbClr val="000000"/>
+                                  </a:solidFill>
+                                  <a:latin typeface="Cambria Math" panose="02040503050406030204" pitchFamily="18" charset="0"/>
+                                </a:rPr>
+                                <m:t>𝑡</m:t>
+                              </m:r>
+                              <m:r>
+                                <a:rPr lang="en-US" i="1">
+                                  <a:solidFill>
+                                    <a:srgbClr val="000000"/>
+                                  </a:solidFill>
+                                  <a:latin typeface="Cambria Math" panose="02040503050406030204" pitchFamily="18" charset="0"/>
+                                </a:rPr>
+                                <m:t>+</m:t>
+                              </m:r>
+                              <m:f>
+                                <m:fPr>
+                                  <m:ctrlPr>
+                                    <a:rPr lang="en-US" i="1">
+                                      <a:solidFill>
+                                        <a:srgbClr val="000000"/>
+                                      </a:solidFill>
+                                      <a:latin typeface="Cambria Math" panose="02040503050406030204" pitchFamily="18" charset="0"/>
+                                    </a:rPr>
+                                  </m:ctrlPr>
+                                </m:fPr>
+                                <m:num>
+                                  <m:r>
+                                    <a:rPr lang="en-US" i="1">
+                                      <a:solidFill>
+                                        <a:srgbClr val="000000"/>
+                                      </a:solidFill>
+                                      <a:latin typeface="Cambria Math" panose="02040503050406030204" pitchFamily="18" charset="0"/>
+                                    </a:rPr>
+                                    <m:t>𝜑</m:t>
+                                  </m:r>
+                                </m:num>
+                                <m:den>
+                                  <m:r>
+                                    <a:rPr lang="en-US" i="1">
+                                      <a:solidFill>
+                                        <a:srgbClr val="000000"/>
+                                      </a:solidFill>
+                                      <a:latin typeface="Cambria Math" panose="02040503050406030204" pitchFamily="18" charset="0"/>
+                                    </a:rPr>
+                                    <m:t>2</m:t>
+                                  </m:r>
+                                </m:den>
+                              </m:f>
+                            </m:e>
+                          </m:d>
+                        </m:e>
+                      </m:func>
+                    </m:oMath>
+                  </m:oMathPara>
+                </a14:m>
+                <a:endParaRPr lang="en-US"/>
+              </a:p>
+            </p:txBody>
+          </p:sp>
+        </mc:Choice>
+        <mc:Fallback>
+          <p:sp>
+            <p:nvSpPr>
+              <p:cNvPr id="1029" name="Object 13"/>
+              <p:cNvSpPr txBox="1">
+                <a:spLocks noRot="1" noChangeAspect="1" noMove="1" noResize="1" noEditPoints="1" noAdjustHandles="1" noChangeArrowheads="1" noChangeShapeType="1" noTextEdit="1"/>
+              </p:cNvSpPr>
+              <p:nvPr/>
+            </p:nvSpPr>
+            <p:spPr bwMode="auto">
+              <a:xfrm>
+                <a:off x="3787775" y="5581650"/>
+                <a:ext cx="2019300" cy="428625"/>
+              </a:xfrm>
+              <a:prstGeom prst="rect">
+                <a:avLst/>
+              </a:prstGeom>
+              <a:blipFill>
+                <a:blip r:embed="rId8"/>
+                <a:stretch>
+                  <a:fillRect/>
+                </a:stretch>
+              </a:blipFill>
+            </p:spPr>
+            <p:txBody>
+              <a:bodyPr/>
+              <a:lstStyle/>
+              <a:p>
+                <a:r>
+                  <a:rPr lang="en-US">
+                    <a:noFill/>
+                  </a:rPr>
+                  <a:t> </a:t>
+                </a:r>
+              </a:p>
+            </p:txBody>
+          </p:sp>
+        </mc:Fallback>
+      </mc:AlternateContent>
     </p:spTree>
   </p:cSld>
   <p:clrMapOvr>
@@ -12155,7 +13369,7 @@
         </p:spPr>
         <p:txBody>
           <a:bodyPr>
-            <a:normAutofit lnSpcReduction="10000"/>
+            <a:normAutofit fontScale="85000" lnSpcReduction="10000"/>
           </a:bodyPr>
           <a:lstStyle/>
           <a:p>
@@ -12235,78 +13449,151 @@
           </a:p>
         </p:txBody>
       </p:sp>
-      <p:graphicFrame>
-        <p:nvGraphicFramePr>
-          <p:cNvPr id="4098" name="Object 4"/>
-          <p:cNvGraphicFramePr>
-            <a:graphicFrameLocks noGrp="1" noChangeAspect="1"/>
-          </p:cNvGraphicFramePr>
-          <p:nvPr>
-            <p:ph sz="half" idx="2"/>
-          </p:nvPr>
-        </p:nvGraphicFramePr>
-        <p:xfrm>
-          <a:off x="3189288" y="2095500"/>
-          <a:ext cx="1295400" cy="1030288"/>
-        </p:xfrm>
-        <a:graphic>
-          <a:graphicData uri="http://schemas.openxmlformats.org/presentationml/2006/ole">
-            <mc:AlternateContent xmlns:mc="http://schemas.openxmlformats.org/markup-compatibility/2006">
-              <mc:Choice xmlns:v="urn:schemas-microsoft-com:vml" Requires="v">
-                <p:oleObj name="Equation" r:id="rId2" imgW="495000" imgH="393480" progId="Equation.3">
-                  <p:embed/>
-                </p:oleObj>
-              </mc:Choice>
-              <mc:Fallback>
-                <p:oleObj name="Equation" r:id="rId2" imgW="495000" imgH="393480" progId="Equation.3">
-                  <p:embed/>
-                  <p:pic>
-                    <p:nvPicPr>
-                      <p:cNvPr id="4098" name="Object 4"/>
-                      <p:cNvPicPr>
-                        <a:picLocks noChangeAspect="1" noChangeArrowheads="1"/>
-                      </p:cNvPicPr>
-                      <p:nvPr/>
-                    </p:nvPicPr>
-                    <p:blipFill>
-                      <a:blip r:embed="rId3">
-                        <a:extLst>
-                          <a:ext uri="{28A0092B-C50C-407E-A947-70E740481C1C}">
-                            <a14:useLocalDpi xmlns:a14="http://schemas.microsoft.com/office/drawing/2010/main" val="0"/>
-                          </a:ext>
-                        </a:extLst>
-                      </a:blip>
-                      <a:srcRect/>
-                      <a:stretch>
-                        <a:fillRect/>
-                      </a:stretch>
-                    </p:blipFill>
-                    <p:spPr bwMode="auto">
-                      <a:xfrm>
-                        <a:off x="3189288" y="2095500"/>
-                        <a:ext cx="1295400" cy="1030288"/>
-                      </a:xfrm>
-                      <a:prstGeom prst="rect">
-                        <a:avLst/>
-                      </a:prstGeom>
-                      <a:noFill/>
-                      <a:extLst>
-                        <a:ext uri="{909E8E84-426E-40DD-AFC4-6F175D3DCCD1}">
-                          <a14:hiddenFill xmlns:a14="http://schemas.microsoft.com/office/drawing/2010/main">
-                            <a:solidFill>
-                              <a:srgbClr val="FFFFFF"/>
-                            </a:solidFill>
-                          </a14:hiddenFill>
-                        </a:ext>
-                      </a:extLst>
-                    </p:spPr>
-                  </p:pic>
-                </p:oleObj>
-              </mc:Fallback>
-            </mc:AlternateContent>
-          </a:graphicData>
-        </a:graphic>
-      </p:graphicFrame>
+      <mc:AlternateContent xmlns:mc="http://schemas.openxmlformats.org/markup-compatibility/2006">
+        <mc:Choice xmlns:a14="http://schemas.microsoft.com/office/drawing/2010/main" Requires="a14">
+          <p:sp>
+            <p:nvSpPr>
+              <p:cNvPr id="4098" name="Object 4"/>
+              <p:cNvSpPr txBox="1"/>
+              <p:nvPr>
+                <p:ph sz="half" idx="2"/>
+              </p:nvPr>
+            </p:nvSpPr>
+            <p:spPr bwMode="auto">
+              <a:xfrm>
+                <a:off x="3189288" y="2095500"/>
+                <a:ext cx="1295400" cy="1030288"/>
+              </a:xfrm>
+              <a:prstGeom prst="rect">
+                <a:avLst/>
+              </a:prstGeom>
+              <a:noFill/>
+            </p:spPr>
+            <p:txBody>
+              <a:bodyPr>
+                <a:normAutofit fontScale="85000" lnSpcReduction="10000"/>
+              </a:bodyPr>
+              <a:lstStyle/>
+              <a:p>
+                <a:pPr>
+                  <a:buNone/>
+                </a:pPr>
+                <a14:m>
+                  <m:oMathPara xmlns:m="http://schemas.openxmlformats.org/officeDocument/2006/math">
+                    <m:oMathParaPr>
+                      <m:jc m:val="left"/>
+                    </m:oMathParaPr>
+                    <m:oMath xmlns:m="http://schemas.openxmlformats.org/officeDocument/2006/math">
+                      <m:r>
+                        <a:rPr lang="en-US" i="1">
+                          <a:solidFill>
+                            <a:srgbClr val="000000"/>
+                          </a:solidFill>
+                          <a:latin typeface="Cambria Math" panose="02040503050406030204" pitchFamily="18" charset="0"/>
+                        </a:rPr>
+                        <m:t>𝑥</m:t>
+                      </m:r>
+                      <m:r>
+                        <a:rPr lang="en-US" i="1">
+                          <a:solidFill>
+                            <a:srgbClr val="000000"/>
+                          </a:solidFill>
+                          <a:latin typeface="Cambria Math" panose="02040503050406030204" pitchFamily="18" charset="0"/>
+                        </a:rPr>
+                        <m:t>=</m:t>
+                      </m:r>
+                      <m:r>
+                        <a:rPr lang="en-US" i="1">
+                          <a:solidFill>
+                            <a:srgbClr val="000000"/>
+                          </a:solidFill>
+                          <a:latin typeface="Cambria Math" panose="02040503050406030204" pitchFamily="18" charset="0"/>
+                        </a:rPr>
+                        <m:t>𝑛</m:t>
+                      </m:r>
+                      <m:f>
+                        <m:fPr>
+                          <m:ctrlPr>
+                            <a:rPr lang="en-US" i="1">
+                              <a:solidFill>
+                                <a:srgbClr val="000000"/>
+                              </a:solidFill>
+                              <a:latin typeface="Cambria Math" panose="02040503050406030204" pitchFamily="18" charset="0"/>
+                            </a:rPr>
+                          </m:ctrlPr>
+                        </m:fPr>
+                        <m:num>
+                          <m:r>
+                            <a:rPr lang="en-US" i="1">
+                              <a:solidFill>
+                                <a:srgbClr val="000000"/>
+                              </a:solidFill>
+                              <a:latin typeface="Cambria Math" panose="02040503050406030204" pitchFamily="18" charset="0"/>
+                            </a:rPr>
+                            <m:t>𝜆</m:t>
+                          </m:r>
+                        </m:num>
+                        <m:den>
+                          <m:r>
+                            <a:rPr lang="en-US" i="1">
+                              <a:solidFill>
+                                <a:srgbClr val="000000"/>
+                              </a:solidFill>
+                              <a:latin typeface="Cambria Math" panose="02040503050406030204" pitchFamily="18" charset="0"/>
+                            </a:rPr>
+                            <m:t>2</m:t>
+                          </m:r>
+                        </m:den>
+                      </m:f>
+                    </m:oMath>
+                  </m:oMathPara>
+                </a14:m>
+                <a:endParaRPr lang="en-US"/>
+              </a:p>
+            </p:txBody>
+          </p:sp>
+        </mc:Choice>
+        <mc:Fallback>
+          <p:sp>
+            <p:nvSpPr>
+              <p:cNvPr id="4098" name="Object 4"/>
+              <p:cNvSpPr txBox="1">
+                <a:spLocks noRot="1" noChangeAspect="1" noMove="1" noResize="1" noEditPoints="1" noAdjustHandles="1" noChangeArrowheads="1" noChangeShapeType="1" noTextEdit="1"/>
+              </p:cNvSpPr>
+              <p:nvPr>
+                <p:ph sz="half" idx="2"/>
+              </p:nvPr>
+            </p:nvSpPr>
+            <p:spPr bwMode="auto">
+              <a:xfrm>
+                <a:off x="3189288" y="2095500"/>
+                <a:ext cx="1295400" cy="1030288"/>
+              </a:xfrm>
+              <a:prstGeom prst="rect">
+                <a:avLst/>
+              </a:prstGeom>
+              <a:blipFill>
+                <a:blip r:embed="rId2"/>
+                <a:stretch>
+                  <a:fillRect/>
+                </a:stretch>
+              </a:blipFill>
+            </p:spPr>
+            <p:txBody>
+              <a:bodyPr/>
+              <a:lstStyle/>
+              <a:p>
+                <a:r>
+                  <a:rPr lang="en-US">
+                    <a:noFill/>
+                  </a:rPr>
+                  <a:t> </a:t>
+                </a:r>
+              </a:p>
+            </p:txBody>
+          </p:sp>
+        </mc:Fallback>
+      </mc:AlternateContent>
       <p:sp>
         <p:nvSpPr>
           <p:cNvPr id="4102" name="Slide Number Placeholder 6"/>
@@ -12333,216 +13620,398 @@
           </a:p>
         </p:txBody>
       </p:sp>
-      <p:graphicFrame>
-        <p:nvGraphicFramePr>
-          <p:cNvPr id="4099" name="Object 5"/>
-          <p:cNvGraphicFramePr>
-            <a:graphicFrameLocks noChangeAspect="1"/>
-          </p:cNvGraphicFramePr>
-          <p:nvPr/>
-        </p:nvGraphicFramePr>
-        <p:xfrm>
-          <a:off x="1206500" y="3641725"/>
-          <a:ext cx="693738" cy="550863"/>
-        </p:xfrm>
-        <a:graphic>
-          <a:graphicData uri="http://schemas.openxmlformats.org/presentationml/2006/ole">
-            <mc:AlternateContent xmlns:mc="http://schemas.openxmlformats.org/markup-compatibility/2006">
-              <mc:Choice xmlns:v="urn:schemas-microsoft-com:vml" Requires="v">
-                <p:oleObj name="Equation" r:id="rId4" imgW="495000" imgH="393480" progId="Equation.3">
-                  <p:embed/>
-                </p:oleObj>
-              </mc:Choice>
-              <mc:Fallback>
-                <p:oleObj name="Equation" r:id="rId4" imgW="495000" imgH="393480" progId="Equation.3">
-                  <p:embed/>
-                  <p:pic>
-                    <p:nvPicPr>
-                      <p:cNvPr id="4099" name="Object 5"/>
-                      <p:cNvPicPr>
-                        <a:picLocks noChangeAspect="1" noChangeArrowheads="1"/>
-                      </p:cNvPicPr>
-                      <p:nvPr/>
-                    </p:nvPicPr>
-                    <p:blipFill>
-                      <a:blip r:embed="rId5">
-                        <a:extLst>
-                          <a:ext uri="{28A0092B-C50C-407E-A947-70E740481C1C}">
-                            <a14:useLocalDpi xmlns:a14="http://schemas.microsoft.com/office/drawing/2010/main" val="0"/>
-                          </a:ext>
-                        </a:extLst>
-                      </a:blip>
-                      <a:srcRect/>
-                      <a:stretch>
-                        <a:fillRect/>
-                      </a:stretch>
-                    </p:blipFill>
-                    <p:spPr bwMode="auto">
-                      <a:xfrm>
-                        <a:off x="1206500" y="3641725"/>
-                        <a:ext cx="693738" cy="550863"/>
-                      </a:xfrm>
-                      <a:prstGeom prst="rect">
-                        <a:avLst/>
-                      </a:prstGeom>
-                      <a:noFill/>
-                      <a:extLst>
-                        <a:ext uri="{909E8E84-426E-40DD-AFC4-6F175D3DCCD1}">
-                          <a14:hiddenFill xmlns:a14="http://schemas.microsoft.com/office/drawing/2010/main">
-                            <a:solidFill>
-                              <a:srgbClr val="FFFFFF"/>
-                            </a:solidFill>
-                          </a14:hiddenFill>
-                        </a:ext>
-                      </a:extLst>
-                    </p:spPr>
-                  </p:pic>
-                </p:oleObj>
-              </mc:Fallback>
-            </mc:AlternateContent>
-          </a:graphicData>
-        </a:graphic>
-      </p:graphicFrame>
-      <p:graphicFrame>
-        <p:nvGraphicFramePr>
-          <p:cNvPr id="4100" name="Object 6"/>
-          <p:cNvGraphicFramePr>
-            <a:graphicFrameLocks noChangeAspect="1"/>
-          </p:cNvGraphicFramePr>
-          <p:nvPr/>
-        </p:nvGraphicFramePr>
-        <p:xfrm>
-          <a:off x="1200150" y="4156075"/>
-          <a:ext cx="693738" cy="550863"/>
-        </p:xfrm>
-        <a:graphic>
-          <a:graphicData uri="http://schemas.openxmlformats.org/presentationml/2006/ole">
-            <mc:AlternateContent xmlns:mc="http://schemas.openxmlformats.org/markup-compatibility/2006">
-              <mc:Choice xmlns:v="urn:schemas-microsoft-com:vml" Requires="v">
-                <p:oleObj name="Equation" r:id="rId6" imgW="495000" imgH="393480" progId="Equation.3">
-                  <p:embed/>
-                </p:oleObj>
-              </mc:Choice>
-              <mc:Fallback>
-                <p:oleObj name="Equation" r:id="rId6" imgW="495000" imgH="393480" progId="Equation.3">
-                  <p:embed/>
-                  <p:pic>
-                    <p:nvPicPr>
-                      <p:cNvPr id="4100" name="Object 6"/>
-                      <p:cNvPicPr>
-                        <a:picLocks noChangeAspect="1" noChangeArrowheads="1"/>
-                      </p:cNvPicPr>
-                      <p:nvPr/>
-                    </p:nvPicPr>
-                    <p:blipFill>
-                      <a:blip r:embed="rId7">
-                        <a:extLst>
-                          <a:ext uri="{28A0092B-C50C-407E-A947-70E740481C1C}">
-                            <a14:useLocalDpi xmlns:a14="http://schemas.microsoft.com/office/drawing/2010/main" val="0"/>
-                          </a:ext>
-                        </a:extLst>
-                      </a:blip>
-                      <a:srcRect/>
-                      <a:stretch>
-                        <a:fillRect/>
-                      </a:stretch>
-                    </p:blipFill>
-                    <p:spPr bwMode="auto">
-                      <a:xfrm>
-                        <a:off x="1200150" y="4156075"/>
-                        <a:ext cx="693738" cy="550863"/>
-                      </a:xfrm>
-                      <a:prstGeom prst="rect">
-                        <a:avLst/>
-                      </a:prstGeom>
-                      <a:noFill/>
-                      <a:extLst>
-                        <a:ext uri="{909E8E84-426E-40DD-AFC4-6F175D3DCCD1}">
-                          <a14:hiddenFill xmlns:a14="http://schemas.microsoft.com/office/drawing/2010/main">
-                            <a:solidFill>
-                              <a:srgbClr val="FFFFFF"/>
-                            </a:solidFill>
-                          </a14:hiddenFill>
-                        </a:ext>
-                      </a:extLst>
-                    </p:spPr>
-                  </p:pic>
-                </p:oleObj>
-              </mc:Fallback>
-            </mc:AlternateContent>
-          </a:graphicData>
-        </a:graphic>
-      </p:graphicFrame>
-      <p:graphicFrame>
-        <p:nvGraphicFramePr>
-          <p:cNvPr id="4101" name="Object 7"/>
-          <p:cNvGraphicFramePr>
-            <a:graphicFrameLocks noChangeAspect="1"/>
-          </p:cNvGraphicFramePr>
-          <p:nvPr/>
-        </p:nvGraphicFramePr>
-        <p:xfrm>
-          <a:off x="1174750" y="4802188"/>
-          <a:ext cx="781050" cy="260350"/>
-        </p:xfrm>
-        <a:graphic>
-          <a:graphicData uri="http://schemas.openxmlformats.org/presentationml/2006/ole">
-            <mc:AlternateContent xmlns:mc="http://schemas.openxmlformats.org/markup-compatibility/2006">
-              <mc:Choice xmlns:v="urn:schemas-microsoft-com:vml" Requires="v">
-                <p:oleObj name="Equation" r:id="rId8" imgW="533160" imgH="177480" progId="Equation.3">
-                  <p:embed/>
-                </p:oleObj>
-              </mc:Choice>
-              <mc:Fallback>
-                <p:oleObj name="Equation" r:id="rId8" imgW="533160" imgH="177480" progId="Equation.3">
-                  <p:embed/>
-                  <p:pic>
-                    <p:nvPicPr>
-                      <p:cNvPr id="4101" name="Object 7"/>
-                      <p:cNvPicPr>
-                        <a:picLocks noChangeAspect="1" noChangeArrowheads="1"/>
-                      </p:cNvPicPr>
-                      <p:nvPr/>
-                    </p:nvPicPr>
-                    <p:blipFill>
-                      <a:blip r:embed="rId9">
-                        <a:extLst>
-                          <a:ext uri="{28A0092B-C50C-407E-A947-70E740481C1C}">
-                            <a14:useLocalDpi xmlns:a14="http://schemas.microsoft.com/office/drawing/2010/main" val="0"/>
-                          </a:ext>
-                        </a:extLst>
-                      </a:blip>
-                      <a:srcRect/>
-                      <a:stretch>
-                        <a:fillRect/>
-                      </a:stretch>
-                    </p:blipFill>
-                    <p:spPr bwMode="auto">
-                      <a:xfrm>
-                        <a:off x="1174750" y="4802188"/>
-                        <a:ext cx="781050" cy="260350"/>
-                      </a:xfrm>
-                      <a:prstGeom prst="rect">
-                        <a:avLst/>
-                      </a:prstGeom>
-                      <a:noFill/>
-                      <a:extLst>
-                        <a:ext uri="{909E8E84-426E-40DD-AFC4-6F175D3DCCD1}">
-                          <a14:hiddenFill xmlns:a14="http://schemas.microsoft.com/office/drawing/2010/main">
-                            <a:solidFill>
-                              <a:srgbClr val="FFFFFF"/>
-                            </a:solidFill>
-                          </a14:hiddenFill>
-                        </a:ext>
-                      </a:extLst>
-                    </p:spPr>
-                  </p:pic>
-                </p:oleObj>
-              </mc:Fallback>
-            </mc:AlternateContent>
-          </a:graphicData>
-        </a:graphic>
-      </p:graphicFrame>
+      <mc:AlternateContent xmlns:mc="http://schemas.openxmlformats.org/markup-compatibility/2006">
+        <mc:Choice xmlns:a14="http://schemas.microsoft.com/office/drawing/2010/main" Requires="a14">
+          <p:sp>
+            <p:nvSpPr>
+              <p:cNvPr id="4099" name="Object 5"/>
+              <p:cNvSpPr txBox="1"/>
+              <p:nvPr/>
+            </p:nvSpPr>
+            <p:spPr bwMode="auto">
+              <a:xfrm>
+                <a:off x="1206500" y="3641725"/>
+                <a:ext cx="693738" cy="550863"/>
+              </a:xfrm>
+              <a:prstGeom prst="rect">
+                <a:avLst/>
+              </a:prstGeom>
+              <a:noFill/>
+            </p:spPr>
+            <p:txBody>
+              <a:bodyPr>
+                <a:normAutofit fontScale="62500" lnSpcReduction="20000"/>
+              </a:bodyPr>
+              <a:lstStyle/>
+              <a:p>
+                <a:pPr/>
+                <a14:m>
+                  <m:oMathPara xmlns:m="http://schemas.openxmlformats.org/officeDocument/2006/math">
+                    <m:oMathParaPr>
+                      <m:jc m:val="left"/>
+                    </m:oMathParaPr>
+                    <m:oMath xmlns:m="http://schemas.openxmlformats.org/officeDocument/2006/math">
+                      <m:r>
+                        <a:rPr lang="en-US" i="1">
+                          <a:solidFill>
+                            <a:srgbClr val="000000"/>
+                          </a:solidFill>
+                          <a:latin typeface="Cambria Math" panose="02040503050406030204" pitchFamily="18" charset="0"/>
+                        </a:rPr>
+                        <m:t>𝑥</m:t>
+                      </m:r>
+                      <m:r>
+                        <a:rPr lang="en-US" i="1">
+                          <a:solidFill>
+                            <a:srgbClr val="000000"/>
+                          </a:solidFill>
+                          <a:latin typeface="Cambria Math" panose="02040503050406030204" pitchFamily="18" charset="0"/>
+                        </a:rPr>
+                        <m:t>=</m:t>
+                      </m:r>
+                      <m:r>
+                        <a:rPr lang="en-US" i="1">
+                          <a:solidFill>
+                            <a:srgbClr val="000000"/>
+                          </a:solidFill>
+                          <a:latin typeface="Cambria Math" panose="02040503050406030204" pitchFamily="18" charset="0"/>
+                        </a:rPr>
+                        <m:t>𝑛</m:t>
+                      </m:r>
+                      <m:f>
+                        <m:fPr>
+                          <m:ctrlPr>
+                            <a:rPr lang="en-US" i="1">
+                              <a:solidFill>
+                                <a:srgbClr val="000000"/>
+                              </a:solidFill>
+                              <a:latin typeface="Cambria Math" panose="02040503050406030204" pitchFamily="18" charset="0"/>
+                            </a:rPr>
+                          </m:ctrlPr>
+                        </m:fPr>
+                        <m:num>
+                          <m:r>
+                            <a:rPr lang="en-US" i="1">
+                              <a:solidFill>
+                                <a:srgbClr val="000000"/>
+                              </a:solidFill>
+                              <a:latin typeface="Cambria Math" panose="02040503050406030204" pitchFamily="18" charset="0"/>
+                            </a:rPr>
+                            <m:t>𝜆</m:t>
+                          </m:r>
+                        </m:num>
+                        <m:den>
+                          <m:r>
+                            <a:rPr lang="en-US" i="1">
+                              <a:solidFill>
+                                <a:srgbClr val="000000"/>
+                              </a:solidFill>
+                              <a:latin typeface="Cambria Math" panose="02040503050406030204" pitchFamily="18" charset="0"/>
+                            </a:rPr>
+                            <m:t>4</m:t>
+                          </m:r>
+                        </m:den>
+                      </m:f>
+                    </m:oMath>
+                  </m:oMathPara>
+                </a14:m>
+                <a:endParaRPr lang="en-US"/>
+              </a:p>
+            </p:txBody>
+          </p:sp>
+        </mc:Choice>
+        <mc:Fallback>
+          <p:sp>
+            <p:nvSpPr>
+              <p:cNvPr id="4099" name="Object 5"/>
+              <p:cNvSpPr txBox="1">
+                <a:spLocks noRot="1" noChangeAspect="1" noMove="1" noResize="1" noEditPoints="1" noAdjustHandles="1" noChangeArrowheads="1" noChangeShapeType="1" noTextEdit="1"/>
+              </p:cNvSpPr>
+              <p:nvPr/>
+            </p:nvSpPr>
+            <p:spPr bwMode="auto">
+              <a:xfrm>
+                <a:off x="1206500" y="3641725"/>
+                <a:ext cx="693738" cy="550863"/>
+              </a:xfrm>
+              <a:prstGeom prst="rect">
+                <a:avLst/>
+              </a:prstGeom>
+              <a:blipFill>
+                <a:blip r:embed="rId3"/>
+                <a:stretch>
+                  <a:fillRect/>
+                </a:stretch>
+              </a:blipFill>
+            </p:spPr>
+            <p:txBody>
+              <a:bodyPr/>
+              <a:lstStyle/>
+              <a:p>
+                <a:r>
+                  <a:rPr lang="en-US">
+                    <a:noFill/>
+                  </a:rPr>
+                  <a:t> </a:t>
+                </a:r>
+              </a:p>
+            </p:txBody>
+          </p:sp>
+        </mc:Fallback>
+      </mc:AlternateContent>
+      <mc:AlternateContent xmlns:mc="http://schemas.openxmlformats.org/markup-compatibility/2006">
+        <mc:Choice xmlns:a14="http://schemas.microsoft.com/office/drawing/2010/main" Requires="a14">
+          <p:sp>
+            <p:nvSpPr>
+              <p:cNvPr id="4100" name="Object 6"/>
+              <p:cNvSpPr txBox="1"/>
+              <p:nvPr/>
+            </p:nvSpPr>
+            <p:spPr bwMode="auto">
+              <a:xfrm>
+                <a:off x="1200150" y="4156075"/>
+                <a:ext cx="693738" cy="550863"/>
+              </a:xfrm>
+              <a:prstGeom prst="rect">
+                <a:avLst/>
+              </a:prstGeom>
+              <a:noFill/>
+            </p:spPr>
+            <p:txBody>
+              <a:bodyPr>
+                <a:normAutofit fontScale="62500" lnSpcReduction="20000"/>
+              </a:bodyPr>
+              <a:lstStyle/>
+              <a:p>
+                <a:pPr/>
+                <a14:m>
+                  <m:oMathPara xmlns:m="http://schemas.openxmlformats.org/officeDocument/2006/math">
+                    <m:oMathParaPr>
+                      <m:jc m:val="left"/>
+                    </m:oMathParaPr>
+                    <m:oMath xmlns:m="http://schemas.openxmlformats.org/officeDocument/2006/math">
+                      <m:r>
+                        <a:rPr lang="en-US" i="1">
+                          <a:solidFill>
+                            <a:srgbClr val="000000"/>
+                          </a:solidFill>
+                          <a:latin typeface="Cambria Math" panose="02040503050406030204" pitchFamily="18" charset="0"/>
+                        </a:rPr>
+                        <m:t>𝑥</m:t>
+                      </m:r>
+                      <m:r>
+                        <a:rPr lang="en-US" i="1">
+                          <a:solidFill>
+                            <a:srgbClr val="000000"/>
+                          </a:solidFill>
+                          <a:latin typeface="Cambria Math" panose="02040503050406030204" pitchFamily="18" charset="0"/>
+                        </a:rPr>
+                        <m:t>=</m:t>
+                      </m:r>
+                      <m:r>
+                        <a:rPr lang="en-US" i="1">
+                          <a:solidFill>
+                            <a:srgbClr val="000000"/>
+                          </a:solidFill>
+                          <a:latin typeface="Cambria Math" panose="02040503050406030204" pitchFamily="18" charset="0"/>
+                        </a:rPr>
+                        <m:t>𝑛</m:t>
+                      </m:r>
+                      <m:f>
+                        <m:fPr>
+                          <m:ctrlPr>
+                            <a:rPr lang="en-US" i="1">
+                              <a:solidFill>
+                                <a:srgbClr val="000000"/>
+                              </a:solidFill>
+                              <a:latin typeface="Cambria Math" panose="02040503050406030204" pitchFamily="18" charset="0"/>
+                            </a:rPr>
+                          </m:ctrlPr>
+                        </m:fPr>
+                        <m:num>
+                          <m:r>
+                            <a:rPr lang="en-US" i="1">
+                              <a:solidFill>
+                                <a:srgbClr val="000000"/>
+                              </a:solidFill>
+                              <a:latin typeface="Cambria Math" panose="02040503050406030204" pitchFamily="18" charset="0"/>
+                            </a:rPr>
+                            <m:t>𝜆</m:t>
+                          </m:r>
+                        </m:num>
+                        <m:den>
+                          <m:r>
+                            <a:rPr lang="en-US" i="1">
+                              <a:solidFill>
+                                <a:srgbClr val="000000"/>
+                              </a:solidFill>
+                              <a:latin typeface="Cambria Math" panose="02040503050406030204" pitchFamily="18" charset="0"/>
+                            </a:rPr>
+                            <m:t>2</m:t>
+                          </m:r>
+                        </m:den>
+                      </m:f>
+                    </m:oMath>
+                  </m:oMathPara>
+                </a14:m>
+                <a:endParaRPr lang="en-US"/>
+              </a:p>
+            </p:txBody>
+          </p:sp>
+        </mc:Choice>
+        <mc:Fallback>
+          <p:sp>
+            <p:nvSpPr>
+              <p:cNvPr id="4100" name="Object 6"/>
+              <p:cNvSpPr txBox="1">
+                <a:spLocks noRot="1" noChangeAspect="1" noMove="1" noResize="1" noEditPoints="1" noAdjustHandles="1" noChangeArrowheads="1" noChangeShapeType="1" noTextEdit="1"/>
+              </p:cNvSpPr>
+              <p:nvPr/>
+            </p:nvSpPr>
+            <p:spPr bwMode="auto">
+              <a:xfrm>
+                <a:off x="1200150" y="4156075"/>
+                <a:ext cx="693738" cy="550863"/>
+              </a:xfrm>
+              <a:prstGeom prst="rect">
+                <a:avLst/>
+              </a:prstGeom>
+              <a:blipFill>
+                <a:blip r:embed="rId4"/>
+                <a:stretch>
+                  <a:fillRect/>
+                </a:stretch>
+              </a:blipFill>
+            </p:spPr>
+            <p:txBody>
+              <a:bodyPr/>
+              <a:lstStyle/>
+              <a:p>
+                <a:r>
+                  <a:rPr lang="en-US">
+                    <a:noFill/>
+                  </a:rPr>
+                  <a:t> </a:t>
+                </a:r>
+              </a:p>
+            </p:txBody>
+          </p:sp>
+        </mc:Fallback>
+      </mc:AlternateContent>
+      <mc:AlternateContent xmlns:mc="http://schemas.openxmlformats.org/markup-compatibility/2006">
+        <mc:Choice xmlns:a14="http://schemas.microsoft.com/office/drawing/2010/main" Requires="a14">
+          <p:sp>
+            <p:nvSpPr>
+              <p:cNvPr id="4101" name="Object 7"/>
+              <p:cNvSpPr txBox="1"/>
+              <p:nvPr/>
+            </p:nvSpPr>
+            <p:spPr bwMode="auto">
+              <a:xfrm>
+                <a:off x="1174750" y="4802188"/>
+                <a:ext cx="781050" cy="260350"/>
+              </a:xfrm>
+              <a:prstGeom prst="rect">
+                <a:avLst/>
+              </a:prstGeom>
+              <a:noFill/>
+            </p:spPr>
+            <p:txBody>
+              <a:bodyPr>
+                <a:normAutofit fontScale="62500" lnSpcReduction="20000"/>
+              </a:bodyPr>
+              <a:lstStyle/>
+              <a:p>
+                <a:pPr/>
+                <a14:m>
+                  <m:oMathPara xmlns:m="http://schemas.openxmlformats.org/officeDocument/2006/math">
+                    <m:oMathParaPr>
+                      <m:jc m:val="left"/>
+                    </m:oMathParaPr>
+                    <m:oMath xmlns:m="http://schemas.openxmlformats.org/officeDocument/2006/math">
+                      <m:r>
+                        <a:rPr lang="en-US" i="1">
+                          <a:solidFill>
+                            <a:srgbClr val="000000"/>
+                          </a:solidFill>
+                          <a:latin typeface="Cambria Math" panose="02040503050406030204" pitchFamily="18" charset="0"/>
+                        </a:rPr>
+                        <m:t>𝑥</m:t>
+                      </m:r>
+                      <m:r>
+                        <a:rPr lang="en-US" i="1">
+                          <a:solidFill>
+                            <a:srgbClr val="000000"/>
+                          </a:solidFill>
+                          <a:latin typeface="Cambria Math" panose="02040503050406030204" pitchFamily="18" charset="0"/>
+                        </a:rPr>
+                        <m:t>=2</m:t>
+                      </m:r>
+                      <m:r>
+                        <a:rPr lang="en-US" i="1">
+                          <a:solidFill>
+                            <a:srgbClr val="000000"/>
+                          </a:solidFill>
+                          <a:latin typeface="Cambria Math" panose="02040503050406030204" pitchFamily="18" charset="0"/>
+                        </a:rPr>
+                        <m:t>𝑛</m:t>
+                      </m:r>
+                      <m:r>
+                        <a:rPr lang="en-US" i="1">
+                          <a:solidFill>
+                            <a:srgbClr val="000000"/>
+                          </a:solidFill>
+                          <a:latin typeface="Cambria Math" panose="02040503050406030204" pitchFamily="18" charset="0"/>
+                        </a:rPr>
+                        <m:t>𝜆</m:t>
+                      </m:r>
+                    </m:oMath>
+                  </m:oMathPara>
+                </a14:m>
+                <a:endParaRPr lang="en-US"/>
+              </a:p>
+            </p:txBody>
+          </p:sp>
+        </mc:Choice>
+        <mc:Fallback>
+          <p:sp>
+            <p:nvSpPr>
+              <p:cNvPr id="4101" name="Object 7"/>
+              <p:cNvSpPr txBox="1">
+                <a:spLocks noRot="1" noChangeAspect="1" noMove="1" noResize="1" noEditPoints="1" noAdjustHandles="1" noChangeArrowheads="1" noChangeShapeType="1" noTextEdit="1"/>
+              </p:cNvSpPr>
+              <p:nvPr/>
+            </p:nvSpPr>
+            <p:spPr bwMode="auto">
+              <a:xfrm>
+                <a:off x="1174750" y="4802188"/>
+                <a:ext cx="781050" cy="260350"/>
+              </a:xfrm>
+              <a:prstGeom prst="rect">
+                <a:avLst/>
+              </a:prstGeom>
+              <a:blipFill>
+                <a:blip r:embed="rId5"/>
+                <a:stretch>
+                  <a:fillRect/>
+                </a:stretch>
+              </a:blipFill>
+            </p:spPr>
+            <p:txBody>
+              <a:bodyPr/>
+              <a:lstStyle/>
+              <a:p>
+                <a:r>
+                  <a:rPr lang="en-US">
+                    <a:noFill/>
+                  </a:rPr>
+                  <a:t> </a:t>
+                </a:r>
+              </a:p>
+            </p:txBody>
+          </p:sp>
+        </mc:Fallback>
+      </mc:AlternateContent>
     </p:spTree>
   </p:cSld>
   <p:clrMapOvr>
@@ -18574,42 +20043,10 @@
           <a:lstStyle/>
           <a:p>
             <a:pPr eaLnBrk="1" hangingPunct="1"/>
-            <a:endParaRPr lang="en-US"/>
+            <a:endParaRPr lang="en-US" dirty="0"/>
           </a:p>
         </p:txBody>
       </p:sp>
-      <p:pic>
-        <p:nvPicPr>
-          <p:cNvPr id="2053" name="Picture 4"/>
-          <p:cNvPicPr>
-            <a:picLocks noChangeAspect="1" noChangeArrowheads="1"/>
-          </p:cNvPicPr>
-          <p:nvPr/>
-        </p:nvPicPr>
-        <p:blipFill>
-          <a:blip r:embed="rId2" cstate="print"/>
-          <a:srcRect/>
-          <a:stretch>
-            <a:fillRect/>
-          </a:stretch>
-        </p:blipFill>
-        <p:spPr bwMode="auto">
-          <a:xfrm>
-            <a:off x="4659313" y="2090738"/>
-            <a:ext cx="3832225" cy="2543175"/>
-          </a:xfrm>
-          <a:prstGeom prst="rect">
-            <a:avLst/>
-          </a:prstGeom>
-          <a:noFill/>
-          <a:ln w="9525" algn="ctr">
-            <a:noFill/>
-            <a:miter lim="800000"/>
-            <a:headEnd/>
-            <a:tailEnd/>
-          </a:ln>
-        </p:spPr>
-      </p:pic>
       <p:sp>
         <p:nvSpPr>
           <p:cNvPr id="2054" name="Rectangle 6"/>
@@ -18644,76 +20081,259 @@
           </a:p>
         </p:txBody>
       </p:sp>
-      <p:graphicFrame>
-        <p:nvGraphicFramePr>
-          <p:cNvPr id="2050" name="Object 5"/>
-          <p:cNvGraphicFramePr>
-            <a:graphicFrameLocks noChangeAspect="1"/>
-          </p:cNvGraphicFramePr>
+      <mc:AlternateContent xmlns:mc="http://schemas.openxmlformats.org/markup-compatibility/2006">
+        <mc:Choice xmlns:a14="http://schemas.microsoft.com/office/drawing/2010/main" Requires="a14">
+          <p:sp>
+            <p:nvSpPr>
+              <p:cNvPr id="2050" name="Object 5"/>
+              <p:cNvSpPr txBox="1"/>
+              <p:nvPr/>
+            </p:nvSpPr>
+            <p:spPr bwMode="auto">
+              <a:xfrm>
+                <a:off x="881062" y="3114604"/>
+                <a:ext cx="1711325" cy="1055687"/>
+              </a:xfrm>
+              <a:prstGeom prst="rect">
+                <a:avLst/>
+              </a:prstGeom>
+              <a:noFill/>
+            </p:spPr>
+            <p:txBody>
+              <a:bodyPr>
+                <a:noAutofit/>
+              </a:bodyPr>
+              <a:lstStyle/>
+              <a:p>
+                <a:pPr/>
+                <a14:m>
+                  <m:oMathPara xmlns:m="http://schemas.openxmlformats.org/officeDocument/2006/math">
+                    <m:oMathParaPr>
+                      <m:jc m:val="left"/>
+                    </m:oMathParaPr>
+                    <m:oMath xmlns:m="http://schemas.openxmlformats.org/officeDocument/2006/math">
+                      <m:r>
+                        <a:rPr lang="en-US" sz="2800" i="1" smtClean="0">
+                          <a:solidFill>
+                            <a:srgbClr val="000000"/>
+                          </a:solidFill>
+                          <a:latin typeface="Cambria Math" panose="02040503050406030204" pitchFamily="18" charset="0"/>
+                        </a:rPr>
+                        <m:t>2</m:t>
+                      </m:r>
+                      <m:sSub>
+                        <m:sSubPr>
+                          <m:ctrlPr>
+                            <a:rPr lang="en-US" sz="2800" i="1" smtClean="0">
+                              <a:solidFill>
+                                <a:srgbClr val="000000"/>
+                              </a:solidFill>
+                              <a:latin typeface="Cambria Math" panose="02040503050406030204" pitchFamily="18" charset="0"/>
+                            </a:rPr>
+                          </m:ctrlPr>
+                        </m:sSubPr>
+                        <m:e>
+                          <m:r>
+                            <a:rPr lang="en-US" sz="2800" b="0" i="1" smtClean="0">
+                              <a:solidFill>
+                                <a:srgbClr val="000000"/>
+                              </a:solidFill>
+                              <a:latin typeface="Cambria Math" panose="02040503050406030204" pitchFamily="18" charset="0"/>
+                            </a:rPr>
+                            <m:t>𝑦</m:t>
+                          </m:r>
+                        </m:e>
+                        <m:sub>
+                          <m:r>
+                            <a:rPr lang="en-US" sz="2800" b="0" i="1" smtClean="0">
+                              <a:solidFill>
+                                <a:srgbClr val="000000"/>
+                              </a:solidFill>
+                              <a:latin typeface="Cambria Math" panose="02040503050406030204" pitchFamily="18" charset="0"/>
+                            </a:rPr>
+                            <m:t>𝑚𝑎𝑥</m:t>
+                          </m:r>
+                        </m:sub>
+                      </m:sSub>
+                      <m:func>
+                        <m:funcPr>
+                          <m:ctrlPr>
+                            <a:rPr lang="en-US" sz="2800" i="1">
+                              <a:solidFill>
+                                <a:srgbClr val="000000"/>
+                              </a:solidFill>
+                              <a:latin typeface="Cambria Math" panose="02040503050406030204" pitchFamily="18" charset="0"/>
+                            </a:rPr>
+                          </m:ctrlPr>
+                        </m:funcPr>
+                        <m:fName>
+                          <m:r>
+                            <m:rPr>
+                              <m:sty m:val="p"/>
+                            </m:rPr>
+                            <a:rPr lang="en-US" sz="2800" i="0">
+                              <a:solidFill>
+                                <a:srgbClr val="000000"/>
+                              </a:solidFill>
+                              <a:latin typeface="Cambria Math" panose="02040503050406030204" pitchFamily="18" charset="0"/>
+                            </a:rPr>
+                            <m:t>cos</m:t>
+                          </m:r>
+                        </m:fName>
+                        <m:e>
+                          <m:d>
+                            <m:dPr>
+                              <m:ctrlPr>
+                                <a:rPr lang="en-US" sz="2800" i="1">
+                                  <a:solidFill>
+                                    <a:srgbClr val="000000"/>
+                                  </a:solidFill>
+                                  <a:latin typeface="Cambria Math" panose="02040503050406030204" pitchFamily="18" charset="0"/>
+                                </a:rPr>
+                              </m:ctrlPr>
+                            </m:dPr>
+                            <m:e>
+                              <m:f>
+                                <m:fPr>
+                                  <m:ctrlPr>
+                                    <a:rPr lang="en-US" sz="2800" i="1">
+                                      <a:solidFill>
+                                        <a:srgbClr val="000000"/>
+                                      </a:solidFill>
+                                      <a:latin typeface="Cambria Math" panose="02040503050406030204" pitchFamily="18" charset="0"/>
+                                    </a:rPr>
+                                  </m:ctrlPr>
+                                </m:fPr>
+                                <m:num>
+                                  <m:sSub>
+                                    <m:sSubPr>
+                                      <m:ctrlPr>
+                                        <a:rPr lang="en-US" sz="2800" i="1" smtClean="0">
+                                          <a:solidFill>
+                                            <a:srgbClr val="000000"/>
+                                          </a:solidFill>
+                                          <a:latin typeface="Cambria Math" panose="02040503050406030204" pitchFamily="18" charset="0"/>
+                                        </a:rPr>
+                                      </m:ctrlPr>
+                                    </m:sSubPr>
+                                    <m:e>
+                                      <m:r>
+                                        <a:rPr lang="en-US" sz="2800" i="1" smtClean="0">
+                                          <a:solidFill>
+                                            <a:srgbClr val="000000"/>
+                                          </a:solidFill>
+                                          <a:latin typeface="Cambria Math" panose="02040503050406030204" pitchFamily="18" charset="0"/>
+                                          <a:ea typeface="Cambria Math" panose="02040503050406030204" pitchFamily="18" charset="0"/>
+                                        </a:rPr>
+                                        <m:t>𝜑</m:t>
+                                      </m:r>
+                                    </m:e>
+                                    <m:sub>
+                                      <m:r>
+                                        <a:rPr lang="en-US" sz="2800" b="0" i="1" smtClean="0">
+                                          <a:solidFill>
+                                            <a:srgbClr val="000000"/>
+                                          </a:solidFill>
+                                          <a:latin typeface="Cambria Math" panose="02040503050406030204" pitchFamily="18" charset="0"/>
+                                        </a:rPr>
+                                        <m:t>𝑜</m:t>
+                                      </m:r>
+                                    </m:sub>
+                                  </m:sSub>
+                                </m:num>
+                                <m:den>
+                                  <m:r>
+                                    <a:rPr lang="en-US" sz="2800" i="1">
+                                      <a:solidFill>
+                                        <a:srgbClr val="000000"/>
+                                      </a:solidFill>
+                                      <a:latin typeface="Cambria Math" panose="02040503050406030204" pitchFamily="18" charset="0"/>
+                                    </a:rPr>
+                                    <m:t>2</m:t>
+                                  </m:r>
+                                </m:den>
+                              </m:f>
+                            </m:e>
+                          </m:d>
+                        </m:e>
+                      </m:func>
+                    </m:oMath>
+                  </m:oMathPara>
+                </a14:m>
+                <a:endParaRPr lang="en-US" sz="2800" dirty="0"/>
+              </a:p>
+            </p:txBody>
+          </p:sp>
+        </mc:Choice>
+        <mc:Fallback>
+          <p:sp>
+            <p:nvSpPr>
+              <p:cNvPr id="2050" name="Object 5"/>
+              <p:cNvSpPr txBox="1">
+                <a:spLocks noRot="1" noChangeAspect="1" noMove="1" noResize="1" noEditPoints="1" noAdjustHandles="1" noChangeArrowheads="1" noChangeShapeType="1" noTextEdit="1"/>
+              </p:cNvSpPr>
+              <p:nvPr/>
+            </p:nvSpPr>
+            <p:spPr bwMode="auto">
+              <a:xfrm>
+                <a:off x="881062" y="3114604"/>
+                <a:ext cx="1711325" cy="1055687"/>
+              </a:xfrm>
+              <a:prstGeom prst="rect">
+                <a:avLst/>
+              </a:prstGeom>
+              <a:blipFill>
+                <a:blip r:embed="rId2"/>
+                <a:stretch>
+                  <a:fillRect r="-38929"/>
+                </a:stretch>
+              </a:blipFill>
+            </p:spPr>
+            <p:txBody>
+              <a:bodyPr/>
+              <a:lstStyle/>
+              <a:p>
+                <a:r>
+                  <a:rPr lang="en-US">
+                    <a:noFill/>
+                  </a:rPr>
+                  <a:t> </a:t>
+                </a:r>
+              </a:p>
+            </p:txBody>
+          </p:sp>
+        </mc:Fallback>
+      </mc:AlternateContent>
+      <p:pic>
+        <p:nvPicPr>
+          <p:cNvPr id="5" name="Picture 4">
+            <a:extLst>
+              <a:ext uri="{FF2B5EF4-FFF2-40B4-BE49-F238E27FC236}">
+                <a16:creationId xmlns:a16="http://schemas.microsoft.com/office/drawing/2014/main" id="{C21D242C-CE45-701C-91E5-D3A3262873AA}"/>
+              </a:ext>
+            </a:extLst>
+          </p:cNvPr>
+          <p:cNvPicPr>
+            <a:picLocks noChangeAspect="1"/>
+          </p:cNvPicPr>
           <p:nvPr/>
-        </p:nvGraphicFramePr>
-        <p:xfrm>
-          <a:off x="1322388" y="2909888"/>
-          <a:ext cx="1711325" cy="1055687"/>
-        </p:xfrm>
-        <a:graphic>
-          <a:graphicData uri="http://schemas.openxmlformats.org/presentationml/2006/ole">
-            <mc:AlternateContent xmlns:mc="http://schemas.openxmlformats.org/markup-compatibility/2006">
-              <mc:Choice xmlns:v="urn:schemas-microsoft-com:vml" Requires="v">
-                <p:oleObj name="Equation" r:id="rId3" imgW="698197" imgH="431613" progId="Equation.3">
-                  <p:embed/>
-                </p:oleObj>
-              </mc:Choice>
-              <mc:Fallback>
-                <p:oleObj name="Equation" r:id="rId3" imgW="698197" imgH="431613" progId="Equation.3">
-                  <p:embed/>
-                  <p:pic>
-                    <p:nvPicPr>
-                      <p:cNvPr id="2050" name="Object 5"/>
-                      <p:cNvPicPr>
-                        <a:picLocks noChangeAspect="1" noChangeArrowheads="1"/>
-                      </p:cNvPicPr>
-                      <p:nvPr/>
-                    </p:nvPicPr>
-                    <p:blipFill>
-                      <a:blip r:embed="rId4">
-                        <a:extLst>
-                          <a:ext uri="{28A0092B-C50C-407E-A947-70E740481C1C}">
-                            <a14:useLocalDpi xmlns:a14="http://schemas.microsoft.com/office/drawing/2010/main" val="0"/>
-                          </a:ext>
-                        </a:extLst>
-                      </a:blip>
-                      <a:srcRect/>
-                      <a:stretch>
-                        <a:fillRect/>
-                      </a:stretch>
-                    </p:blipFill>
-                    <p:spPr bwMode="auto">
-                      <a:xfrm>
-                        <a:off x="1322388" y="2909888"/>
-                        <a:ext cx="1711325" cy="1055687"/>
-                      </a:xfrm>
-                      <a:prstGeom prst="rect">
-                        <a:avLst/>
-                      </a:prstGeom>
-                      <a:noFill/>
-                      <a:extLst>
-                        <a:ext uri="{909E8E84-426E-40DD-AFC4-6F175D3DCCD1}">
-                          <a14:hiddenFill xmlns:a14="http://schemas.microsoft.com/office/drawing/2010/main">
-                            <a:solidFill>
-                              <a:srgbClr val="FFFFFF"/>
-                            </a:solidFill>
-                          </a14:hiddenFill>
-                        </a:ext>
-                      </a:extLst>
-                    </p:spPr>
-                  </p:pic>
-                </p:oleObj>
-              </mc:Fallback>
-            </mc:AlternateContent>
-          </a:graphicData>
-        </a:graphic>
-      </p:graphicFrame>
+        </p:nvPicPr>
+        <p:blipFill>
+          <a:blip r:embed="rId3"/>
+          <a:stretch>
+            <a:fillRect/>
+          </a:stretch>
+        </p:blipFill>
+        <p:spPr>
+          <a:xfrm>
+            <a:off x="3490913" y="2528093"/>
+            <a:ext cx="4772025" cy="1819275"/>
+          </a:xfrm>
+          <a:prstGeom prst="rect">
+            <a:avLst/>
+          </a:prstGeom>
+        </p:spPr>
+      </p:pic>
     </p:spTree>
   </p:cSld>
   <p:clrMapOvr>
@@ -19601,146 +21221,691 @@
           </a:p>
         </p:txBody>
       </p:sp>
-      <p:graphicFrame>
-        <p:nvGraphicFramePr>
-          <p:cNvPr id="5122" name="Object 23"/>
-          <p:cNvGraphicFramePr>
-            <a:graphicFrameLocks noChangeAspect="1"/>
-          </p:cNvGraphicFramePr>
-          <p:nvPr/>
-        </p:nvGraphicFramePr>
-        <p:xfrm>
-          <a:off x="1458913" y="2270125"/>
-          <a:ext cx="2314575" cy="433388"/>
-        </p:xfrm>
-        <a:graphic>
-          <a:graphicData uri="http://schemas.openxmlformats.org/presentationml/2006/ole">
-            <mc:AlternateContent xmlns:mc="http://schemas.openxmlformats.org/markup-compatibility/2006">
-              <mc:Choice xmlns:v="urn:schemas-microsoft-com:vml" Requires="v">
-                <p:oleObj name="Equation" r:id="rId2" imgW="2311200" imgH="431640" progId="Equation.3">
-                  <p:embed/>
-                </p:oleObj>
-              </mc:Choice>
-              <mc:Fallback>
-                <p:oleObj name="Equation" r:id="rId2" imgW="2311200" imgH="431640" progId="Equation.3">
-                  <p:embed/>
-                  <p:pic>
-                    <p:nvPicPr>
-                      <p:cNvPr id="5122" name="Object 23"/>
-                      <p:cNvPicPr>
-                        <a:picLocks noChangeAspect="1" noChangeArrowheads="1"/>
-                      </p:cNvPicPr>
-                      <p:nvPr/>
-                    </p:nvPicPr>
-                    <p:blipFill>
-                      <a:blip r:embed="rId3">
-                        <a:extLst>
-                          <a:ext uri="{28A0092B-C50C-407E-A947-70E740481C1C}">
-                            <a14:useLocalDpi xmlns:a14="http://schemas.microsoft.com/office/drawing/2010/main" val="0"/>
-                          </a:ext>
-                        </a:extLst>
-                      </a:blip>
-                      <a:srcRect/>
-                      <a:stretch>
-                        <a:fillRect/>
-                      </a:stretch>
-                    </p:blipFill>
-                    <p:spPr bwMode="auto">
-                      <a:xfrm>
-                        <a:off x="1458913" y="2270125"/>
-                        <a:ext cx="2314575" cy="433388"/>
-                      </a:xfrm>
-                      <a:prstGeom prst="rect">
-                        <a:avLst/>
-                      </a:prstGeom>
-                      <a:noFill/>
-                      <a:extLst>
-                        <a:ext uri="{909E8E84-426E-40DD-AFC4-6F175D3DCCD1}">
-                          <a14:hiddenFill xmlns:a14="http://schemas.microsoft.com/office/drawing/2010/main">
-                            <a:solidFill>
-                              <a:srgbClr val="FFFFFF"/>
-                            </a:solidFill>
-                          </a14:hiddenFill>
-                        </a:ext>
-                      </a:extLst>
-                    </p:spPr>
-                  </p:pic>
-                </p:oleObj>
-              </mc:Fallback>
-            </mc:AlternateContent>
-          </a:graphicData>
-        </a:graphic>
-      </p:graphicFrame>
-      <p:graphicFrame>
-        <p:nvGraphicFramePr>
-          <p:cNvPr id="5123" name="Object 20"/>
-          <p:cNvGraphicFramePr>
-            <a:graphicFrameLocks noChangeAspect="1"/>
-          </p:cNvGraphicFramePr>
-          <p:nvPr/>
-        </p:nvGraphicFramePr>
-        <p:xfrm>
-          <a:off x="4027488" y="2308225"/>
-          <a:ext cx="2017712" cy="431800"/>
-        </p:xfrm>
-        <a:graphic>
-          <a:graphicData uri="http://schemas.openxmlformats.org/presentationml/2006/ole">
-            <mc:AlternateContent xmlns:mc="http://schemas.openxmlformats.org/markup-compatibility/2006">
-              <mc:Choice xmlns:v="urn:schemas-microsoft-com:vml" Requires="v">
-                <p:oleObj name="Equation" r:id="rId4" imgW="2019240" imgH="431640" progId="Equation.3">
-                  <p:embed/>
-                </p:oleObj>
-              </mc:Choice>
-              <mc:Fallback>
-                <p:oleObj name="Equation" r:id="rId4" imgW="2019240" imgH="431640" progId="Equation.3">
-                  <p:embed/>
-                  <p:pic>
-                    <p:nvPicPr>
-                      <p:cNvPr id="5123" name="Object 20"/>
-                      <p:cNvPicPr>
-                        <a:picLocks noChangeAspect="1" noChangeArrowheads="1"/>
-                      </p:cNvPicPr>
-                      <p:nvPr/>
-                    </p:nvPicPr>
-                    <p:blipFill>
-                      <a:blip r:embed="rId5">
-                        <a:extLst>
-                          <a:ext uri="{28A0092B-C50C-407E-A947-70E740481C1C}">
-                            <a14:useLocalDpi xmlns:a14="http://schemas.microsoft.com/office/drawing/2010/main" val="0"/>
-                          </a:ext>
-                        </a:extLst>
-                      </a:blip>
-                      <a:srcRect/>
-                      <a:stretch>
-                        <a:fillRect/>
-                      </a:stretch>
-                    </p:blipFill>
-                    <p:spPr bwMode="auto">
-                      <a:xfrm>
-                        <a:off x="4027488" y="2308225"/>
-                        <a:ext cx="2017712" cy="431800"/>
-                      </a:xfrm>
-                      <a:prstGeom prst="rect">
-                        <a:avLst/>
-                      </a:prstGeom>
-                      <a:noFill/>
-                      <a:extLst>
-                        <a:ext uri="{909E8E84-426E-40DD-AFC4-6F175D3DCCD1}">
-                          <a14:hiddenFill xmlns:a14="http://schemas.microsoft.com/office/drawing/2010/main">
-                            <a:solidFill>
-                              <a:srgbClr val="FFFFFF"/>
-                            </a:solidFill>
-                          </a14:hiddenFill>
-                        </a:ext>
-                      </a:extLst>
-                    </p:spPr>
-                  </p:pic>
-                </p:oleObj>
-              </mc:Fallback>
-            </mc:AlternateContent>
-          </a:graphicData>
-        </a:graphic>
-      </p:graphicFrame>
+      <mc:AlternateContent xmlns:mc="http://schemas.openxmlformats.org/markup-compatibility/2006">
+        <mc:Choice xmlns:a14="http://schemas.microsoft.com/office/drawing/2010/main" Requires="a14">
+          <p:sp>
+            <p:nvSpPr>
+              <p:cNvPr id="5122" name="Object 23"/>
+              <p:cNvSpPr txBox="1"/>
+              <p:nvPr/>
+            </p:nvSpPr>
+            <p:spPr bwMode="auto">
+              <a:xfrm>
+                <a:off x="1458913" y="2270125"/>
+                <a:ext cx="2314575" cy="433388"/>
+              </a:xfrm>
+              <a:prstGeom prst="rect">
+                <a:avLst/>
+              </a:prstGeom>
+              <a:noFill/>
+            </p:spPr>
+            <p:txBody>
+              <a:bodyPr>
+                <a:normAutofit fontScale="47500" lnSpcReduction="20000"/>
+              </a:bodyPr>
+              <a:lstStyle/>
+              <a:p>
+                <a:pPr/>
+                <a14:m>
+                  <m:oMathPara xmlns:m="http://schemas.openxmlformats.org/officeDocument/2006/math">
+                    <m:oMathParaPr>
+                      <m:jc m:val="left"/>
+                    </m:oMathParaPr>
+                    <m:oMath xmlns:m="http://schemas.openxmlformats.org/officeDocument/2006/math">
+                      <m:func>
+                        <m:funcPr>
+                          <m:ctrlPr>
+                            <a:rPr lang="en-US" i="1">
+                              <a:solidFill>
+                                <a:srgbClr val="000000"/>
+                              </a:solidFill>
+                              <a:latin typeface="Cambria Math" panose="02040503050406030204" pitchFamily="18" charset="0"/>
+                            </a:rPr>
+                          </m:ctrlPr>
+                        </m:funcPr>
+                        <m:fName>
+                          <m:r>
+                            <m:rPr>
+                              <m:sty m:val="p"/>
+                            </m:rPr>
+                            <a:rPr lang="en-US" i="0">
+                              <a:solidFill>
+                                <a:srgbClr val="000000"/>
+                              </a:solidFill>
+                              <a:latin typeface="Cambria Math" panose="02040503050406030204" pitchFamily="18" charset="0"/>
+                            </a:rPr>
+                            <m:t>sin</m:t>
+                          </m:r>
+                        </m:fName>
+                        <m:e>
+                          <m:r>
+                            <a:rPr lang="en-US" i="1">
+                              <a:solidFill>
+                                <a:srgbClr val="000000"/>
+                              </a:solidFill>
+                              <a:latin typeface="Cambria Math" panose="02040503050406030204" pitchFamily="18" charset="0"/>
+                            </a:rPr>
+                            <m:t>𝑎</m:t>
+                          </m:r>
+                        </m:e>
+                      </m:func>
+                      <m:r>
+                        <a:rPr lang="en-US" i="1">
+                          <a:solidFill>
+                            <a:srgbClr val="000000"/>
+                          </a:solidFill>
+                          <a:latin typeface="Cambria Math" panose="02040503050406030204" pitchFamily="18" charset="0"/>
+                        </a:rPr>
+                        <m:t>+</m:t>
+                      </m:r>
+                      <m:func>
+                        <m:funcPr>
+                          <m:ctrlPr>
+                            <a:rPr lang="en-US" i="1">
+                              <a:solidFill>
+                                <a:srgbClr val="000000"/>
+                              </a:solidFill>
+                              <a:latin typeface="Cambria Math" panose="02040503050406030204" pitchFamily="18" charset="0"/>
+                            </a:rPr>
+                          </m:ctrlPr>
+                        </m:funcPr>
+                        <m:fName>
+                          <m:r>
+                            <m:rPr>
+                              <m:sty m:val="p"/>
+                            </m:rPr>
+                            <a:rPr lang="en-US" i="0">
+                              <a:solidFill>
+                                <a:srgbClr val="000000"/>
+                              </a:solidFill>
+                              <a:latin typeface="Cambria Math" panose="02040503050406030204" pitchFamily="18" charset="0"/>
+                            </a:rPr>
+                            <m:t>sin</m:t>
+                          </m:r>
+                        </m:fName>
+                        <m:e>
+                          <m:r>
+                            <a:rPr lang="en-US" i="1">
+                              <a:solidFill>
+                                <a:srgbClr val="000000"/>
+                              </a:solidFill>
+                              <a:latin typeface="Cambria Math" panose="02040503050406030204" pitchFamily="18" charset="0"/>
+                            </a:rPr>
+                            <m:t>𝑏</m:t>
+                          </m:r>
+                        </m:e>
+                      </m:func>
+                      <m:r>
+                        <a:rPr lang="en-US" i="1">
+                          <a:solidFill>
+                            <a:srgbClr val="000000"/>
+                          </a:solidFill>
+                          <a:latin typeface="Cambria Math" panose="02040503050406030204" pitchFamily="18" charset="0"/>
+                        </a:rPr>
+                        <m:t>=2</m:t>
+                      </m:r>
+                      <m:func>
+                        <m:funcPr>
+                          <m:ctrlPr>
+                            <a:rPr lang="en-US" i="1">
+                              <a:solidFill>
+                                <a:srgbClr val="000000"/>
+                              </a:solidFill>
+                              <a:latin typeface="Cambria Math" panose="02040503050406030204" pitchFamily="18" charset="0"/>
+                            </a:rPr>
+                          </m:ctrlPr>
+                        </m:funcPr>
+                        <m:fName>
+                          <m:r>
+                            <m:rPr>
+                              <m:sty m:val="p"/>
+                            </m:rPr>
+                            <a:rPr lang="en-US" i="0">
+                              <a:solidFill>
+                                <a:srgbClr val="000000"/>
+                              </a:solidFill>
+                              <a:latin typeface="Cambria Math" panose="02040503050406030204" pitchFamily="18" charset="0"/>
+                            </a:rPr>
+                            <m:t>cos</m:t>
+                          </m:r>
+                        </m:fName>
+                        <m:e>
+                          <m:d>
+                            <m:dPr>
+                              <m:ctrlPr>
+                                <a:rPr lang="en-US" i="1">
+                                  <a:solidFill>
+                                    <a:srgbClr val="000000"/>
+                                  </a:solidFill>
+                                  <a:latin typeface="Cambria Math" panose="02040503050406030204" pitchFamily="18" charset="0"/>
+                                </a:rPr>
+                              </m:ctrlPr>
+                            </m:dPr>
+                            <m:e>
+                              <m:f>
+                                <m:fPr>
+                                  <m:ctrlPr>
+                                    <a:rPr lang="en-US" i="1">
+                                      <a:solidFill>
+                                        <a:srgbClr val="000000"/>
+                                      </a:solidFill>
+                                      <a:latin typeface="Cambria Math" panose="02040503050406030204" pitchFamily="18" charset="0"/>
+                                    </a:rPr>
+                                  </m:ctrlPr>
+                                </m:fPr>
+                                <m:num>
+                                  <m:r>
+                                    <a:rPr lang="en-US" i="1">
+                                      <a:solidFill>
+                                        <a:srgbClr val="000000"/>
+                                      </a:solidFill>
+                                      <a:latin typeface="Cambria Math" panose="02040503050406030204" pitchFamily="18" charset="0"/>
+                                    </a:rPr>
+                                    <m:t>𝑎</m:t>
+                                  </m:r>
+                                  <m:r>
+                                    <a:rPr lang="en-US" i="1">
+                                      <a:solidFill>
+                                        <a:srgbClr val="000000"/>
+                                      </a:solidFill>
+                                      <a:latin typeface="Cambria Math" panose="02040503050406030204" pitchFamily="18" charset="0"/>
+                                    </a:rPr>
+                                    <m:t>−</m:t>
+                                  </m:r>
+                                  <m:r>
+                                    <a:rPr lang="en-US" i="1">
+                                      <a:solidFill>
+                                        <a:srgbClr val="000000"/>
+                                      </a:solidFill>
+                                      <a:latin typeface="Cambria Math" panose="02040503050406030204" pitchFamily="18" charset="0"/>
+                                    </a:rPr>
+                                    <m:t>𝑏</m:t>
+                                  </m:r>
+                                </m:num>
+                                <m:den>
+                                  <m:r>
+                                    <a:rPr lang="en-US" i="1">
+                                      <a:solidFill>
+                                        <a:srgbClr val="000000"/>
+                                      </a:solidFill>
+                                      <a:latin typeface="Cambria Math" panose="02040503050406030204" pitchFamily="18" charset="0"/>
+                                    </a:rPr>
+                                    <m:t>2</m:t>
+                                  </m:r>
+                                </m:den>
+                              </m:f>
+                            </m:e>
+                          </m:d>
+                        </m:e>
+                      </m:func>
+                      <m:func>
+                        <m:funcPr>
+                          <m:ctrlPr>
+                            <a:rPr lang="en-US" i="1">
+                              <a:solidFill>
+                                <a:srgbClr val="000000"/>
+                              </a:solidFill>
+                              <a:latin typeface="Cambria Math" panose="02040503050406030204" pitchFamily="18" charset="0"/>
+                            </a:rPr>
+                          </m:ctrlPr>
+                        </m:funcPr>
+                        <m:fName>
+                          <m:r>
+                            <m:rPr>
+                              <m:sty m:val="p"/>
+                            </m:rPr>
+                            <a:rPr lang="en-US" i="0">
+                              <a:solidFill>
+                                <a:srgbClr val="000000"/>
+                              </a:solidFill>
+                              <a:latin typeface="Cambria Math" panose="02040503050406030204" pitchFamily="18" charset="0"/>
+                            </a:rPr>
+                            <m:t>sin</m:t>
+                          </m:r>
+                        </m:fName>
+                        <m:e>
+                          <m:d>
+                            <m:dPr>
+                              <m:ctrlPr>
+                                <a:rPr lang="en-US" i="1">
+                                  <a:solidFill>
+                                    <a:srgbClr val="000000"/>
+                                  </a:solidFill>
+                                  <a:latin typeface="Cambria Math" panose="02040503050406030204" pitchFamily="18" charset="0"/>
+                                </a:rPr>
+                              </m:ctrlPr>
+                            </m:dPr>
+                            <m:e>
+                              <m:f>
+                                <m:fPr>
+                                  <m:ctrlPr>
+                                    <a:rPr lang="en-US" i="1">
+                                      <a:solidFill>
+                                        <a:srgbClr val="000000"/>
+                                      </a:solidFill>
+                                      <a:latin typeface="Cambria Math" panose="02040503050406030204" pitchFamily="18" charset="0"/>
+                                    </a:rPr>
+                                  </m:ctrlPr>
+                                </m:fPr>
+                                <m:num>
+                                  <m:r>
+                                    <a:rPr lang="en-US" i="1">
+                                      <a:solidFill>
+                                        <a:srgbClr val="000000"/>
+                                      </a:solidFill>
+                                      <a:latin typeface="Cambria Math" panose="02040503050406030204" pitchFamily="18" charset="0"/>
+                                    </a:rPr>
+                                    <m:t>𝑎</m:t>
+                                  </m:r>
+                                  <m:r>
+                                    <a:rPr lang="en-US" i="1">
+                                      <a:solidFill>
+                                        <a:srgbClr val="000000"/>
+                                      </a:solidFill>
+                                      <a:latin typeface="Cambria Math" panose="02040503050406030204" pitchFamily="18" charset="0"/>
+                                    </a:rPr>
+                                    <m:t>+</m:t>
+                                  </m:r>
+                                  <m:r>
+                                    <a:rPr lang="en-US" i="1">
+                                      <a:solidFill>
+                                        <a:srgbClr val="000000"/>
+                                      </a:solidFill>
+                                      <a:latin typeface="Cambria Math" panose="02040503050406030204" pitchFamily="18" charset="0"/>
+                                    </a:rPr>
+                                    <m:t>𝑏</m:t>
+                                  </m:r>
+                                </m:num>
+                                <m:den>
+                                  <m:r>
+                                    <a:rPr lang="en-US" i="1">
+                                      <a:solidFill>
+                                        <a:srgbClr val="000000"/>
+                                      </a:solidFill>
+                                      <a:latin typeface="Cambria Math" panose="02040503050406030204" pitchFamily="18" charset="0"/>
+                                    </a:rPr>
+                                    <m:t>2</m:t>
+                                  </m:r>
+                                </m:den>
+                              </m:f>
+                            </m:e>
+                          </m:d>
+                        </m:e>
+                      </m:func>
+                    </m:oMath>
+                  </m:oMathPara>
+                </a14:m>
+                <a:endParaRPr lang="en-US"/>
+              </a:p>
+            </p:txBody>
+          </p:sp>
+        </mc:Choice>
+        <mc:Fallback>
+          <p:sp>
+            <p:nvSpPr>
+              <p:cNvPr id="5122" name="Object 23"/>
+              <p:cNvSpPr txBox="1">
+                <a:spLocks noRot="1" noChangeAspect="1" noMove="1" noResize="1" noEditPoints="1" noAdjustHandles="1" noChangeArrowheads="1" noChangeShapeType="1" noTextEdit="1"/>
+              </p:cNvSpPr>
+              <p:nvPr/>
+            </p:nvSpPr>
+            <p:spPr bwMode="auto">
+              <a:xfrm>
+                <a:off x="1458913" y="2270125"/>
+                <a:ext cx="2314575" cy="433388"/>
+              </a:xfrm>
+              <a:prstGeom prst="rect">
+                <a:avLst/>
+              </a:prstGeom>
+              <a:blipFill>
+                <a:blip r:embed="rId2"/>
+                <a:stretch>
+                  <a:fillRect/>
+                </a:stretch>
+              </a:blipFill>
+            </p:spPr>
+            <p:txBody>
+              <a:bodyPr/>
+              <a:lstStyle/>
+              <a:p>
+                <a:r>
+                  <a:rPr lang="en-US">
+                    <a:noFill/>
+                  </a:rPr>
+                  <a:t> </a:t>
+                </a:r>
+              </a:p>
+            </p:txBody>
+          </p:sp>
+        </mc:Fallback>
+      </mc:AlternateContent>
+      <mc:AlternateContent xmlns:mc="http://schemas.openxmlformats.org/markup-compatibility/2006">
+        <mc:Choice xmlns:a14="http://schemas.microsoft.com/office/drawing/2010/main" Requires="a14">
+          <p:sp>
+            <p:nvSpPr>
+              <p:cNvPr id="5123" name="Object 20"/>
+              <p:cNvSpPr txBox="1"/>
+              <p:nvPr/>
+            </p:nvSpPr>
+            <p:spPr bwMode="auto">
+              <a:xfrm>
+                <a:off x="4027488" y="2308225"/>
+                <a:ext cx="2017712" cy="431800"/>
+              </a:xfrm>
+              <a:prstGeom prst="rect">
+                <a:avLst/>
+              </a:prstGeom>
+              <a:noFill/>
+            </p:spPr>
+            <p:txBody>
+              <a:bodyPr>
+                <a:normAutofit fontScale="47500" lnSpcReduction="20000"/>
+              </a:bodyPr>
+              <a:lstStyle/>
+              <a:p>
+                <a:pPr/>
+                <a14:m>
+                  <m:oMathPara xmlns:m="http://schemas.openxmlformats.org/officeDocument/2006/math">
+                    <m:oMathParaPr>
+                      <m:jc m:val="left"/>
+                    </m:oMathParaPr>
+                    <m:oMath xmlns:m="http://schemas.openxmlformats.org/officeDocument/2006/math">
+                      <m:sSub>
+                        <m:sSubPr>
+                          <m:ctrlPr>
+                            <a:rPr lang="en-US" i="1">
+                              <a:solidFill>
+                                <a:srgbClr val="000000"/>
+                              </a:solidFill>
+                              <a:latin typeface="Cambria Math" panose="02040503050406030204" pitchFamily="18" charset="0"/>
+                            </a:rPr>
+                          </m:ctrlPr>
+                        </m:sSubPr>
+                        <m:e>
+                          <m:r>
+                            <a:rPr lang="en-US" i="1">
+                              <a:solidFill>
+                                <a:srgbClr val="000000"/>
+                              </a:solidFill>
+                              <a:latin typeface="Cambria Math" panose="02040503050406030204" pitchFamily="18" charset="0"/>
+                            </a:rPr>
+                            <m:t>𝑦</m:t>
+                          </m:r>
+                        </m:e>
+                        <m:sub>
+                          <m:r>
+                            <a:rPr lang="en-US" i="1">
+                              <a:solidFill>
+                                <a:srgbClr val="000000"/>
+                              </a:solidFill>
+                              <a:latin typeface="Cambria Math" panose="02040503050406030204" pitchFamily="18" charset="0"/>
+                            </a:rPr>
+                            <m:t>𝑟</m:t>
+                          </m:r>
+                        </m:sub>
+                      </m:sSub>
+                      <m:r>
+                        <a:rPr lang="en-US" i="1">
+                          <a:solidFill>
+                            <a:srgbClr val="000000"/>
+                          </a:solidFill>
+                          <a:latin typeface="Cambria Math" panose="02040503050406030204" pitchFamily="18" charset="0"/>
+                        </a:rPr>
+                        <m:t>=2</m:t>
+                      </m:r>
+                      <m:r>
+                        <a:rPr lang="en-US" i="1">
+                          <a:solidFill>
+                            <a:srgbClr val="000000"/>
+                          </a:solidFill>
+                          <a:latin typeface="Cambria Math" panose="02040503050406030204" pitchFamily="18" charset="0"/>
+                        </a:rPr>
+                        <m:t>𝐴</m:t>
+                      </m:r>
+                      <m:func>
+                        <m:funcPr>
+                          <m:ctrlPr>
+                            <a:rPr lang="en-US" i="1">
+                              <a:solidFill>
+                                <a:srgbClr val="000000"/>
+                              </a:solidFill>
+                              <a:latin typeface="Cambria Math" panose="02040503050406030204" pitchFamily="18" charset="0"/>
+                            </a:rPr>
+                          </m:ctrlPr>
+                        </m:funcPr>
+                        <m:fName>
+                          <m:r>
+                            <m:rPr>
+                              <m:sty m:val="p"/>
+                            </m:rPr>
+                            <a:rPr lang="en-US" i="0">
+                              <a:solidFill>
+                                <a:srgbClr val="000000"/>
+                              </a:solidFill>
+                              <a:latin typeface="Cambria Math" panose="02040503050406030204" pitchFamily="18" charset="0"/>
+                            </a:rPr>
+                            <m:t>cos</m:t>
+                          </m:r>
+                        </m:fName>
+                        <m:e>
+                          <m:d>
+                            <m:dPr>
+                              <m:ctrlPr>
+                                <a:rPr lang="en-US" i="1">
+                                  <a:solidFill>
+                                    <a:srgbClr val="000000"/>
+                                  </a:solidFill>
+                                  <a:latin typeface="Cambria Math" panose="02040503050406030204" pitchFamily="18" charset="0"/>
+                                </a:rPr>
+                              </m:ctrlPr>
+                            </m:dPr>
+                            <m:e>
+                              <m:f>
+                                <m:fPr>
+                                  <m:ctrlPr>
+                                    <a:rPr lang="en-US" i="1">
+                                      <a:solidFill>
+                                        <a:srgbClr val="000000"/>
+                                      </a:solidFill>
+                                      <a:latin typeface="Cambria Math" panose="02040503050406030204" pitchFamily="18" charset="0"/>
+                                    </a:rPr>
+                                  </m:ctrlPr>
+                                </m:fPr>
+                                <m:num>
+                                  <m:r>
+                                    <a:rPr lang="en-US" i="1">
+                                      <a:solidFill>
+                                        <a:srgbClr val="000000"/>
+                                      </a:solidFill>
+                                      <a:latin typeface="Cambria Math" panose="02040503050406030204" pitchFamily="18" charset="0"/>
+                                    </a:rPr>
+                                    <m:t>𝜑</m:t>
+                                  </m:r>
+                                </m:num>
+                                <m:den>
+                                  <m:r>
+                                    <a:rPr lang="en-US" i="1">
+                                      <a:solidFill>
+                                        <a:srgbClr val="000000"/>
+                                      </a:solidFill>
+                                      <a:latin typeface="Cambria Math" panose="02040503050406030204" pitchFamily="18" charset="0"/>
+                                    </a:rPr>
+                                    <m:t>2</m:t>
+                                  </m:r>
+                                </m:den>
+                              </m:f>
+                            </m:e>
+                          </m:d>
+                        </m:e>
+                      </m:func>
+                      <m:func>
+                        <m:funcPr>
+                          <m:ctrlPr>
+                            <a:rPr lang="en-US" i="1">
+                              <a:solidFill>
+                                <a:srgbClr val="000000"/>
+                              </a:solidFill>
+                              <a:latin typeface="Cambria Math" panose="02040503050406030204" pitchFamily="18" charset="0"/>
+                            </a:rPr>
+                          </m:ctrlPr>
+                        </m:funcPr>
+                        <m:fName>
+                          <m:r>
+                            <m:rPr>
+                              <m:sty m:val="p"/>
+                            </m:rPr>
+                            <a:rPr lang="en-US" i="0">
+                              <a:solidFill>
+                                <a:srgbClr val="000000"/>
+                              </a:solidFill>
+                              <a:latin typeface="Cambria Math" panose="02040503050406030204" pitchFamily="18" charset="0"/>
+                            </a:rPr>
+                            <m:t>sin</m:t>
+                          </m:r>
+                        </m:fName>
+                        <m:e>
+                          <m:d>
+                            <m:dPr>
+                              <m:ctrlPr>
+                                <a:rPr lang="en-US" i="1">
+                                  <a:solidFill>
+                                    <a:srgbClr val="000000"/>
+                                  </a:solidFill>
+                                  <a:latin typeface="Cambria Math" panose="02040503050406030204" pitchFamily="18" charset="0"/>
+                                </a:rPr>
+                              </m:ctrlPr>
+                            </m:dPr>
+                            <m:e>
+                              <m:r>
+                                <a:rPr lang="en-US" i="1">
+                                  <a:solidFill>
+                                    <a:srgbClr val="000000"/>
+                                  </a:solidFill>
+                                  <a:latin typeface="Cambria Math" panose="02040503050406030204" pitchFamily="18" charset="0"/>
+                                </a:rPr>
+                                <m:t>𝑘𝑥</m:t>
+                              </m:r>
+                              <m:r>
+                                <a:rPr lang="en-US" i="1">
+                                  <a:solidFill>
+                                    <a:srgbClr val="000000"/>
+                                  </a:solidFill>
+                                  <a:latin typeface="Cambria Math" panose="02040503050406030204" pitchFamily="18" charset="0"/>
+                                </a:rPr>
+                                <m:t>−</m:t>
+                              </m:r>
+                              <m:r>
+                                <a:rPr lang="en-US" i="1">
+                                  <a:solidFill>
+                                    <a:srgbClr val="000000"/>
+                                  </a:solidFill>
+                                  <a:latin typeface="Cambria Math" panose="02040503050406030204" pitchFamily="18" charset="0"/>
+                                </a:rPr>
+                                <m:t>𝜔</m:t>
+                              </m:r>
+                              <m:r>
+                                <a:rPr lang="en-US" i="1">
+                                  <a:solidFill>
+                                    <a:srgbClr val="000000"/>
+                                  </a:solidFill>
+                                  <a:latin typeface="Cambria Math" panose="02040503050406030204" pitchFamily="18" charset="0"/>
+                                </a:rPr>
+                                <m:t>𝑡</m:t>
+                              </m:r>
+                              <m:r>
+                                <a:rPr lang="en-US" i="1">
+                                  <a:solidFill>
+                                    <a:srgbClr val="000000"/>
+                                  </a:solidFill>
+                                  <a:latin typeface="Cambria Math" panose="02040503050406030204" pitchFamily="18" charset="0"/>
+                                </a:rPr>
+                                <m:t>+</m:t>
+                              </m:r>
+                              <m:f>
+                                <m:fPr>
+                                  <m:ctrlPr>
+                                    <a:rPr lang="en-US" i="1">
+                                      <a:solidFill>
+                                        <a:srgbClr val="000000"/>
+                                      </a:solidFill>
+                                      <a:latin typeface="Cambria Math" panose="02040503050406030204" pitchFamily="18" charset="0"/>
+                                    </a:rPr>
+                                  </m:ctrlPr>
+                                </m:fPr>
+                                <m:num>
+                                  <m:r>
+                                    <a:rPr lang="en-US" i="1">
+                                      <a:solidFill>
+                                        <a:srgbClr val="000000"/>
+                                      </a:solidFill>
+                                      <a:latin typeface="Cambria Math" panose="02040503050406030204" pitchFamily="18" charset="0"/>
+                                    </a:rPr>
+                                    <m:t>𝜑</m:t>
+                                  </m:r>
+                                </m:num>
+                                <m:den>
+                                  <m:r>
+                                    <a:rPr lang="en-US" i="1">
+                                      <a:solidFill>
+                                        <a:srgbClr val="000000"/>
+                                      </a:solidFill>
+                                      <a:latin typeface="Cambria Math" panose="02040503050406030204" pitchFamily="18" charset="0"/>
+                                    </a:rPr>
+                                    <m:t>2</m:t>
+                                  </m:r>
+                                </m:den>
+                              </m:f>
+                            </m:e>
+                          </m:d>
+                        </m:e>
+                      </m:func>
+                    </m:oMath>
+                  </m:oMathPara>
+                </a14:m>
+                <a:endParaRPr lang="en-US"/>
+              </a:p>
+            </p:txBody>
+          </p:sp>
+        </mc:Choice>
+        <mc:Fallback>
+          <p:sp>
+            <p:nvSpPr>
+              <p:cNvPr id="5123" name="Object 20"/>
+              <p:cNvSpPr txBox="1">
+                <a:spLocks noRot="1" noChangeAspect="1" noMove="1" noResize="1" noEditPoints="1" noAdjustHandles="1" noChangeArrowheads="1" noChangeShapeType="1" noTextEdit="1"/>
+              </p:cNvSpPr>
+              <p:nvPr/>
+            </p:nvSpPr>
+            <p:spPr bwMode="auto">
+              <a:xfrm>
+                <a:off x="4027488" y="2308225"/>
+                <a:ext cx="2017712" cy="431800"/>
+              </a:xfrm>
+              <a:prstGeom prst="rect">
+                <a:avLst/>
+              </a:prstGeom>
+              <a:blipFill>
+                <a:blip r:embed="rId3"/>
+                <a:stretch>
+                  <a:fillRect/>
+                </a:stretch>
+              </a:blipFill>
+            </p:spPr>
+            <p:txBody>
+              <a:bodyPr/>
+              <a:lstStyle/>
+              <a:p>
+                <a:r>
+                  <a:rPr lang="en-US">
+                    <a:noFill/>
+                  </a:rPr>
+                  <a:t> </a:t>
+                </a:r>
+              </a:p>
+            </p:txBody>
+          </p:sp>
+        </mc:Fallback>
+      </mc:AlternateContent>
       <p:sp>
         <p:nvSpPr>
           <p:cNvPr id="5135" name="Rectangle 24"/>
@@ -19854,76 +22019,375 @@
           </a:p>
         </p:txBody>
       </p:sp>
-      <p:graphicFrame>
-        <p:nvGraphicFramePr>
-          <p:cNvPr id="5124" name="Object 28"/>
-          <p:cNvGraphicFramePr>
-            <a:graphicFrameLocks noChangeAspect="1"/>
-          </p:cNvGraphicFramePr>
-          <p:nvPr/>
-        </p:nvGraphicFramePr>
-        <p:xfrm>
-          <a:off x="1774825" y="4411663"/>
-          <a:ext cx="2376488" cy="215900"/>
-        </p:xfrm>
-        <a:graphic>
-          <a:graphicData uri="http://schemas.openxmlformats.org/presentationml/2006/ole">
-            <mc:AlternateContent xmlns:mc="http://schemas.openxmlformats.org/markup-compatibility/2006">
-              <mc:Choice xmlns:v="urn:schemas-microsoft-com:vml" Requires="v">
-                <p:oleObj name="Equation" r:id="rId6" imgW="2374560" imgH="215640" progId="Equation.3">
-                  <p:embed/>
-                </p:oleObj>
-              </mc:Choice>
-              <mc:Fallback>
-                <p:oleObj name="Equation" r:id="rId6" imgW="2374560" imgH="215640" progId="Equation.3">
-                  <p:embed/>
-                  <p:pic>
-                    <p:nvPicPr>
-                      <p:cNvPr id="5124" name="Object 28"/>
-                      <p:cNvPicPr>
-                        <a:picLocks noChangeAspect="1" noChangeArrowheads="1"/>
-                      </p:cNvPicPr>
-                      <p:nvPr/>
-                    </p:nvPicPr>
-                    <p:blipFill>
-                      <a:blip r:embed="rId7">
-                        <a:extLst>
-                          <a:ext uri="{28A0092B-C50C-407E-A947-70E740481C1C}">
-                            <a14:useLocalDpi xmlns:a14="http://schemas.microsoft.com/office/drawing/2010/main" val="0"/>
-                          </a:ext>
-                        </a:extLst>
-                      </a:blip>
-                      <a:srcRect/>
-                      <a:stretch>
-                        <a:fillRect/>
-                      </a:stretch>
-                    </p:blipFill>
-                    <p:spPr bwMode="auto">
-                      <a:xfrm>
-                        <a:off x="1774825" y="4411663"/>
-                        <a:ext cx="2376488" cy="215900"/>
-                      </a:xfrm>
-                      <a:prstGeom prst="rect">
-                        <a:avLst/>
-                      </a:prstGeom>
-                      <a:noFill/>
-                      <a:extLst>
-                        <a:ext uri="{909E8E84-426E-40DD-AFC4-6F175D3DCCD1}">
-                          <a14:hiddenFill xmlns:a14="http://schemas.microsoft.com/office/drawing/2010/main">
-                            <a:solidFill>
-                              <a:srgbClr val="FFFFFF"/>
-                            </a:solidFill>
-                          </a14:hiddenFill>
-                        </a:ext>
-                      </a:extLst>
-                    </p:spPr>
-                  </p:pic>
-                </p:oleObj>
-              </mc:Fallback>
-            </mc:AlternateContent>
-          </a:graphicData>
-        </a:graphic>
-      </p:graphicFrame>
+      <mc:AlternateContent xmlns:mc="http://schemas.openxmlformats.org/markup-compatibility/2006">
+        <mc:Choice xmlns:a14="http://schemas.microsoft.com/office/drawing/2010/main" Requires="a14">
+          <p:sp>
+            <p:nvSpPr>
+              <p:cNvPr id="5124" name="Object 28"/>
+              <p:cNvSpPr txBox="1"/>
+              <p:nvPr/>
+            </p:nvSpPr>
+            <p:spPr bwMode="auto">
+              <a:xfrm>
+                <a:off x="1774825" y="4411663"/>
+                <a:ext cx="2376488" cy="215900"/>
+              </a:xfrm>
+              <a:prstGeom prst="rect">
+                <a:avLst/>
+              </a:prstGeom>
+              <a:noFill/>
+            </p:spPr>
+            <p:txBody>
+              <a:bodyPr>
+                <a:normAutofit fontScale="40000" lnSpcReduction="20000"/>
+              </a:bodyPr>
+              <a:lstStyle/>
+              <a:p>
+                <a:pPr/>
+                <a14:m>
+                  <m:oMathPara xmlns:m="http://schemas.openxmlformats.org/officeDocument/2006/math">
+                    <m:oMathParaPr>
+                      <m:jc m:val="left"/>
+                    </m:oMathParaPr>
+                    <m:oMath xmlns:m="http://schemas.openxmlformats.org/officeDocument/2006/math">
+                      <m:func>
+                        <m:funcPr>
+                          <m:ctrlPr>
+                            <a:rPr lang="en-US" i="1">
+                              <a:solidFill>
+                                <a:srgbClr val="000000"/>
+                              </a:solidFill>
+                              <a:latin typeface="Cambria Math" panose="02040503050406030204" pitchFamily="18" charset="0"/>
+                            </a:rPr>
+                          </m:ctrlPr>
+                        </m:funcPr>
+                        <m:fName>
+                          <m:r>
+                            <m:rPr>
+                              <m:sty m:val="p"/>
+                            </m:rPr>
+                            <a:rPr lang="en-US" i="0">
+                              <a:solidFill>
+                                <a:srgbClr val="000000"/>
+                              </a:solidFill>
+                              <a:latin typeface="Cambria Math" panose="02040503050406030204" pitchFamily="18" charset="0"/>
+                            </a:rPr>
+                            <m:t>sin</m:t>
+                          </m:r>
+                        </m:fName>
+                        <m:e>
+                          <m:d>
+                            <m:dPr>
+                              <m:ctrlPr>
+                                <a:rPr lang="en-US" i="1">
+                                  <a:solidFill>
+                                    <a:srgbClr val="000000"/>
+                                  </a:solidFill>
+                                  <a:latin typeface="Cambria Math" panose="02040503050406030204" pitchFamily="18" charset="0"/>
+                                </a:rPr>
+                              </m:ctrlPr>
+                            </m:dPr>
+                            <m:e>
+                              <m:r>
+                                <a:rPr lang="en-US" i="1">
+                                  <a:solidFill>
+                                    <a:srgbClr val="000000"/>
+                                  </a:solidFill>
+                                  <a:latin typeface="Cambria Math" panose="02040503050406030204" pitchFamily="18" charset="0"/>
+                                </a:rPr>
+                                <m:t>𝑎</m:t>
+                              </m:r>
+                              <m:r>
+                                <a:rPr lang="en-US" i="1">
+                                  <a:solidFill>
+                                    <a:srgbClr val="000000"/>
+                                  </a:solidFill>
+                                  <a:latin typeface="Cambria Math" panose="02040503050406030204" pitchFamily="18" charset="0"/>
+                                </a:rPr>
+                                <m:t>±</m:t>
+                              </m:r>
+                              <m:r>
+                                <a:rPr lang="en-US" i="1">
+                                  <a:solidFill>
+                                    <a:srgbClr val="000000"/>
+                                  </a:solidFill>
+                                  <a:latin typeface="Cambria Math" panose="02040503050406030204" pitchFamily="18" charset="0"/>
+                                </a:rPr>
+                                <m:t>𝑏</m:t>
+                              </m:r>
+                            </m:e>
+                          </m:d>
+                        </m:e>
+                      </m:func>
+                      <m:r>
+                        <a:rPr lang="en-US" i="1">
+                          <a:solidFill>
+                            <a:srgbClr val="000000"/>
+                          </a:solidFill>
+                          <a:latin typeface="Cambria Math" panose="02040503050406030204" pitchFamily="18" charset="0"/>
+                        </a:rPr>
+                        <m:t>=</m:t>
+                      </m:r>
+                      <m:func>
+                        <m:funcPr>
+                          <m:ctrlPr>
+                            <a:rPr lang="en-US" i="1">
+                              <a:solidFill>
+                                <a:srgbClr val="000000"/>
+                              </a:solidFill>
+                              <a:latin typeface="Cambria Math" panose="02040503050406030204" pitchFamily="18" charset="0"/>
+                            </a:rPr>
+                          </m:ctrlPr>
+                        </m:funcPr>
+                        <m:fName>
+                          <m:r>
+                            <m:rPr>
+                              <m:sty m:val="p"/>
+                            </m:rPr>
+                            <a:rPr lang="en-US" i="0">
+                              <a:solidFill>
+                                <a:srgbClr val="000000"/>
+                              </a:solidFill>
+                              <a:latin typeface="Cambria Math" panose="02040503050406030204" pitchFamily="18" charset="0"/>
+                            </a:rPr>
+                            <m:t>sin</m:t>
+                          </m:r>
+                        </m:fName>
+                        <m:e>
+                          <m:d>
+                            <m:dPr>
+                              <m:ctrlPr>
+                                <a:rPr lang="en-US" i="1">
+                                  <a:solidFill>
+                                    <a:srgbClr val="000000"/>
+                                  </a:solidFill>
+                                  <a:latin typeface="Cambria Math" panose="02040503050406030204" pitchFamily="18" charset="0"/>
+                                </a:rPr>
+                              </m:ctrlPr>
+                            </m:dPr>
+                            <m:e>
+                              <m:r>
+                                <a:rPr lang="en-US" i="1">
+                                  <a:solidFill>
+                                    <a:srgbClr val="000000"/>
+                                  </a:solidFill>
+                                  <a:latin typeface="Cambria Math" panose="02040503050406030204" pitchFamily="18" charset="0"/>
+                                </a:rPr>
+                                <m:t>𝑎</m:t>
+                              </m:r>
+                            </m:e>
+                          </m:d>
+                        </m:e>
+                      </m:func>
+                      <m:func>
+                        <m:funcPr>
+                          <m:ctrlPr>
+                            <a:rPr lang="en-US" i="1">
+                              <a:solidFill>
+                                <a:srgbClr val="000000"/>
+                              </a:solidFill>
+                              <a:latin typeface="Cambria Math" panose="02040503050406030204" pitchFamily="18" charset="0"/>
+                            </a:rPr>
+                          </m:ctrlPr>
+                        </m:funcPr>
+                        <m:fName>
+                          <m:r>
+                            <m:rPr>
+                              <m:sty m:val="p"/>
+                            </m:rPr>
+                            <a:rPr lang="en-US" i="0">
+                              <a:solidFill>
+                                <a:srgbClr val="000000"/>
+                              </a:solidFill>
+                              <a:latin typeface="Cambria Math" panose="02040503050406030204" pitchFamily="18" charset="0"/>
+                            </a:rPr>
+                            <m:t>cos</m:t>
+                          </m:r>
+                        </m:fName>
+                        <m:e>
+                          <m:d>
+                            <m:dPr>
+                              <m:ctrlPr>
+                                <a:rPr lang="en-US" i="1">
+                                  <a:solidFill>
+                                    <a:srgbClr val="000000"/>
+                                  </a:solidFill>
+                                  <a:latin typeface="Cambria Math" panose="02040503050406030204" pitchFamily="18" charset="0"/>
+                                </a:rPr>
+                              </m:ctrlPr>
+                            </m:dPr>
+                            <m:e>
+                              <m:r>
+                                <a:rPr lang="en-US" i="1">
+                                  <a:solidFill>
+                                    <a:srgbClr val="000000"/>
+                                  </a:solidFill>
+                                  <a:latin typeface="Cambria Math" panose="02040503050406030204" pitchFamily="18" charset="0"/>
+                                </a:rPr>
+                                <m:t>𝑏</m:t>
+                              </m:r>
+                            </m:e>
+                          </m:d>
+                        </m:e>
+                      </m:func>
+                      <m:r>
+                        <a:rPr lang="en-US" i="1">
+                          <a:solidFill>
+                            <a:srgbClr val="000000"/>
+                          </a:solidFill>
+                          <a:latin typeface="Cambria Math" panose="02040503050406030204" pitchFamily="18" charset="0"/>
+                        </a:rPr>
+                        <m:t>±</m:t>
+                      </m:r>
+                      <m:func>
+                        <m:funcPr>
+                          <m:ctrlPr>
+                            <a:rPr lang="en-US" i="1">
+                              <a:solidFill>
+                                <a:srgbClr val="000000"/>
+                              </a:solidFill>
+                              <a:latin typeface="Cambria Math" panose="02040503050406030204" pitchFamily="18" charset="0"/>
+                            </a:rPr>
+                          </m:ctrlPr>
+                        </m:funcPr>
+                        <m:fName>
+                          <m:r>
+                            <m:rPr>
+                              <m:sty m:val="p"/>
+                            </m:rPr>
+                            <a:rPr lang="en-US" i="0">
+                              <a:solidFill>
+                                <a:srgbClr val="000000"/>
+                              </a:solidFill>
+                              <a:latin typeface="Cambria Math" panose="02040503050406030204" pitchFamily="18" charset="0"/>
+                            </a:rPr>
+                            <m:t>cos</m:t>
+                          </m:r>
+                        </m:fName>
+                        <m:e>
+                          <m:d>
+                            <m:dPr>
+                              <m:ctrlPr>
+                                <a:rPr lang="en-US" i="1">
+                                  <a:solidFill>
+                                    <a:srgbClr val="000000"/>
+                                  </a:solidFill>
+                                  <a:latin typeface="Cambria Math" panose="02040503050406030204" pitchFamily="18" charset="0"/>
+                                </a:rPr>
+                              </m:ctrlPr>
+                            </m:dPr>
+                            <m:e>
+                              <m:r>
+                                <a:rPr lang="en-US" i="1">
+                                  <a:solidFill>
+                                    <a:srgbClr val="000000"/>
+                                  </a:solidFill>
+                                  <a:latin typeface="Cambria Math" panose="02040503050406030204" pitchFamily="18" charset="0"/>
+                                </a:rPr>
+                                <m:t>𝑎</m:t>
+                              </m:r>
+                            </m:e>
+                          </m:d>
+                        </m:e>
+                      </m:func>
+                      <m:func>
+                        <m:funcPr>
+                          <m:ctrlPr>
+                            <a:rPr lang="en-US" i="1">
+                              <a:solidFill>
+                                <a:srgbClr val="000000"/>
+                              </a:solidFill>
+                              <a:latin typeface="Cambria Math" panose="02040503050406030204" pitchFamily="18" charset="0"/>
+                            </a:rPr>
+                          </m:ctrlPr>
+                        </m:funcPr>
+                        <m:fName>
+                          <m:r>
+                            <m:rPr>
+                              <m:sty m:val="p"/>
+                            </m:rPr>
+                            <a:rPr lang="en-US" i="0">
+                              <a:solidFill>
+                                <a:srgbClr val="000000"/>
+                              </a:solidFill>
+                              <a:latin typeface="Cambria Math" panose="02040503050406030204" pitchFamily="18" charset="0"/>
+                            </a:rPr>
+                            <m:t>sin</m:t>
+                          </m:r>
+                        </m:fName>
+                        <m:e>
+                          <m:d>
+                            <m:dPr>
+                              <m:ctrlPr>
+                                <a:rPr lang="en-US" i="1">
+                                  <a:solidFill>
+                                    <a:srgbClr val="000000"/>
+                                  </a:solidFill>
+                                  <a:latin typeface="Cambria Math" panose="02040503050406030204" pitchFamily="18" charset="0"/>
+                                </a:rPr>
+                              </m:ctrlPr>
+                            </m:dPr>
+                            <m:e>
+                              <m:r>
+                                <a:rPr lang="en-US" i="1">
+                                  <a:solidFill>
+                                    <a:srgbClr val="000000"/>
+                                  </a:solidFill>
+                                  <a:latin typeface="Cambria Math" panose="02040503050406030204" pitchFamily="18" charset="0"/>
+                                </a:rPr>
+                                <m:t>𝑏</m:t>
+                              </m:r>
+                            </m:e>
+                          </m:d>
+                        </m:e>
+                      </m:func>
+                    </m:oMath>
+                  </m:oMathPara>
+                </a14:m>
+                <a:endParaRPr lang="en-US"/>
+              </a:p>
+            </p:txBody>
+          </p:sp>
+        </mc:Choice>
+        <mc:Fallback>
+          <p:sp>
+            <p:nvSpPr>
+              <p:cNvPr id="5124" name="Object 28"/>
+              <p:cNvSpPr txBox="1">
+                <a:spLocks noRot="1" noChangeAspect="1" noMove="1" noResize="1" noEditPoints="1" noAdjustHandles="1" noChangeArrowheads="1" noChangeShapeType="1" noTextEdit="1"/>
+              </p:cNvSpPr>
+              <p:nvPr/>
+            </p:nvSpPr>
+            <p:spPr bwMode="auto">
+              <a:xfrm>
+                <a:off x="1774825" y="4411663"/>
+                <a:ext cx="2376488" cy="215900"/>
+              </a:xfrm>
+              <a:prstGeom prst="rect">
+                <a:avLst/>
+              </a:prstGeom>
+              <a:blipFill>
+                <a:blip r:embed="rId4"/>
+                <a:stretch>
+                  <a:fillRect/>
+                </a:stretch>
+              </a:blipFill>
+            </p:spPr>
+            <p:txBody>
+              <a:bodyPr/>
+              <a:lstStyle/>
+              <a:p>
+                <a:r>
+                  <a:rPr lang="en-US">
+                    <a:noFill/>
+                  </a:rPr>
+                  <a:t> </a:t>
+                </a:r>
+              </a:p>
+            </p:txBody>
+          </p:sp>
+        </mc:Fallback>
+      </mc:AlternateContent>
       <p:sp>
         <p:nvSpPr>
           <p:cNvPr id="5138" name="Rectangle 31"/>
@@ -19958,76 +22422,371 @@
           </a:p>
         </p:txBody>
       </p:sp>
-      <p:graphicFrame>
-        <p:nvGraphicFramePr>
-          <p:cNvPr id="5125" name="Object 30"/>
-          <p:cNvGraphicFramePr>
-            <a:graphicFrameLocks noChangeAspect="1"/>
-          </p:cNvGraphicFramePr>
-          <p:nvPr/>
-        </p:nvGraphicFramePr>
-        <p:xfrm>
-          <a:off x="1778000" y="4772025"/>
-          <a:ext cx="2619375" cy="217488"/>
-        </p:xfrm>
-        <a:graphic>
-          <a:graphicData uri="http://schemas.openxmlformats.org/presentationml/2006/ole">
-            <mc:AlternateContent xmlns:mc="http://schemas.openxmlformats.org/markup-compatibility/2006">
-              <mc:Choice xmlns:v="urn:schemas-microsoft-com:vml" Requires="v">
-                <p:oleObj name="Equation" r:id="rId8" imgW="2616120" imgH="215640" progId="Equation.3">
-                  <p:embed/>
-                </p:oleObj>
-              </mc:Choice>
-              <mc:Fallback>
-                <p:oleObj name="Equation" r:id="rId8" imgW="2616120" imgH="215640" progId="Equation.3">
-                  <p:embed/>
-                  <p:pic>
-                    <p:nvPicPr>
-                      <p:cNvPr id="5125" name="Object 30"/>
-                      <p:cNvPicPr>
-                        <a:picLocks noChangeAspect="1" noChangeArrowheads="1"/>
-                      </p:cNvPicPr>
-                      <p:nvPr/>
-                    </p:nvPicPr>
-                    <p:blipFill>
-                      <a:blip r:embed="rId9">
-                        <a:extLst>
-                          <a:ext uri="{28A0092B-C50C-407E-A947-70E740481C1C}">
-                            <a14:useLocalDpi xmlns:a14="http://schemas.microsoft.com/office/drawing/2010/main" val="0"/>
-                          </a:ext>
-                        </a:extLst>
-                      </a:blip>
-                      <a:srcRect/>
-                      <a:stretch>
-                        <a:fillRect/>
-                      </a:stretch>
-                    </p:blipFill>
-                    <p:spPr bwMode="auto">
-                      <a:xfrm>
-                        <a:off x="1778000" y="4772025"/>
-                        <a:ext cx="2619375" cy="217488"/>
-                      </a:xfrm>
-                      <a:prstGeom prst="rect">
-                        <a:avLst/>
-                      </a:prstGeom>
-                      <a:noFill/>
-                      <a:extLst>
-                        <a:ext uri="{909E8E84-426E-40DD-AFC4-6F175D3DCCD1}">
-                          <a14:hiddenFill xmlns:a14="http://schemas.microsoft.com/office/drawing/2010/main">
-                            <a:solidFill>
-                              <a:srgbClr val="FFFFFF"/>
-                            </a:solidFill>
-                          </a14:hiddenFill>
-                        </a:ext>
-                      </a:extLst>
-                    </p:spPr>
-                  </p:pic>
-                </p:oleObj>
-              </mc:Fallback>
-            </mc:AlternateContent>
-          </a:graphicData>
-        </a:graphic>
-      </p:graphicFrame>
+      <mc:AlternateContent xmlns:mc="http://schemas.openxmlformats.org/markup-compatibility/2006">
+        <mc:Choice xmlns:a14="http://schemas.microsoft.com/office/drawing/2010/main" Requires="a14">
+          <p:sp>
+            <p:nvSpPr>
+              <p:cNvPr id="5125" name="Object 30"/>
+              <p:cNvSpPr txBox="1"/>
+              <p:nvPr/>
+            </p:nvSpPr>
+            <p:spPr bwMode="auto">
+              <a:xfrm>
+                <a:off x="1778000" y="4772025"/>
+                <a:ext cx="2619375" cy="217488"/>
+              </a:xfrm>
+              <a:prstGeom prst="rect">
+                <a:avLst/>
+              </a:prstGeom>
+              <a:noFill/>
+            </p:spPr>
+            <p:txBody>
+              <a:bodyPr>
+                <a:normAutofit fontScale="40000" lnSpcReduction="20000"/>
+              </a:bodyPr>
+              <a:lstStyle/>
+              <a:p>
+                <a:pPr/>
+                <a14:m>
+                  <m:oMathPara xmlns:m="http://schemas.openxmlformats.org/officeDocument/2006/math">
+                    <m:oMathParaPr>
+                      <m:jc m:val="left"/>
+                    </m:oMathParaPr>
+                    <m:oMath xmlns:m="http://schemas.openxmlformats.org/officeDocument/2006/math">
+                      <m:r>
+                        <a:rPr lang="en-US" i="1">
+                          <a:solidFill>
+                            <a:srgbClr val="000000"/>
+                          </a:solidFill>
+                          <a:latin typeface="Cambria Math" panose="02040503050406030204" pitchFamily="18" charset="0"/>
+                        </a:rPr>
+                        <m:t>𝑦</m:t>
+                      </m:r>
+                      <m:r>
+                        <a:rPr lang="en-US" i="1">
+                          <a:solidFill>
+                            <a:srgbClr val="000000"/>
+                          </a:solidFill>
+                          <a:latin typeface="Cambria Math" panose="02040503050406030204" pitchFamily="18" charset="0"/>
+                        </a:rPr>
+                        <m:t>=</m:t>
+                      </m:r>
+                      <m:sSub>
+                        <m:sSubPr>
+                          <m:ctrlPr>
+                            <a:rPr lang="en-US" i="1">
+                              <a:solidFill>
+                                <a:srgbClr val="000000"/>
+                              </a:solidFill>
+                              <a:latin typeface="Cambria Math" panose="02040503050406030204" pitchFamily="18" charset="0"/>
+                            </a:rPr>
+                          </m:ctrlPr>
+                        </m:sSubPr>
+                        <m:e>
+                          <m:r>
+                            <a:rPr lang="en-US" i="1">
+                              <a:solidFill>
+                                <a:srgbClr val="000000"/>
+                              </a:solidFill>
+                              <a:latin typeface="Cambria Math" panose="02040503050406030204" pitchFamily="18" charset="0"/>
+                            </a:rPr>
+                            <m:t>𝑦</m:t>
+                          </m:r>
+                        </m:e>
+                        <m:sub>
+                          <m:r>
+                            <a:rPr lang="en-US" i="1">
+                              <a:solidFill>
+                                <a:srgbClr val="000000"/>
+                              </a:solidFill>
+                              <a:latin typeface="Cambria Math" panose="02040503050406030204" pitchFamily="18" charset="0"/>
+                            </a:rPr>
+                            <m:t>1</m:t>
+                          </m:r>
+                        </m:sub>
+                      </m:sSub>
+                      <m:r>
+                        <a:rPr lang="en-US" i="1">
+                          <a:solidFill>
+                            <a:srgbClr val="000000"/>
+                          </a:solidFill>
+                          <a:latin typeface="Cambria Math" panose="02040503050406030204" pitchFamily="18" charset="0"/>
+                        </a:rPr>
+                        <m:t>+</m:t>
+                      </m:r>
+                      <m:sSub>
+                        <m:sSubPr>
+                          <m:ctrlPr>
+                            <a:rPr lang="en-US" i="1">
+                              <a:solidFill>
+                                <a:srgbClr val="000000"/>
+                              </a:solidFill>
+                              <a:latin typeface="Cambria Math" panose="02040503050406030204" pitchFamily="18" charset="0"/>
+                            </a:rPr>
+                          </m:ctrlPr>
+                        </m:sSubPr>
+                        <m:e>
+                          <m:r>
+                            <a:rPr lang="en-US" i="1">
+                              <a:solidFill>
+                                <a:srgbClr val="000000"/>
+                              </a:solidFill>
+                              <a:latin typeface="Cambria Math" panose="02040503050406030204" pitchFamily="18" charset="0"/>
+                            </a:rPr>
+                            <m:t>𝑦</m:t>
+                          </m:r>
+                        </m:e>
+                        <m:sub>
+                          <m:r>
+                            <a:rPr lang="en-US" i="1">
+                              <a:solidFill>
+                                <a:srgbClr val="000000"/>
+                              </a:solidFill>
+                              <a:latin typeface="Cambria Math" panose="02040503050406030204" pitchFamily="18" charset="0"/>
+                            </a:rPr>
+                            <m:t>2</m:t>
+                          </m:r>
+                        </m:sub>
+                      </m:sSub>
+                      <m:r>
+                        <a:rPr lang="en-US" i="1">
+                          <a:solidFill>
+                            <a:srgbClr val="000000"/>
+                          </a:solidFill>
+                          <a:latin typeface="Cambria Math" panose="02040503050406030204" pitchFamily="18" charset="0"/>
+                        </a:rPr>
+                        <m:t>=</m:t>
+                      </m:r>
+                      <m:r>
+                        <a:rPr lang="en-US" i="1">
+                          <a:solidFill>
+                            <a:srgbClr val="000000"/>
+                          </a:solidFill>
+                          <a:latin typeface="Cambria Math" panose="02040503050406030204" pitchFamily="18" charset="0"/>
+                        </a:rPr>
+                        <m:t>𝐴</m:t>
+                      </m:r>
+                      <m:func>
+                        <m:funcPr>
+                          <m:ctrlPr>
+                            <a:rPr lang="en-US" i="1">
+                              <a:solidFill>
+                                <a:srgbClr val="000000"/>
+                              </a:solidFill>
+                              <a:latin typeface="Cambria Math" panose="02040503050406030204" pitchFamily="18" charset="0"/>
+                            </a:rPr>
+                          </m:ctrlPr>
+                        </m:funcPr>
+                        <m:fName>
+                          <m:r>
+                            <m:rPr>
+                              <m:sty m:val="p"/>
+                            </m:rPr>
+                            <a:rPr lang="en-US" i="0">
+                              <a:solidFill>
+                                <a:srgbClr val="000000"/>
+                              </a:solidFill>
+                              <a:latin typeface="Cambria Math" panose="02040503050406030204" pitchFamily="18" charset="0"/>
+                            </a:rPr>
+                            <m:t>sin</m:t>
+                          </m:r>
+                        </m:fName>
+                        <m:e>
+                          <m:d>
+                            <m:dPr>
+                              <m:ctrlPr>
+                                <a:rPr lang="en-US" i="1">
+                                  <a:solidFill>
+                                    <a:srgbClr val="000000"/>
+                                  </a:solidFill>
+                                  <a:latin typeface="Cambria Math" panose="02040503050406030204" pitchFamily="18" charset="0"/>
+                                </a:rPr>
+                              </m:ctrlPr>
+                            </m:dPr>
+                            <m:e>
+                              <m:r>
+                                <a:rPr lang="en-US" i="1">
+                                  <a:solidFill>
+                                    <a:srgbClr val="000000"/>
+                                  </a:solidFill>
+                                  <a:latin typeface="Cambria Math" panose="02040503050406030204" pitchFamily="18" charset="0"/>
+                                </a:rPr>
+                                <m:t>𝑘𝑥</m:t>
+                              </m:r>
+                              <m:r>
+                                <a:rPr lang="en-US" i="1">
+                                  <a:solidFill>
+                                    <a:srgbClr val="000000"/>
+                                  </a:solidFill>
+                                  <a:latin typeface="Cambria Math" panose="02040503050406030204" pitchFamily="18" charset="0"/>
+                                </a:rPr>
+                                <m:t>−</m:t>
+                              </m:r>
+                              <m:r>
+                                <a:rPr lang="en-US" i="1">
+                                  <a:solidFill>
+                                    <a:srgbClr val="000000"/>
+                                  </a:solidFill>
+                                  <a:latin typeface="Cambria Math" panose="02040503050406030204" pitchFamily="18" charset="0"/>
+                                </a:rPr>
+                                <m:t>𝜔</m:t>
+                              </m:r>
+                              <m:r>
+                                <a:rPr lang="en-US" i="1">
+                                  <a:solidFill>
+                                    <a:srgbClr val="000000"/>
+                                  </a:solidFill>
+                                  <a:latin typeface="Cambria Math" panose="02040503050406030204" pitchFamily="18" charset="0"/>
+                                </a:rPr>
+                                <m:t>𝑡</m:t>
+                              </m:r>
+                            </m:e>
+                          </m:d>
+                        </m:e>
+                      </m:func>
+                      <m:r>
+                        <a:rPr lang="en-US" i="1">
+                          <a:solidFill>
+                            <a:srgbClr val="000000"/>
+                          </a:solidFill>
+                          <a:latin typeface="Cambria Math" panose="02040503050406030204" pitchFamily="18" charset="0"/>
+                        </a:rPr>
+                        <m:t>+</m:t>
+                      </m:r>
+                      <m:r>
+                        <a:rPr lang="en-US" i="1">
+                          <a:solidFill>
+                            <a:srgbClr val="000000"/>
+                          </a:solidFill>
+                          <a:latin typeface="Cambria Math" panose="02040503050406030204" pitchFamily="18" charset="0"/>
+                        </a:rPr>
+                        <m:t>𝐴</m:t>
+                      </m:r>
+                      <m:func>
+                        <m:funcPr>
+                          <m:ctrlPr>
+                            <a:rPr lang="en-US" i="1">
+                              <a:solidFill>
+                                <a:srgbClr val="000000"/>
+                              </a:solidFill>
+                              <a:latin typeface="Cambria Math" panose="02040503050406030204" pitchFamily="18" charset="0"/>
+                            </a:rPr>
+                          </m:ctrlPr>
+                        </m:funcPr>
+                        <m:fName>
+                          <m:r>
+                            <m:rPr>
+                              <m:sty m:val="p"/>
+                            </m:rPr>
+                            <a:rPr lang="en-US" i="0">
+                              <a:solidFill>
+                                <a:srgbClr val="000000"/>
+                              </a:solidFill>
+                              <a:latin typeface="Cambria Math" panose="02040503050406030204" pitchFamily="18" charset="0"/>
+                            </a:rPr>
+                            <m:t>sin</m:t>
+                          </m:r>
+                        </m:fName>
+                        <m:e>
+                          <m:d>
+                            <m:dPr>
+                              <m:ctrlPr>
+                                <a:rPr lang="en-US" i="1">
+                                  <a:solidFill>
+                                    <a:srgbClr val="000000"/>
+                                  </a:solidFill>
+                                  <a:latin typeface="Cambria Math" panose="02040503050406030204" pitchFamily="18" charset="0"/>
+                                </a:rPr>
+                              </m:ctrlPr>
+                            </m:dPr>
+                            <m:e>
+                              <m:r>
+                                <a:rPr lang="en-US" i="1">
+                                  <a:solidFill>
+                                    <a:srgbClr val="000000"/>
+                                  </a:solidFill>
+                                  <a:latin typeface="Cambria Math" panose="02040503050406030204" pitchFamily="18" charset="0"/>
+                                </a:rPr>
+                                <m:t>𝑘𝑥</m:t>
+                              </m:r>
+                              <m:r>
+                                <a:rPr lang="en-US" i="1">
+                                  <a:solidFill>
+                                    <a:srgbClr val="000000"/>
+                                  </a:solidFill>
+                                  <a:latin typeface="Cambria Math" panose="02040503050406030204" pitchFamily="18" charset="0"/>
+                                </a:rPr>
+                                <m:t>+</m:t>
+                              </m:r>
+                              <m:r>
+                                <a:rPr lang="en-US" i="1">
+                                  <a:solidFill>
+                                    <a:srgbClr val="000000"/>
+                                  </a:solidFill>
+                                  <a:latin typeface="Cambria Math" panose="02040503050406030204" pitchFamily="18" charset="0"/>
+                                </a:rPr>
+                                <m:t>𝜔</m:t>
+                              </m:r>
+                              <m:r>
+                                <a:rPr lang="en-US" i="1">
+                                  <a:solidFill>
+                                    <a:srgbClr val="000000"/>
+                                  </a:solidFill>
+                                  <a:latin typeface="Cambria Math" panose="02040503050406030204" pitchFamily="18" charset="0"/>
+                                </a:rPr>
+                                <m:t>𝑡</m:t>
+                              </m:r>
+                            </m:e>
+                          </m:d>
+                        </m:e>
+                      </m:func>
+                    </m:oMath>
+                  </m:oMathPara>
+                </a14:m>
+                <a:endParaRPr lang="en-US"/>
+              </a:p>
+            </p:txBody>
+          </p:sp>
+        </mc:Choice>
+        <mc:Fallback>
+          <p:sp>
+            <p:nvSpPr>
+              <p:cNvPr id="5125" name="Object 30"/>
+              <p:cNvSpPr txBox="1">
+                <a:spLocks noRot="1" noChangeAspect="1" noMove="1" noResize="1" noEditPoints="1" noAdjustHandles="1" noChangeArrowheads="1" noChangeShapeType="1" noTextEdit="1"/>
+              </p:cNvSpPr>
+              <p:nvPr/>
+            </p:nvSpPr>
+            <p:spPr bwMode="auto">
+              <a:xfrm>
+                <a:off x="1778000" y="4772025"/>
+                <a:ext cx="2619375" cy="217488"/>
+              </a:xfrm>
+              <a:prstGeom prst="rect">
+                <a:avLst/>
+              </a:prstGeom>
+              <a:blipFill>
+                <a:blip r:embed="rId5"/>
+                <a:stretch>
+                  <a:fillRect/>
+                </a:stretch>
+              </a:blipFill>
+            </p:spPr>
+            <p:txBody>
+              <a:bodyPr/>
+              <a:lstStyle/>
+              <a:p>
+                <a:r>
+                  <a:rPr lang="en-US">
+                    <a:noFill/>
+                  </a:rPr>
+                  <a:t> </a:t>
+                </a:r>
+              </a:p>
+            </p:txBody>
+          </p:sp>
+        </mc:Fallback>
+      </mc:AlternateContent>
       <p:sp>
         <p:nvSpPr>
           <p:cNvPr id="5139" name="Rectangle 33"/>
@@ -20062,76 +22821,245 @@
           </a:p>
         </p:txBody>
       </p:sp>
-      <p:graphicFrame>
-        <p:nvGraphicFramePr>
-          <p:cNvPr id="5126" name="Object 32"/>
-          <p:cNvGraphicFramePr>
-            <a:graphicFrameLocks noChangeAspect="1"/>
-          </p:cNvGraphicFramePr>
-          <p:nvPr/>
-        </p:nvGraphicFramePr>
-        <p:xfrm>
-          <a:off x="1762125" y="5192713"/>
-          <a:ext cx="1471613" cy="215900"/>
-        </p:xfrm>
-        <a:graphic>
-          <a:graphicData uri="http://schemas.openxmlformats.org/presentationml/2006/ole">
-            <mc:AlternateContent xmlns:mc="http://schemas.openxmlformats.org/markup-compatibility/2006">
-              <mc:Choice xmlns:v="urn:schemas-microsoft-com:vml" Requires="v">
-                <p:oleObj name="Equation" r:id="rId10" imgW="1473120" imgH="215640" progId="Equation.3">
-                  <p:embed/>
-                </p:oleObj>
-              </mc:Choice>
-              <mc:Fallback>
-                <p:oleObj name="Equation" r:id="rId10" imgW="1473120" imgH="215640" progId="Equation.3">
-                  <p:embed/>
-                  <p:pic>
-                    <p:nvPicPr>
-                      <p:cNvPr id="5126" name="Object 32"/>
-                      <p:cNvPicPr>
-                        <a:picLocks noChangeAspect="1" noChangeArrowheads="1"/>
-                      </p:cNvPicPr>
-                      <p:nvPr/>
-                    </p:nvPicPr>
-                    <p:blipFill>
-                      <a:blip r:embed="rId11">
-                        <a:extLst>
-                          <a:ext uri="{28A0092B-C50C-407E-A947-70E740481C1C}">
-                            <a14:useLocalDpi xmlns:a14="http://schemas.microsoft.com/office/drawing/2010/main" val="0"/>
-                          </a:ext>
-                        </a:extLst>
-                      </a:blip>
-                      <a:srcRect/>
-                      <a:stretch>
-                        <a:fillRect/>
-                      </a:stretch>
-                    </p:blipFill>
-                    <p:spPr bwMode="auto">
-                      <a:xfrm>
-                        <a:off x="1762125" y="5192713"/>
-                        <a:ext cx="1471613" cy="215900"/>
-                      </a:xfrm>
-                      <a:prstGeom prst="rect">
-                        <a:avLst/>
-                      </a:prstGeom>
-                      <a:noFill/>
-                      <a:extLst>
-                        <a:ext uri="{909E8E84-426E-40DD-AFC4-6F175D3DCCD1}">
-                          <a14:hiddenFill xmlns:a14="http://schemas.microsoft.com/office/drawing/2010/main">
-                            <a:solidFill>
-                              <a:srgbClr val="FFFFFF"/>
-                            </a:solidFill>
-                          </a14:hiddenFill>
-                        </a:ext>
-                      </a:extLst>
-                    </p:spPr>
-                  </p:pic>
-                </p:oleObj>
-              </mc:Fallback>
-            </mc:AlternateContent>
-          </a:graphicData>
-        </a:graphic>
-      </p:graphicFrame>
+      <mc:AlternateContent xmlns:mc="http://schemas.openxmlformats.org/markup-compatibility/2006">
+        <mc:Choice xmlns:a14="http://schemas.microsoft.com/office/drawing/2010/main" Requires="a14">
+          <p:sp>
+            <p:nvSpPr>
+              <p:cNvPr id="5126" name="Object 32"/>
+              <p:cNvSpPr txBox="1"/>
+              <p:nvPr/>
+            </p:nvSpPr>
+            <p:spPr bwMode="auto">
+              <a:xfrm>
+                <a:off x="1762125" y="5192713"/>
+                <a:ext cx="1471613" cy="215900"/>
+              </a:xfrm>
+              <a:prstGeom prst="rect">
+                <a:avLst/>
+              </a:prstGeom>
+              <a:noFill/>
+            </p:spPr>
+            <p:txBody>
+              <a:bodyPr>
+                <a:normAutofit fontScale="40000" lnSpcReduction="20000"/>
+              </a:bodyPr>
+              <a:lstStyle/>
+              <a:p>
+                <a:pPr/>
+                <a14:m>
+                  <m:oMathPara xmlns:m="http://schemas.openxmlformats.org/officeDocument/2006/math">
+                    <m:oMathParaPr>
+                      <m:jc m:val="left"/>
+                    </m:oMathParaPr>
+                    <m:oMath xmlns:m="http://schemas.openxmlformats.org/officeDocument/2006/math">
+                      <m:r>
+                        <a:rPr lang="en-US" i="1">
+                          <a:solidFill>
+                            <a:srgbClr val="000000"/>
+                          </a:solidFill>
+                          <a:latin typeface="Cambria Math" panose="02040503050406030204" pitchFamily="18" charset="0"/>
+                        </a:rPr>
+                        <m:t>𝑦</m:t>
+                      </m:r>
+                      <m:r>
+                        <a:rPr lang="en-US" i="1">
+                          <a:solidFill>
+                            <a:srgbClr val="000000"/>
+                          </a:solidFill>
+                          <a:latin typeface="Cambria Math" panose="02040503050406030204" pitchFamily="18" charset="0"/>
+                        </a:rPr>
+                        <m:t>=</m:t>
+                      </m:r>
+                      <m:d>
+                        <m:dPr>
+                          <m:ctrlPr>
+                            <a:rPr lang="en-US" i="1">
+                              <a:solidFill>
+                                <a:srgbClr val="000000"/>
+                              </a:solidFill>
+                              <a:latin typeface="Cambria Math" panose="02040503050406030204" pitchFamily="18" charset="0"/>
+                            </a:rPr>
+                          </m:ctrlPr>
+                        </m:dPr>
+                        <m:e>
+                          <m:r>
+                            <a:rPr lang="en-US" i="1">
+                              <a:solidFill>
+                                <a:srgbClr val="000000"/>
+                              </a:solidFill>
+                              <a:latin typeface="Cambria Math" panose="02040503050406030204" pitchFamily="18" charset="0"/>
+                            </a:rPr>
+                            <m:t>2</m:t>
+                          </m:r>
+                          <m:r>
+                            <a:rPr lang="en-US" i="1">
+                              <a:solidFill>
+                                <a:srgbClr val="000000"/>
+                              </a:solidFill>
+                              <a:latin typeface="Cambria Math" panose="02040503050406030204" pitchFamily="18" charset="0"/>
+                            </a:rPr>
+                            <m:t>𝐴</m:t>
+                          </m:r>
+                          <m:func>
+                            <m:funcPr>
+                              <m:ctrlPr>
+                                <a:rPr lang="en-US" i="1">
+                                  <a:solidFill>
+                                    <a:srgbClr val="000000"/>
+                                  </a:solidFill>
+                                  <a:latin typeface="Cambria Math" panose="02040503050406030204" pitchFamily="18" charset="0"/>
+                                </a:rPr>
+                              </m:ctrlPr>
+                            </m:funcPr>
+                            <m:fName>
+                              <m:r>
+                                <m:rPr>
+                                  <m:sty m:val="p"/>
+                                </m:rPr>
+                                <a:rPr lang="en-US" i="0">
+                                  <a:solidFill>
+                                    <a:srgbClr val="000000"/>
+                                  </a:solidFill>
+                                  <a:latin typeface="Cambria Math" panose="02040503050406030204" pitchFamily="18" charset="0"/>
+                                </a:rPr>
+                                <m:t>sin</m:t>
+                              </m:r>
+                            </m:fName>
+                            <m:e>
+                              <m:d>
+                                <m:dPr>
+                                  <m:ctrlPr>
+                                    <a:rPr lang="en-US" i="1">
+                                      <a:solidFill>
+                                        <a:srgbClr val="000000"/>
+                                      </a:solidFill>
+                                      <a:latin typeface="Cambria Math" panose="02040503050406030204" pitchFamily="18" charset="0"/>
+                                    </a:rPr>
+                                  </m:ctrlPr>
+                                </m:dPr>
+                                <m:e>
+                                  <m:r>
+                                    <a:rPr lang="en-US" i="1">
+                                      <a:solidFill>
+                                        <a:srgbClr val="000000"/>
+                                      </a:solidFill>
+                                      <a:latin typeface="Cambria Math" panose="02040503050406030204" pitchFamily="18" charset="0"/>
+                                    </a:rPr>
+                                    <m:t>𝑘𝑥</m:t>
+                                  </m:r>
+                                </m:e>
+                              </m:d>
+                            </m:e>
+                          </m:func>
+                        </m:e>
+                      </m:d>
+                      <m:func>
+                        <m:funcPr>
+                          <m:ctrlPr>
+                            <a:rPr lang="en-US" i="1">
+                              <a:solidFill>
+                                <a:srgbClr val="000000"/>
+                              </a:solidFill>
+                              <a:latin typeface="Cambria Math" panose="02040503050406030204" pitchFamily="18" charset="0"/>
+                            </a:rPr>
+                          </m:ctrlPr>
+                        </m:funcPr>
+                        <m:fName>
+                          <m:r>
+                            <m:rPr>
+                              <m:sty m:val="p"/>
+                            </m:rPr>
+                            <a:rPr lang="en-US" i="0">
+                              <a:solidFill>
+                                <a:srgbClr val="000000"/>
+                              </a:solidFill>
+                              <a:latin typeface="Cambria Math" panose="02040503050406030204" pitchFamily="18" charset="0"/>
+                            </a:rPr>
+                            <m:t>cos</m:t>
+                          </m:r>
+                        </m:fName>
+                        <m:e>
+                          <m:d>
+                            <m:dPr>
+                              <m:ctrlPr>
+                                <a:rPr lang="en-US" i="1">
+                                  <a:solidFill>
+                                    <a:srgbClr val="000000"/>
+                                  </a:solidFill>
+                                  <a:latin typeface="Cambria Math" panose="02040503050406030204" pitchFamily="18" charset="0"/>
+                                </a:rPr>
+                              </m:ctrlPr>
+                            </m:dPr>
+                            <m:e>
+                              <m:r>
+                                <a:rPr lang="en-US" i="1">
+                                  <a:solidFill>
+                                    <a:srgbClr val="000000"/>
+                                  </a:solidFill>
+                                  <a:latin typeface="Cambria Math" panose="02040503050406030204" pitchFamily="18" charset="0"/>
+                                </a:rPr>
+                                <m:t>𝜔</m:t>
+                              </m:r>
+                              <m:r>
+                                <a:rPr lang="en-US" i="1">
+                                  <a:solidFill>
+                                    <a:srgbClr val="000000"/>
+                                  </a:solidFill>
+                                  <a:latin typeface="Cambria Math" panose="02040503050406030204" pitchFamily="18" charset="0"/>
+                                </a:rPr>
+                                <m:t>𝑡</m:t>
+                              </m:r>
+                            </m:e>
+                          </m:d>
+                        </m:e>
+                      </m:func>
+                    </m:oMath>
+                  </m:oMathPara>
+                </a14:m>
+                <a:endParaRPr lang="en-US"/>
+              </a:p>
+            </p:txBody>
+          </p:sp>
+        </mc:Choice>
+        <mc:Fallback>
+          <p:sp>
+            <p:nvSpPr>
+              <p:cNvPr id="5126" name="Object 32"/>
+              <p:cNvSpPr txBox="1">
+                <a:spLocks noRot="1" noChangeAspect="1" noMove="1" noResize="1" noEditPoints="1" noAdjustHandles="1" noChangeArrowheads="1" noChangeShapeType="1" noTextEdit="1"/>
+              </p:cNvSpPr>
+              <p:nvPr/>
+            </p:nvSpPr>
+            <p:spPr bwMode="auto">
+              <a:xfrm>
+                <a:off x="1762125" y="5192713"/>
+                <a:ext cx="1471613" cy="215900"/>
+              </a:xfrm>
+              <a:prstGeom prst="rect">
+                <a:avLst/>
+              </a:prstGeom>
+              <a:blipFill>
+                <a:blip r:embed="rId6"/>
+                <a:stretch>
+                  <a:fillRect/>
+                </a:stretch>
+              </a:blipFill>
+            </p:spPr>
+            <p:txBody>
+              <a:bodyPr/>
+              <a:lstStyle/>
+              <a:p>
+                <a:r>
+                  <a:rPr lang="en-US">
+                    <a:noFill/>
+                  </a:rPr>
+                  <a:t> </a:t>
+                </a:r>
+              </a:p>
+            </p:txBody>
+          </p:sp>
+        </mc:Fallback>
+      </mc:AlternateContent>
       <p:sp>
         <p:nvSpPr>
           <p:cNvPr id="5140" name="Rectangle 35"/>
@@ -20166,76 +23094,145 @@
           </a:p>
         </p:txBody>
       </p:sp>
-      <p:graphicFrame>
-        <p:nvGraphicFramePr>
-          <p:cNvPr id="5127" name="Object 34"/>
-          <p:cNvGraphicFramePr>
-            <a:graphicFrameLocks noChangeAspect="1"/>
-          </p:cNvGraphicFramePr>
-          <p:nvPr/>
-        </p:nvGraphicFramePr>
-        <p:xfrm>
-          <a:off x="5422900" y="4146550"/>
-          <a:ext cx="509588" cy="395288"/>
-        </p:xfrm>
-        <a:graphic>
-          <a:graphicData uri="http://schemas.openxmlformats.org/presentationml/2006/ole">
-            <mc:AlternateContent xmlns:mc="http://schemas.openxmlformats.org/markup-compatibility/2006">
-              <mc:Choice xmlns:v="urn:schemas-microsoft-com:vml" Requires="v">
-                <p:oleObj name="Equation" r:id="rId12" imgW="507960" imgH="393480" progId="Equation.3">
-                  <p:embed/>
-                </p:oleObj>
-              </mc:Choice>
-              <mc:Fallback>
-                <p:oleObj name="Equation" r:id="rId12" imgW="507960" imgH="393480" progId="Equation.3">
-                  <p:embed/>
-                  <p:pic>
-                    <p:nvPicPr>
-                      <p:cNvPr id="5127" name="Object 34"/>
-                      <p:cNvPicPr>
-                        <a:picLocks noChangeAspect="1" noChangeArrowheads="1"/>
-                      </p:cNvPicPr>
-                      <p:nvPr/>
-                    </p:nvPicPr>
-                    <p:blipFill>
-                      <a:blip r:embed="rId13">
-                        <a:extLst>
-                          <a:ext uri="{28A0092B-C50C-407E-A947-70E740481C1C}">
-                            <a14:useLocalDpi xmlns:a14="http://schemas.microsoft.com/office/drawing/2010/main" val="0"/>
-                          </a:ext>
-                        </a:extLst>
-                      </a:blip>
-                      <a:srcRect/>
-                      <a:stretch>
-                        <a:fillRect/>
-                      </a:stretch>
-                    </p:blipFill>
-                    <p:spPr bwMode="auto">
-                      <a:xfrm>
-                        <a:off x="5422900" y="4146550"/>
-                        <a:ext cx="509588" cy="395288"/>
-                      </a:xfrm>
-                      <a:prstGeom prst="rect">
-                        <a:avLst/>
-                      </a:prstGeom>
-                      <a:noFill/>
-                      <a:extLst>
-                        <a:ext uri="{909E8E84-426E-40DD-AFC4-6F175D3DCCD1}">
-                          <a14:hiddenFill xmlns:a14="http://schemas.microsoft.com/office/drawing/2010/main">
-                            <a:solidFill>
-                              <a:srgbClr val="FFFFFF"/>
-                            </a:solidFill>
-                          </a14:hiddenFill>
-                        </a:ext>
-                      </a:extLst>
-                    </p:spPr>
-                  </p:pic>
-                </p:oleObj>
-              </mc:Fallback>
-            </mc:AlternateContent>
-          </a:graphicData>
-        </a:graphic>
-      </p:graphicFrame>
+      <mc:AlternateContent xmlns:mc="http://schemas.openxmlformats.org/markup-compatibility/2006">
+        <mc:Choice xmlns:a14="http://schemas.microsoft.com/office/drawing/2010/main" Requires="a14">
+          <p:sp>
+            <p:nvSpPr>
+              <p:cNvPr id="5127" name="Object 34"/>
+              <p:cNvSpPr txBox="1"/>
+              <p:nvPr/>
+            </p:nvSpPr>
+            <p:spPr bwMode="auto">
+              <a:xfrm>
+                <a:off x="5422900" y="4146550"/>
+                <a:ext cx="509588" cy="395288"/>
+              </a:xfrm>
+              <a:prstGeom prst="rect">
+                <a:avLst/>
+              </a:prstGeom>
+              <a:noFill/>
+            </p:spPr>
+            <p:txBody>
+              <a:bodyPr>
+                <a:normAutofit fontScale="40000" lnSpcReduction="20000"/>
+              </a:bodyPr>
+              <a:lstStyle/>
+              <a:p>
+                <a:pPr/>
+                <a14:m>
+                  <m:oMathPara xmlns:m="http://schemas.openxmlformats.org/officeDocument/2006/math">
+                    <m:oMathParaPr>
+                      <m:jc m:val="left"/>
+                    </m:oMathParaPr>
+                    <m:oMath xmlns:m="http://schemas.openxmlformats.org/officeDocument/2006/math">
+                      <m:r>
+                        <a:rPr lang="en-US" i="1">
+                          <a:solidFill>
+                            <a:srgbClr val="000000"/>
+                          </a:solidFill>
+                          <a:latin typeface="Cambria Math" panose="02040503050406030204" pitchFamily="18" charset="0"/>
+                        </a:rPr>
+                        <m:t>𝑥</m:t>
+                      </m:r>
+                      <m:r>
+                        <a:rPr lang="en-US" i="1">
+                          <a:solidFill>
+                            <a:srgbClr val="000000"/>
+                          </a:solidFill>
+                          <a:latin typeface="Cambria Math" panose="02040503050406030204" pitchFamily="18" charset="0"/>
+                        </a:rPr>
+                        <m:t>=</m:t>
+                      </m:r>
+                      <m:r>
+                        <a:rPr lang="en-US" i="1">
+                          <a:solidFill>
+                            <a:srgbClr val="000000"/>
+                          </a:solidFill>
+                          <a:latin typeface="Cambria Math" panose="02040503050406030204" pitchFamily="18" charset="0"/>
+                        </a:rPr>
+                        <m:t>𝑛</m:t>
+                      </m:r>
+                      <m:f>
+                        <m:fPr>
+                          <m:ctrlPr>
+                            <a:rPr lang="en-US" i="1">
+                              <a:solidFill>
+                                <a:srgbClr val="000000"/>
+                              </a:solidFill>
+                              <a:latin typeface="Cambria Math" panose="02040503050406030204" pitchFamily="18" charset="0"/>
+                            </a:rPr>
+                          </m:ctrlPr>
+                        </m:fPr>
+                        <m:num>
+                          <m:r>
+                            <a:rPr lang="en-US" i="1">
+                              <a:solidFill>
+                                <a:srgbClr val="000000"/>
+                              </a:solidFill>
+                              <a:latin typeface="Cambria Math" panose="02040503050406030204" pitchFamily="18" charset="0"/>
+                            </a:rPr>
+                            <m:t>𝜆</m:t>
+                          </m:r>
+                        </m:num>
+                        <m:den>
+                          <m:r>
+                            <a:rPr lang="en-US" i="1">
+                              <a:solidFill>
+                                <a:srgbClr val="000000"/>
+                              </a:solidFill>
+                              <a:latin typeface="Cambria Math" panose="02040503050406030204" pitchFamily="18" charset="0"/>
+                            </a:rPr>
+                            <m:t>2</m:t>
+                          </m:r>
+                        </m:den>
+                      </m:f>
+                    </m:oMath>
+                  </m:oMathPara>
+                </a14:m>
+                <a:endParaRPr lang="en-US"/>
+              </a:p>
+            </p:txBody>
+          </p:sp>
+        </mc:Choice>
+        <mc:Fallback>
+          <p:sp>
+            <p:nvSpPr>
+              <p:cNvPr id="5127" name="Object 34"/>
+              <p:cNvSpPr txBox="1">
+                <a:spLocks noRot="1" noChangeAspect="1" noMove="1" noResize="1" noEditPoints="1" noAdjustHandles="1" noChangeArrowheads="1" noChangeShapeType="1" noTextEdit="1"/>
+              </p:cNvSpPr>
+              <p:nvPr/>
+            </p:nvSpPr>
+            <p:spPr bwMode="auto">
+              <a:xfrm>
+                <a:off x="5422900" y="4146550"/>
+                <a:ext cx="509588" cy="395288"/>
+              </a:xfrm>
+              <a:prstGeom prst="rect">
+                <a:avLst/>
+              </a:prstGeom>
+              <a:blipFill>
+                <a:blip r:embed="rId7"/>
+                <a:stretch>
+                  <a:fillRect/>
+                </a:stretch>
+              </a:blipFill>
+            </p:spPr>
+            <p:txBody>
+              <a:bodyPr/>
+              <a:lstStyle/>
+              <a:p>
+                <a:r>
+                  <a:rPr lang="en-US">
+                    <a:noFill/>
+                  </a:rPr>
+                  <a:t> </a:t>
+                </a:r>
+              </a:p>
+            </p:txBody>
+          </p:sp>
+        </mc:Fallback>
+      </mc:AlternateContent>
       <p:sp>
         <p:nvSpPr>
           <p:cNvPr id="5141" name="Rectangle 37"/>
@@ -20270,76 +23267,145 @@
           </a:p>
         </p:txBody>
       </p:sp>
-      <p:graphicFrame>
-        <p:nvGraphicFramePr>
-          <p:cNvPr id="5128" name="Object 36"/>
-          <p:cNvGraphicFramePr>
-            <a:graphicFrameLocks noChangeAspect="1"/>
-          </p:cNvGraphicFramePr>
-          <p:nvPr/>
-        </p:nvGraphicFramePr>
-        <p:xfrm>
-          <a:off x="5421313" y="4611688"/>
-          <a:ext cx="509587" cy="393700"/>
-        </p:xfrm>
-        <a:graphic>
-          <a:graphicData uri="http://schemas.openxmlformats.org/presentationml/2006/ole">
-            <mc:AlternateContent xmlns:mc="http://schemas.openxmlformats.org/markup-compatibility/2006">
-              <mc:Choice xmlns:v="urn:schemas-microsoft-com:vml" Requires="v">
-                <p:oleObj name="Equation" r:id="rId14" imgW="507960" imgH="393480" progId="Equation.3">
-                  <p:embed/>
-                </p:oleObj>
-              </mc:Choice>
-              <mc:Fallback>
-                <p:oleObj name="Equation" r:id="rId14" imgW="507960" imgH="393480" progId="Equation.3">
-                  <p:embed/>
-                  <p:pic>
-                    <p:nvPicPr>
-                      <p:cNvPr id="5128" name="Object 36"/>
-                      <p:cNvPicPr>
-                        <a:picLocks noChangeAspect="1" noChangeArrowheads="1"/>
-                      </p:cNvPicPr>
-                      <p:nvPr/>
-                    </p:nvPicPr>
-                    <p:blipFill>
-                      <a:blip r:embed="rId15">
-                        <a:extLst>
-                          <a:ext uri="{28A0092B-C50C-407E-A947-70E740481C1C}">
-                            <a14:useLocalDpi xmlns:a14="http://schemas.microsoft.com/office/drawing/2010/main" val="0"/>
-                          </a:ext>
-                        </a:extLst>
-                      </a:blip>
-                      <a:srcRect/>
-                      <a:stretch>
-                        <a:fillRect/>
-                      </a:stretch>
-                    </p:blipFill>
-                    <p:spPr bwMode="auto">
-                      <a:xfrm>
-                        <a:off x="5421313" y="4611688"/>
-                        <a:ext cx="509587" cy="393700"/>
-                      </a:xfrm>
-                      <a:prstGeom prst="rect">
-                        <a:avLst/>
-                      </a:prstGeom>
-                      <a:noFill/>
-                      <a:extLst>
-                        <a:ext uri="{909E8E84-426E-40DD-AFC4-6F175D3DCCD1}">
-                          <a14:hiddenFill xmlns:a14="http://schemas.microsoft.com/office/drawing/2010/main">
-                            <a:solidFill>
-                              <a:srgbClr val="FFFFFF"/>
-                            </a:solidFill>
-                          </a14:hiddenFill>
-                        </a:ext>
-                      </a:extLst>
-                    </p:spPr>
-                  </p:pic>
-                </p:oleObj>
-              </mc:Fallback>
-            </mc:AlternateContent>
-          </a:graphicData>
-        </a:graphic>
-      </p:graphicFrame>
+      <mc:AlternateContent xmlns:mc="http://schemas.openxmlformats.org/markup-compatibility/2006">
+        <mc:Choice xmlns:a14="http://schemas.microsoft.com/office/drawing/2010/main" Requires="a14">
+          <p:sp>
+            <p:nvSpPr>
+              <p:cNvPr id="5128" name="Object 36"/>
+              <p:cNvSpPr txBox="1"/>
+              <p:nvPr/>
+            </p:nvSpPr>
+            <p:spPr bwMode="auto">
+              <a:xfrm>
+                <a:off x="5421313" y="4611688"/>
+                <a:ext cx="509587" cy="393700"/>
+              </a:xfrm>
+              <a:prstGeom prst="rect">
+                <a:avLst/>
+              </a:prstGeom>
+              <a:noFill/>
+            </p:spPr>
+            <p:txBody>
+              <a:bodyPr>
+                <a:normAutofit fontScale="40000" lnSpcReduction="20000"/>
+              </a:bodyPr>
+              <a:lstStyle/>
+              <a:p>
+                <a:pPr/>
+                <a14:m>
+                  <m:oMathPara xmlns:m="http://schemas.openxmlformats.org/officeDocument/2006/math">
+                    <m:oMathParaPr>
+                      <m:jc m:val="left"/>
+                    </m:oMathParaPr>
+                    <m:oMath xmlns:m="http://schemas.openxmlformats.org/officeDocument/2006/math">
+                      <m:r>
+                        <a:rPr lang="en-US" i="1">
+                          <a:solidFill>
+                            <a:srgbClr val="000000"/>
+                          </a:solidFill>
+                          <a:latin typeface="Cambria Math" panose="02040503050406030204" pitchFamily="18" charset="0"/>
+                        </a:rPr>
+                        <m:t>𝑥</m:t>
+                      </m:r>
+                      <m:r>
+                        <a:rPr lang="en-US" i="1">
+                          <a:solidFill>
+                            <a:srgbClr val="000000"/>
+                          </a:solidFill>
+                          <a:latin typeface="Cambria Math" panose="02040503050406030204" pitchFamily="18" charset="0"/>
+                        </a:rPr>
+                        <m:t>=</m:t>
+                      </m:r>
+                      <m:r>
+                        <a:rPr lang="en-US" i="1">
+                          <a:solidFill>
+                            <a:srgbClr val="000000"/>
+                          </a:solidFill>
+                          <a:latin typeface="Cambria Math" panose="02040503050406030204" pitchFamily="18" charset="0"/>
+                        </a:rPr>
+                        <m:t>𝑛</m:t>
+                      </m:r>
+                      <m:f>
+                        <m:fPr>
+                          <m:ctrlPr>
+                            <a:rPr lang="en-US" i="1">
+                              <a:solidFill>
+                                <a:srgbClr val="000000"/>
+                              </a:solidFill>
+                              <a:latin typeface="Cambria Math" panose="02040503050406030204" pitchFamily="18" charset="0"/>
+                            </a:rPr>
+                          </m:ctrlPr>
+                        </m:fPr>
+                        <m:num>
+                          <m:r>
+                            <a:rPr lang="en-US" i="1">
+                              <a:solidFill>
+                                <a:srgbClr val="000000"/>
+                              </a:solidFill>
+                              <a:latin typeface="Cambria Math" panose="02040503050406030204" pitchFamily="18" charset="0"/>
+                            </a:rPr>
+                            <m:t>𝜆</m:t>
+                          </m:r>
+                        </m:num>
+                        <m:den>
+                          <m:r>
+                            <a:rPr lang="en-US" i="1">
+                              <a:solidFill>
+                                <a:srgbClr val="000000"/>
+                              </a:solidFill>
+                              <a:latin typeface="Cambria Math" panose="02040503050406030204" pitchFamily="18" charset="0"/>
+                            </a:rPr>
+                            <m:t>4</m:t>
+                          </m:r>
+                        </m:den>
+                      </m:f>
+                    </m:oMath>
+                  </m:oMathPara>
+                </a14:m>
+                <a:endParaRPr lang="en-US"/>
+              </a:p>
+            </p:txBody>
+          </p:sp>
+        </mc:Choice>
+        <mc:Fallback>
+          <p:sp>
+            <p:nvSpPr>
+              <p:cNvPr id="5128" name="Object 36"/>
+              <p:cNvSpPr txBox="1">
+                <a:spLocks noRot="1" noChangeAspect="1" noMove="1" noResize="1" noEditPoints="1" noAdjustHandles="1" noChangeArrowheads="1" noChangeShapeType="1" noTextEdit="1"/>
+              </p:cNvSpPr>
+              <p:nvPr/>
+            </p:nvSpPr>
+            <p:spPr bwMode="auto">
+              <a:xfrm>
+                <a:off x="5421313" y="4611688"/>
+                <a:ext cx="509587" cy="393700"/>
+              </a:xfrm>
+              <a:prstGeom prst="rect">
+                <a:avLst/>
+              </a:prstGeom>
+              <a:blipFill>
+                <a:blip r:embed="rId8"/>
+                <a:stretch>
+                  <a:fillRect/>
+                </a:stretch>
+              </a:blipFill>
+            </p:spPr>
+            <p:txBody>
+              <a:bodyPr/>
+              <a:lstStyle/>
+              <a:p>
+                <a:r>
+                  <a:rPr lang="en-US">
+                    <a:noFill/>
+                  </a:rPr>
+                  <a:t> </a:t>
+                </a:r>
+              </a:p>
+            </p:txBody>
+          </p:sp>
+        </mc:Fallback>
+      </mc:AlternateContent>
     </p:spTree>
   </p:cSld>
   <p:clrMapOvr>
@@ -20897,76 +23963,414 @@
           </a:p>
         </p:txBody>
       </p:sp>
-      <p:graphicFrame>
-        <p:nvGraphicFramePr>
-          <p:cNvPr id="6146" name="Object 16"/>
-          <p:cNvGraphicFramePr>
-            <a:graphicFrameLocks noChangeAspect="1"/>
-          </p:cNvGraphicFramePr>
-          <p:nvPr/>
-        </p:nvGraphicFramePr>
-        <p:xfrm>
-          <a:off x="5060950" y="1687513"/>
-          <a:ext cx="979488" cy="1323975"/>
-        </p:xfrm>
-        <a:graphic>
-          <a:graphicData uri="http://schemas.openxmlformats.org/presentationml/2006/ole">
-            <mc:AlternateContent xmlns:mc="http://schemas.openxmlformats.org/markup-compatibility/2006">
-              <mc:Choice xmlns:v="urn:schemas-microsoft-com:vml" Requires="v">
-                <p:oleObj name="Equation" r:id="rId2" imgW="977760" imgH="1320480" progId="Equation.3">
-                  <p:embed/>
-                </p:oleObj>
-              </mc:Choice>
-              <mc:Fallback>
-                <p:oleObj name="Equation" r:id="rId2" imgW="977760" imgH="1320480" progId="Equation.3">
-                  <p:embed/>
-                  <p:pic>
-                    <p:nvPicPr>
-                      <p:cNvPr id="6146" name="Object 16"/>
-                      <p:cNvPicPr>
-                        <a:picLocks noChangeAspect="1" noChangeArrowheads="1"/>
-                      </p:cNvPicPr>
-                      <p:nvPr/>
-                    </p:nvPicPr>
-                    <p:blipFill>
-                      <a:blip r:embed="rId3">
-                        <a:extLst>
-                          <a:ext uri="{28A0092B-C50C-407E-A947-70E740481C1C}">
-                            <a14:useLocalDpi xmlns:a14="http://schemas.microsoft.com/office/drawing/2010/main" val="0"/>
-                          </a:ext>
-                        </a:extLst>
-                      </a:blip>
-                      <a:srcRect/>
-                      <a:stretch>
-                        <a:fillRect/>
-                      </a:stretch>
-                    </p:blipFill>
-                    <p:spPr bwMode="auto">
-                      <a:xfrm>
-                        <a:off x="5060950" y="1687513"/>
-                        <a:ext cx="979488" cy="1323975"/>
-                      </a:xfrm>
-                      <a:prstGeom prst="rect">
-                        <a:avLst/>
-                      </a:prstGeom>
-                      <a:noFill/>
-                      <a:extLst>
-                        <a:ext uri="{909E8E84-426E-40DD-AFC4-6F175D3DCCD1}">
-                          <a14:hiddenFill xmlns:a14="http://schemas.microsoft.com/office/drawing/2010/main">
-                            <a:solidFill>
-                              <a:srgbClr val="FFFFFF"/>
-                            </a:solidFill>
-                          </a14:hiddenFill>
-                        </a:ext>
-                      </a:extLst>
-                    </p:spPr>
-                  </p:pic>
-                </p:oleObj>
-              </mc:Fallback>
-            </mc:AlternateContent>
-          </a:graphicData>
-        </a:graphic>
-      </p:graphicFrame>
+      <mc:AlternateContent xmlns:mc="http://schemas.openxmlformats.org/markup-compatibility/2006">
+        <mc:Choice xmlns:a14="http://schemas.microsoft.com/office/drawing/2010/main" Requires="a14">
+          <p:sp>
+            <p:nvSpPr>
+              <p:cNvPr id="6146" name="Object 16"/>
+              <p:cNvSpPr txBox="1"/>
+              <p:nvPr/>
+            </p:nvSpPr>
+            <p:spPr bwMode="auto">
+              <a:xfrm>
+                <a:off x="5060950" y="1687513"/>
+                <a:ext cx="979488" cy="1323975"/>
+              </a:xfrm>
+              <a:prstGeom prst="rect">
+                <a:avLst/>
+              </a:prstGeom>
+              <a:noFill/>
+            </p:spPr>
+            <p:txBody>
+              <a:bodyPr>
+                <a:normAutofit fontScale="47500" lnSpcReduction="20000"/>
+              </a:bodyPr>
+              <a:lstStyle/>
+              <a:p>
+                <a:pPr/>
+                <a14:m>
+                  <m:oMathPara xmlns:m="http://schemas.openxmlformats.org/officeDocument/2006/math">
+                    <m:oMathParaPr>
+                      <m:jc m:val="left"/>
+                    </m:oMathParaPr>
+                    <m:oMath xmlns:m="http://schemas.openxmlformats.org/officeDocument/2006/math">
+                      <m:sSub>
+                        <m:sSubPr>
+                          <m:ctrlPr>
+                            <a:rPr lang="en-US" i="1">
+                              <a:solidFill>
+                                <a:srgbClr val="000000"/>
+                              </a:solidFill>
+                              <a:latin typeface="Cambria Math" panose="02040503050406030204" pitchFamily="18" charset="0"/>
+                            </a:rPr>
+                          </m:ctrlPr>
+                        </m:sSubPr>
+                        <m:e>
+                          <m:r>
+                            <a:rPr lang="en-US" i="1">
+                              <a:solidFill>
+                                <a:srgbClr val="000000"/>
+                              </a:solidFill>
+                              <a:latin typeface="Cambria Math" panose="02040503050406030204" pitchFamily="18" charset="0"/>
+                            </a:rPr>
+                            <m:t>𝑓</m:t>
+                          </m:r>
+                        </m:e>
+                        <m:sub>
+                          <m:r>
+                            <a:rPr lang="en-US" i="1">
+                              <a:solidFill>
+                                <a:srgbClr val="000000"/>
+                              </a:solidFill>
+                              <a:latin typeface="Cambria Math" panose="02040503050406030204" pitchFamily="18" charset="0"/>
+                            </a:rPr>
+                            <m:t>𝑛</m:t>
+                          </m:r>
+                        </m:sub>
+                      </m:sSub>
+                      <m:r>
+                        <a:rPr lang="en-US" i="1">
+                          <a:solidFill>
+                            <a:srgbClr val="000000"/>
+                          </a:solidFill>
+                          <a:latin typeface="Cambria Math" panose="02040503050406030204" pitchFamily="18" charset="0"/>
+                        </a:rPr>
+                        <m:t>=</m:t>
+                      </m:r>
+                      <m:f>
+                        <m:fPr>
+                          <m:ctrlPr>
+                            <a:rPr lang="en-US" i="1">
+                              <a:solidFill>
+                                <a:srgbClr val="000000"/>
+                              </a:solidFill>
+                              <a:latin typeface="Cambria Math" panose="02040503050406030204" pitchFamily="18" charset="0"/>
+                            </a:rPr>
+                          </m:ctrlPr>
+                        </m:fPr>
+                        <m:num>
+                          <m:r>
+                            <a:rPr lang="en-US" i="1">
+                              <a:solidFill>
+                                <a:srgbClr val="000000"/>
+                              </a:solidFill>
+                              <a:latin typeface="Cambria Math" panose="02040503050406030204" pitchFamily="18" charset="0"/>
+                            </a:rPr>
+                            <m:t>𝑣</m:t>
+                          </m:r>
+                        </m:num>
+                        <m:den>
+                          <m:sSub>
+                            <m:sSubPr>
+                              <m:ctrlPr>
+                                <a:rPr lang="en-US" i="1">
+                                  <a:solidFill>
+                                    <a:srgbClr val="000000"/>
+                                  </a:solidFill>
+                                  <a:latin typeface="Cambria Math" panose="02040503050406030204" pitchFamily="18" charset="0"/>
+                                </a:rPr>
+                              </m:ctrlPr>
+                            </m:sSubPr>
+                            <m:e>
+                              <m:r>
+                                <a:rPr lang="en-US" i="1">
+                                  <a:solidFill>
+                                    <a:srgbClr val="000000"/>
+                                  </a:solidFill>
+                                  <a:latin typeface="Cambria Math" panose="02040503050406030204" pitchFamily="18" charset="0"/>
+                                </a:rPr>
+                                <m:t>𝜆</m:t>
+                              </m:r>
+                            </m:e>
+                            <m:sub>
+                              <m:r>
+                                <a:rPr lang="en-US" i="1">
+                                  <a:solidFill>
+                                    <a:srgbClr val="000000"/>
+                                  </a:solidFill>
+                                  <a:latin typeface="Cambria Math" panose="02040503050406030204" pitchFamily="18" charset="0"/>
+                                </a:rPr>
+                                <m:t>𝑛</m:t>
+                              </m:r>
+                            </m:sub>
+                          </m:sSub>
+                        </m:den>
+                      </m:f>
+                      <m:r>
+                        <a:rPr lang="en-US" i="1">
+                          <a:solidFill>
+                            <a:srgbClr val="000000"/>
+                          </a:solidFill>
+                          <a:latin typeface="Cambria Math" panose="02040503050406030204" pitchFamily="18" charset="0"/>
+                        </a:rPr>
+                        <m:t>=</m:t>
+                      </m:r>
+                      <m:r>
+                        <a:rPr lang="en-US" i="1">
+                          <a:solidFill>
+                            <a:srgbClr val="000000"/>
+                          </a:solidFill>
+                          <a:latin typeface="Cambria Math" panose="02040503050406030204" pitchFamily="18" charset="0"/>
+                        </a:rPr>
+                        <m:t>𝑛</m:t>
+                      </m:r>
+                      <m:f>
+                        <m:fPr>
+                          <m:ctrlPr>
+                            <a:rPr lang="en-US" i="1">
+                              <a:solidFill>
+                                <a:srgbClr val="000000"/>
+                              </a:solidFill>
+                              <a:latin typeface="Cambria Math" panose="02040503050406030204" pitchFamily="18" charset="0"/>
+                            </a:rPr>
+                          </m:ctrlPr>
+                        </m:fPr>
+                        <m:num>
+                          <m:r>
+                            <a:rPr lang="en-US" i="1">
+                              <a:solidFill>
+                                <a:srgbClr val="000000"/>
+                              </a:solidFill>
+                              <a:latin typeface="Cambria Math" panose="02040503050406030204" pitchFamily="18" charset="0"/>
+                            </a:rPr>
+                            <m:t>𝑣</m:t>
+                          </m:r>
+                        </m:num>
+                        <m:den>
+                          <m:r>
+                            <a:rPr lang="en-US" i="1">
+                              <a:solidFill>
+                                <a:srgbClr val="000000"/>
+                              </a:solidFill>
+                              <a:latin typeface="Cambria Math" panose="02040503050406030204" pitchFamily="18" charset="0"/>
+                            </a:rPr>
+                            <m:t>2</m:t>
+                          </m:r>
+                          <m:r>
+                            <a:rPr lang="en-US" i="1">
+                              <a:solidFill>
+                                <a:srgbClr val="000000"/>
+                              </a:solidFill>
+                              <a:latin typeface="Cambria Math" panose="02040503050406030204" pitchFamily="18" charset="0"/>
+                            </a:rPr>
+                            <m:t>𝐿</m:t>
+                          </m:r>
+                        </m:den>
+                      </m:f>
+                    </m:oMath>
+                    <m:oMath xmlns:m="http://schemas.openxmlformats.org/officeDocument/2006/math">
+                      <m:r>
+                        <a:rPr lang="en-US" i="1">
+                          <a:solidFill>
+                            <a:srgbClr val="000000"/>
+                          </a:solidFill>
+                          <a:latin typeface="Cambria Math" panose="02040503050406030204" pitchFamily="18" charset="0"/>
+                        </a:rPr>
+                        <m:t>=</m:t>
+                      </m:r>
+                      <m:f>
+                        <m:fPr>
+                          <m:ctrlPr>
+                            <a:rPr lang="en-US" i="1">
+                              <a:solidFill>
+                                <a:srgbClr val="000000"/>
+                              </a:solidFill>
+                              <a:latin typeface="Cambria Math" panose="02040503050406030204" pitchFamily="18" charset="0"/>
+                            </a:rPr>
+                          </m:ctrlPr>
+                        </m:fPr>
+                        <m:num>
+                          <m:r>
+                            <a:rPr lang="en-US" i="1">
+                              <a:solidFill>
+                                <a:srgbClr val="000000"/>
+                              </a:solidFill>
+                              <a:latin typeface="Cambria Math" panose="02040503050406030204" pitchFamily="18" charset="0"/>
+                            </a:rPr>
+                            <m:t>𝑛</m:t>
+                          </m:r>
+                        </m:num>
+                        <m:den>
+                          <m:r>
+                            <a:rPr lang="en-US" i="1">
+                              <a:solidFill>
+                                <a:srgbClr val="000000"/>
+                              </a:solidFill>
+                              <a:latin typeface="Cambria Math" panose="02040503050406030204" pitchFamily="18" charset="0"/>
+                            </a:rPr>
+                            <m:t>2</m:t>
+                          </m:r>
+                          <m:r>
+                            <a:rPr lang="en-US" i="1">
+                              <a:solidFill>
+                                <a:srgbClr val="000000"/>
+                              </a:solidFill>
+                              <a:latin typeface="Cambria Math" panose="02040503050406030204" pitchFamily="18" charset="0"/>
+                            </a:rPr>
+                            <m:t>𝐿</m:t>
+                          </m:r>
+                        </m:den>
+                      </m:f>
+                      <m:r>
+                        <a:rPr lang="en-US" i="1">
+                          <a:solidFill>
+                            <a:srgbClr val="000000"/>
+                          </a:solidFill>
+                          <a:latin typeface="Cambria Math" panose="02040503050406030204" pitchFamily="18" charset="0"/>
+                        </a:rPr>
+                        <m:t>𝑣</m:t>
+                      </m:r>
+                    </m:oMath>
+                    <m:oMath xmlns:m="http://schemas.openxmlformats.org/officeDocument/2006/math">
+                      <m:r>
+                        <a:rPr lang="en-US" i="1">
+                          <a:solidFill>
+                            <a:srgbClr val="000000"/>
+                          </a:solidFill>
+                          <a:latin typeface="Cambria Math" panose="02040503050406030204" pitchFamily="18" charset="0"/>
+                        </a:rPr>
+                        <m:t>=</m:t>
+                      </m:r>
+                      <m:f>
+                        <m:fPr>
+                          <m:ctrlPr>
+                            <a:rPr lang="en-US" i="1">
+                              <a:solidFill>
+                                <a:srgbClr val="000000"/>
+                              </a:solidFill>
+                              <a:latin typeface="Cambria Math" panose="02040503050406030204" pitchFamily="18" charset="0"/>
+                            </a:rPr>
+                          </m:ctrlPr>
+                        </m:fPr>
+                        <m:num>
+                          <m:r>
+                            <a:rPr lang="en-US" i="1">
+                              <a:solidFill>
+                                <a:srgbClr val="000000"/>
+                              </a:solidFill>
+                              <a:latin typeface="Cambria Math" panose="02040503050406030204" pitchFamily="18" charset="0"/>
+                            </a:rPr>
+                            <m:t>𝑛</m:t>
+                          </m:r>
+                        </m:num>
+                        <m:den>
+                          <m:r>
+                            <a:rPr lang="en-US" i="1">
+                              <a:solidFill>
+                                <a:srgbClr val="000000"/>
+                              </a:solidFill>
+                              <a:latin typeface="Cambria Math" panose="02040503050406030204" pitchFamily="18" charset="0"/>
+                            </a:rPr>
+                            <m:t>2</m:t>
+                          </m:r>
+                          <m:r>
+                            <a:rPr lang="en-US" i="1">
+                              <a:solidFill>
+                                <a:srgbClr val="000000"/>
+                              </a:solidFill>
+                              <a:latin typeface="Cambria Math" panose="02040503050406030204" pitchFamily="18" charset="0"/>
+                            </a:rPr>
+                            <m:t>𝐿</m:t>
+                          </m:r>
+                        </m:den>
+                      </m:f>
+                      <m:rad>
+                        <m:radPr>
+                          <m:degHide m:val="on"/>
+                          <m:ctrlPr>
+                            <a:rPr lang="en-US" i="1">
+                              <a:solidFill>
+                                <a:srgbClr val="000000"/>
+                              </a:solidFill>
+                              <a:latin typeface="Cambria Math" panose="02040503050406030204" pitchFamily="18" charset="0"/>
+                            </a:rPr>
+                          </m:ctrlPr>
+                        </m:radPr>
+                        <m:deg/>
+                        <m:e>
+                          <m:f>
+                            <m:fPr>
+                              <m:ctrlPr>
+                                <a:rPr lang="en-US" i="1">
+                                  <a:solidFill>
+                                    <a:srgbClr val="000000"/>
+                                  </a:solidFill>
+                                  <a:latin typeface="Cambria Math" panose="02040503050406030204" pitchFamily="18" charset="0"/>
+                                </a:rPr>
+                              </m:ctrlPr>
+                            </m:fPr>
+                            <m:num>
+                              <m:r>
+                                <a:rPr lang="en-US" i="1">
+                                  <a:solidFill>
+                                    <a:srgbClr val="000000"/>
+                                  </a:solidFill>
+                                  <a:latin typeface="Cambria Math" panose="02040503050406030204" pitchFamily="18" charset="0"/>
+                                </a:rPr>
+                                <m:t>𝑇</m:t>
+                              </m:r>
+                            </m:num>
+                            <m:den>
+                              <m:r>
+                                <a:rPr lang="en-US" i="1">
+                                  <a:solidFill>
+                                    <a:srgbClr val="000000"/>
+                                  </a:solidFill>
+                                  <a:latin typeface="Cambria Math" panose="02040503050406030204" pitchFamily="18" charset="0"/>
+                                </a:rPr>
+                                <m:t>𝜇</m:t>
+                              </m:r>
+                            </m:den>
+                          </m:f>
+                        </m:e>
+                      </m:rad>
+                    </m:oMath>
+                  </m:oMathPara>
+                </a14:m>
+                <a:endParaRPr lang="en-US"/>
+              </a:p>
+            </p:txBody>
+          </p:sp>
+        </mc:Choice>
+        <mc:Fallback>
+          <p:sp>
+            <p:nvSpPr>
+              <p:cNvPr id="6146" name="Object 16"/>
+              <p:cNvSpPr txBox="1">
+                <a:spLocks noRot="1" noChangeAspect="1" noMove="1" noResize="1" noEditPoints="1" noAdjustHandles="1" noChangeArrowheads="1" noChangeShapeType="1" noTextEdit="1"/>
+              </p:cNvSpPr>
+              <p:nvPr/>
+            </p:nvSpPr>
+            <p:spPr bwMode="auto">
+              <a:xfrm>
+                <a:off x="5060950" y="1687513"/>
+                <a:ext cx="979488" cy="1323975"/>
+              </a:xfrm>
+              <a:prstGeom prst="rect">
+                <a:avLst/>
+              </a:prstGeom>
+              <a:blipFill>
+                <a:blip r:embed="rId2"/>
+                <a:stretch>
+                  <a:fillRect/>
+                </a:stretch>
+              </a:blipFill>
+            </p:spPr>
+            <p:txBody>
+              <a:bodyPr/>
+              <a:lstStyle/>
+              <a:p>
+                <a:r>
+                  <a:rPr lang="en-US">
+                    <a:noFill/>
+                  </a:rPr>
+                  <a:t> </a:t>
+                </a:r>
+              </a:p>
+            </p:txBody>
+          </p:sp>
+        </mc:Fallback>
+      </mc:AlternateContent>
       <p:sp>
         <p:nvSpPr>
           <p:cNvPr id="6165" name="Rectangle 17"/>
@@ -21001,76 +24405,170 @@
           </a:p>
         </p:txBody>
       </p:sp>
-      <p:graphicFrame>
-        <p:nvGraphicFramePr>
-          <p:cNvPr id="6147" name="Object 18"/>
-          <p:cNvGraphicFramePr>
-            <a:graphicFrameLocks noChangeAspect="1"/>
-          </p:cNvGraphicFramePr>
-          <p:nvPr/>
-        </p:nvGraphicFramePr>
-        <p:xfrm>
-          <a:off x="6643688" y="1644650"/>
-          <a:ext cx="546100" cy="395288"/>
-        </p:xfrm>
-        <a:graphic>
-          <a:graphicData uri="http://schemas.openxmlformats.org/presentationml/2006/ole">
-            <mc:AlternateContent xmlns:mc="http://schemas.openxmlformats.org/markup-compatibility/2006">
-              <mc:Choice xmlns:v="urn:schemas-microsoft-com:vml" Requires="v">
-                <p:oleObj name="Equation" r:id="rId4" imgW="545760" imgH="393480" progId="Equation.3">
-                  <p:embed/>
-                </p:oleObj>
-              </mc:Choice>
-              <mc:Fallback>
-                <p:oleObj name="Equation" r:id="rId4" imgW="545760" imgH="393480" progId="Equation.3">
-                  <p:embed/>
-                  <p:pic>
-                    <p:nvPicPr>
-                      <p:cNvPr id="6147" name="Object 18"/>
-                      <p:cNvPicPr>
-                        <a:picLocks noChangeAspect="1" noChangeArrowheads="1"/>
-                      </p:cNvPicPr>
-                      <p:nvPr/>
-                    </p:nvPicPr>
-                    <p:blipFill>
-                      <a:blip r:embed="rId5">
-                        <a:extLst>
-                          <a:ext uri="{28A0092B-C50C-407E-A947-70E740481C1C}">
-                            <a14:useLocalDpi xmlns:a14="http://schemas.microsoft.com/office/drawing/2010/main" val="0"/>
-                          </a:ext>
-                        </a:extLst>
-                      </a:blip>
-                      <a:srcRect/>
-                      <a:stretch>
-                        <a:fillRect/>
-                      </a:stretch>
-                    </p:blipFill>
-                    <p:spPr bwMode="auto">
-                      <a:xfrm>
-                        <a:off x="6643688" y="1644650"/>
-                        <a:ext cx="546100" cy="395288"/>
-                      </a:xfrm>
-                      <a:prstGeom prst="rect">
-                        <a:avLst/>
-                      </a:prstGeom>
-                      <a:noFill/>
-                      <a:extLst>
-                        <a:ext uri="{909E8E84-426E-40DD-AFC4-6F175D3DCCD1}">
-                          <a14:hiddenFill xmlns:a14="http://schemas.microsoft.com/office/drawing/2010/main">
-                            <a:solidFill>
-                              <a:srgbClr val="FFFFFF"/>
-                            </a:solidFill>
-                          </a14:hiddenFill>
-                        </a:ext>
-                      </a:extLst>
-                    </p:spPr>
-                  </p:pic>
-                </p:oleObj>
-              </mc:Fallback>
-            </mc:AlternateContent>
-          </a:graphicData>
-        </a:graphic>
-      </p:graphicFrame>
+      <mc:AlternateContent xmlns:mc="http://schemas.openxmlformats.org/markup-compatibility/2006">
+        <mc:Choice xmlns:a14="http://schemas.microsoft.com/office/drawing/2010/main" Requires="a14">
+          <p:sp>
+            <p:nvSpPr>
+              <p:cNvPr id="6147" name="Object 18"/>
+              <p:cNvSpPr txBox="1"/>
+              <p:nvPr/>
+            </p:nvSpPr>
+            <p:spPr bwMode="auto">
+              <a:xfrm>
+                <a:off x="6643688" y="1644650"/>
+                <a:ext cx="546100" cy="395288"/>
+              </a:xfrm>
+              <a:prstGeom prst="rect">
+                <a:avLst/>
+              </a:prstGeom>
+              <a:noFill/>
+            </p:spPr>
+            <p:txBody>
+              <a:bodyPr>
+                <a:normAutofit fontScale="40000" lnSpcReduction="20000"/>
+              </a:bodyPr>
+              <a:lstStyle/>
+              <a:p>
+                <a:pPr/>
+                <a14:m>
+                  <m:oMathPara xmlns:m="http://schemas.openxmlformats.org/officeDocument/2006/math">
+                    <m:oMathParaPr>
+                      <m:jc m:val="left"/>
+                    </m:oMathParaPr>
+                    <m:oMath xmlns:m="http://schemas.openxmlformats.org/officeDocument/2006/math">
+                      <m:sSub>
+                        <m:sSubPr>
+                          <m:ctrlPr>
+                            <a:rPr lang="en-US" i="1">
+                              <a:solidFill>
+                                <a:srgbClr val="000000"/>
+                              </a:solidFill>
+                              <a:latin typeface="Cambria Math" panose="02040503050406030204" pitchFamily="18" charset="0"/>
+                            </a:rPr>
+                          </m:ctrlPr>
+                        </m:sSubPr>
+                        <m:e>
+                          <m:r>
+                            <a:rPr lang="en-US" i="1">
+                              <a:solidFill>
+                                <a:srgbClr val="000000"/>
+                              </a:solidFill>
+                              <a:latin typeface="Cambria Math" panose="02040503050406030204" pitchFamily="18" charset="0"/>
+                            </a:rPr>
+                            <m:t>𝜆</m:t>
+                          </m:r>
+                        </m:e>
+                        <m:sub>
+                          <m:r>
+                            <a:rPr lang="en-US" i="1">
+                              <a:solidFill>
+                                <a:srgbClr val="000000"/>
+                              </a:solidFill>
+                              <a:latin typeface="Cambria Math" panose="02040503050406030204" pitchFamily="18" charset="0"/>
+                            </a:rPr>
+                            <m:t>𝑛</m:t>
+                          </m:r>
+                        </m:sub>
+                      </m:sSub>
+                      <m:r>
+                        <a:rPr lang="en-US" i="1">
+                          <a:solidFill>
+                            <a:srgbClr val="000000"/>
+                          </a:solidFill>
+                          <a:latin typeface="Cambria Math" panose="02040503050406030204" pitchFamily="18" charset="0"/>
+                        </a:rPr>
+                        <m:t>=</m:t>
+                      </m:r>
+                      <m:f>
+                        <m:fPr>
+                          <m:ctrlPr>
+                            <a:rPr lang="en-US" i="1">
+                              <a:solidFill>
+                                <a:srgbClr val="000000"/>
+                              </a:solidFill>
+                              <a:latin typeface="Cambria Math" panose="02040503050406030204" pitchFamily="18" charset="0"/>
+                            </a:rPr>
+                          </m:ctrlPr>
+                        </m:fPr>
+                        <m:num>
+                          <m:r>
+                            <a:rPr lang="en-US" i="1">
+                              <a:solidFill>
+                                <a:srgbClr val="000000"/>
+                              </a:solidFill>
+                              <a:latin typeface="Cambria Math" panose="02040503050406030204" pitchFamily="18" charset="0"/>
+                            </a:rPr>
+                            <m:t>2</m:t>
+                          </m:r>
+                          <m:r>
+                            <a:rPr lang="en-US" i="1">
+                              <a:solidFill>
+                                <a:srgbClr val="000000"/>
+                              </a:solidFill>
+                              <a:latin typeface="Cambria Math" panose="02040503050406030204" pitchFamily="18" charset="0"/>
+                            </a:rPr>
+                            <m:t>𝐿</m:t>
+                          </m:r>
+                        </m:num>
+                        <m:den>
+                          <m:r>
+                            <a:rPr lang="en-US" i="1">
+                              <a:solidFill>
+                                <a:srgbClr val="000000"/>
+                              </a:solidFill>
+                              <a:latin typeface="Cambria Math" panose="02040503050406030204" pitchFamily="18" charset="0"/>
+                            </a:rPr>
+                            <m:t>𝑛</m:t>
+                          </m:r>
+                        </m:den>
+                      </m:f>
+                    </m:oMath>
+                  </m:oMathPara>
+                </a14:m>
+                <a:endParaRPr lang="en-US"/>
+              </a:p>
+            </p:txBody>
+          </p:sp>
+        </mc:Choice>
+        <mc:Fallback>
+          <p:sp>
+            <p:nvSpPr>
+              <p:cNvPr id="6147" name="Object 18"/>
+              <p:cNvSpPr txBox="1">
+                <a:spLocks noRot="1" noChangeAspect="1" noMove="1" noResize="1" noEditPoints="1" noAdjustHandles="1" noChangeArrowheads="1" noChangeShapeType="1" noTextEdit="1"/>
+              </p:cNvSpPr>
+              <p:nvPr/>
+            </p:nvSpPr>
+            <p:spPr bwMode="auto">
+              <a:xfrm>
+                <a:off x="6643688" y="1644650"/>
+                <a:ext cx="546100" cy="395288"/>
+              </a:xfrm>
+              <a:prstGeom prst="rect">
+                <a:avLst/>
+              </a:prstGeom>
+              <a:blipFill>
+                <a:blip r:embed="rId3"/>
+                <a:stretch>
+                  <a:fillRect/>
+                </a:stretch>
+              </a:blipFill>
+            </p:spPr>
+            <p:txBody>
+              <a:bodyPr/>
+              <a:lstStyle/>
+              <a:p>
+                <a:r>
+                  <a:rPr lang="en-US">
+                    <a:noFill/>
+                  </a:rPr>
+                  <a:t> </a:t>
+                </a:r>
+              </a:p>
+            </p:txBody>
+          </p:sp>
+        </mc:Fallback>
+      </mc:AlternateContent>
       <p:sp>
         <p:nvSpPr>
           <p:cNvPr id="6166" name="Rectangle 19"/>
@@ -21297,146 +24795,588 @@
           </a:ln>
         </p:spPr>
       </p:pic>
-      <p:graphicFrame>
-        <p:nvGraphicFramePr>
-          <p:cNvPr id="3074" name="Object 5"/>
-          <p:cNvGraphicFramePr>
-            <a:graphicFrameLocks noChangeAspect="1"/>
-          </p:cNvGraphicFramePr>
-          <p:nvPr/>
-        </p:nvGraphicFramePr>
-        <p:xfrm>
-          <a:off x="5557838" y="5305425"/>
-          <a:ext cx="2019300" cy="428625"/>
-        </p:xfrm>
-        <a:graphic>
-          <a:graphicData uri="http://schemas.openxmlformats.org/presentationml/2006/ole">
-            <mc:AlternateContent xmlns:mc="http://schemas.openxmlformats.org/markup-compatibility/2006">
-              <mc:Choice xmlns:v="urn:schemas-microsoft-com:vml" Requires="v">
-                <p:oleObj name="Equation" r:id="rId3" imgW="2019300" imgH="431800" progId="Equation.3">
-                  <p:embed/>
-                </p:oleObj>
-              </mc:Choice>
-              <mc:Fallback>
-                <p:oleObj name="Equation" r:id="rId3" imgW="2019300" imgH="431800" progId="Equation.3">
-                  <p:embed/>
-                  <p:pic>
-                    <p:nvPicPr>
-                      <p:cNvPr id="3074" name="Object 5"/>
-                      <p:cNvPicPr>
-                        <a:picLocks noChangeAspect="1" noChangeArrowheads="1"/>
-                      </p:cNvPicPr>
-                      <p:nvPr/>
-                    </p:nvPicPr>
-                    <p:blipFill>
-                      <a:blip r:embed="rId4">
-                        <a:extLst>
-                          <a:ext uri="{28A0092B-C50C-407E-A947-70E740481C1C}">
-                            <a14:useLocalDpi xmlns:a14="http://schemas.microsoft.com/office/drawing/2010/main" val="0"/>
-                          </a:ext>
-                        </a:extLst>
-                      </a:blip>
-                      <a:srcRect/>
-                      <a:stretch>
-                        <a:fillRect/>
-                      </a:stretch>
-                    </p:blipFill>
-                    <p:spPr bwMode="auto">
-                      <a:xfrm>
-                        <a:off x="5557838" y="5305425"/>
-                        <a:ext cx="2019300" cy="428625"/>
-                      </a:xfrm>
-                      <a:prstGeom prst="rect">
-                        <a:avLst/>
-                      </a:prstGeom>
-                      <a:noFill/>
-                      <a:extLst>
-                        <a:ext uri="{909E8E84-426E-40DD-AFC4-6F175D3DCCD1}">
-                          <a14:hiddenFill xmlns:a14="http://schemas.microsoft.com/office/drawing/2010/main">
-                            <a:solidFill>
-                              <a:srgbClr val="FFFFFF"/>
-                            </a:solidFill>
-                          </a14:hiddenFill>
-                        </a:ext>
-                      </a:extLst>
-                    </p:spPr>
-                  </p:pic>
-                </p:oleObj>
-              </mc:Fallback>
-            </mc:AlternateContent>
-          </a:graphicData>
-        </a:graphic>
-      </p:graphicFrame>
-      <p:graphicFrame>
-        <p:nvGraphicFramePr>
-          <p:cNvPr id="3075" name="Object 6"/>
-          <p:cNvGraphicFramePr>
-            <a:graphicFrameLocks noChangeAspect="1"/>
-          </p:cNvGraphicFramePr>
-          <p:nvPr/>
-        </p:nvGraphicFramePr>
-        <p:xfrm>
-          <a:off x="8201025" y="4760913"/>
-          <a:ext cx="419100" cy="1343025"/>
-        </p:xfrm>
-        <a:graphic>
-          <a:graphicData uri="http://schemas.openxmlformats.org/presentationml/2006/ole">
-            <mc:AlternateContent xmlns:mc="http://schemas.openxmlformats.org/markup-compatibility/2006">
-              <mc:Choice xmlns:v="urn:schemas-microsoft-com:vml" Requires="v">
-                <p:oleObj name="Equation" r:id="rId5" imgW="419040" imgH="1346040" progId="Equation.3">
-                  <p:embed/>
-                </p:oleObj>
-              </mc:Choice>
-              <mc:Fallback>
-                <p:oleObj name="Equation" r:id="rId5" imgW="419040" imgH="1346040" progId="Equation.3">
-                  <p:embed/>
-                  <p:pic>
-                    <p:nvPicPr>
-                      <p:cNvPr id="3075" name="Object 6"/>
-                      <p:cNvPicPr>
-                        <a:picLocks noChangeAspect="1" noChangeArrowheads="1"/>
-                      </p:cNvPicPr>
-                      <p:nvPr/>
-                    </p:nvPicPr>
-                    <p:blipFill>
-                      <a:blip r:embed="rId6">
-                        <a:extLst>
-                          <a:ext uri="{28A0092B-C50C-407E-A947-70E740481C1C}">
-                            <a14:useLocalDpi xmlns:a14="http://schemas.microsoft.com/office/drawing/2010/main" val="0"/>
-                          </a:ext>
-                        </a:extLst>
-                      </a:blip>
-                      <a:srcRect/>
-                      <a:stretch>
-                        <a:fillRect/>
-                      </a:stretch>
-                    </p:blipFill>
-                    <p:spPr bwMode="auto">
-                      <a:xfrm>
-                        <a:off x="8201025" y="4760913"/>
-                        <a:ext cx="419100" cy="1343025"/>
-                      </a:xfrm>
-                      <a:prstGeom prst="rect">
-                        <a:avLst/>
-                      </a:prstGeom>
-                      <a:noFill/>
-                      <a:extLst>
-                        <a:ext uri="{909E8E84-426E-40DD-AFC4-6F175D3DCCD1}">
-                          <a14:hiddenFill xmlns:a14="http://schemas.microsoft.com/office/drawing/2010/main">
-                            <a:solidFill>
-                              <a:srgbClr val="FFFFFF"/>
-                            </a:solidFill>
-                          </a14:hiddenFill>
-                        </a:ext>
-                      </a:extLst>
-                    </p:spPr>
-                  </p:pic>
-                </p:oleObj>
-              </mc:Fallback>
-            </mc:AlternateContent>
-          </a:graphicData>
-        </a:graphic>
-      </p:graphicFrame>
+      <mc:AlternateContent xmlns:mc="http://schemas.openxmlformats.org/markup-compatibility/2006">
+        <mc:Choice xmlns:a14="http://schemas.microsoft.com/office/drawing/2010/main" Requires="a14">
+          <p:sp>
+            <p:nvSpPr>
+              <p:cNvPr id="3074" name="Object 5"/>
+              <p:cNvSpPr txBox="1"/>
+              <p:nvPr/>
+            </p:nvSpPr>
+            <p:spPr bwMode="auto">
+              <a:xfrm>
+                <a:off x="5557838" y="5305425"/>
+                <a:ext cx="2019300" cy="428625"/>
+              </a:xfrm>
+              <a:prstGeom prst="rect">
+                <a:avLst/>
+              </a:prstGeom>
+              <a:noFill/>
+            </p:spPr>
+            <p:txBody>
+              <a:bodyPr>
+                <a:normAutofit fontScale="47500" lnSpcReduction="20000"/>
+              </a:bodyPr>
+              <a:lstStyle/>
+              <a:p>
+                <a:pPr/>
+                <a14:m>
+                  <m:oMathPara xmlns:m="http://schemas.openxmlformats.org/officeDocument/2006/math">
+                    <m:oMathParaPr>
+                      <m:jc m:val="left"/>
+                    </m:oMathParaPr>
+                    <m:oMath xmlns:m="http://schemas.openxmlformats.org/officeDocument/2006/math">
+                      <m:sSub>
+                        <m:sSubPr>
+                          <m:ctrlPr>
+                            <a:rPr lang="en-US" i="1">
+                              <a:solidFill>
+                                <a:srgbClr val="000000"/>
+                              </a:solidFill>
+                              <a:latin typeface="Cambria Math" panose="02040503050406030204" pitchFamily="18" charset="0"/>
+                            </a:rPr>
+                          </m:ctrlPr>
+                        </m:sSubPr>
+                        <m:e>
+                          <m:r>
+                            <a:rPr lang="en-US" i="1">
+                              <a:solidFill>
+                                <a:srgbClr val="000000"/>
+                              </a:solidFill>
+                              <a:latin typeface="Cambria Math" panose="02040503050406030204" pitchFamily="18" charset="0"/>
+                            </a:rPr>
+                            <m:t>𝑦</m:t>
+                          </m:r>
+                        </m:e>
+                        <m:sub>
+                          <m:r>
+                            <a:rPr lang="en-US" i="1">
+                              <a:solidFill>
+                                <a:srgbClr val="000000"/>
+                              </a:solidFill>
+                              <a:latin typeface="Cambria Math" panose="02040503050406030204" pitchFamily="18" charset="0"/>
+                            </a:rPr>
+                            <m:t>𝑟</m:t>
+                          </m:r>
+                        </m:sub>
+                      </m:sSub>
+                      <m:r>
+                        <a:rPr lang="en-US" i="1">
+                          <a:solidFill>
+                            <a:srgbClr val="000000"/>
+                          </a:solidFill>
+                          <a:latin typeface="Cambria Math" panose="02040503050406030204" pitchFamily="18" charset="0"/>
+                        </a:rPr>
+                        <m:t>=2</m:t>
+                      </m:r>
+                      <m:r>
+                        <a:rPr lang="en-US" i="1">
+                          <a:solidFill>
+                            <a:srgbClr val="000000"/>
+                          </a:solidFill>
+                          <a:latin typeface="Cambria Math" panose="02040503050406030204" pitchFamily="18" charset="0"/>
+                        </a:rPr>
+                        <m:t>𝐴</m:t>
+                      </m:r>
+                      <m:func>
+                        <m:funcPr>
+                          <m:ctrlPr>
+                            <a:rPr lang="en-US" i="1">
+                              <a:solidFill>
+                                <a:srgbClr val="000000"/>
+                              </a:solidFill>
+                              <a:latin typeface="Cambria Math" panose="02040503050406030204" pitchFamily="18" charset="0"/>
+                            </a:rPr>
+                          </m:ctrlPr>
+                        </m:funcPr>
+                        <m:fName>
+                          <m:r>
+                            <m:rPr>
+                              <m:sty m:val="p"/>
+                            </m:rPr>
+                            <a:rPr lang="en-US" i="0">
+                              <a:solidFill>
+                                <a:srgbClr val="000000"/>
+                              </a:solidFill>
+                              <a:latin typeface="Cambria Math" panose="02040503050406030204" pitchFamily="18" charset="0"/>
+                            </a:rPr>
+                            <m:t>cos</m:t>
+                          </m:r>
+                        </m:fName>
+                        <m:e>
+                          <m:d>
+                            <m:dPr>
+                              <m:ctrlPr>
+                                <a:rPr lang="en-US" i="1">
+                                  <a:solidFill>
+                                    <a:srgbClr val="000000"/>
+                                  </a:solidFill>
+                                  <a:latin typeface="Cambria Math" panose="02040503050406030204" pitchFamily="18" charset="0"/>
+                                </a:rPr>
+                              </m:ctrlPr>
+                            </m:dPr>
+                            <m:e>
+                              <m:f>
+                                <m:fPr>
+                                  <m:ctrlPr>
+                                    <a:rPr lang="en-US" i="1">
+                                      <a:solidFill>
+                                        <a:srgbClr val="000000"/>
+                                      </a:solidFill>
+                                      <a:latin typeface="Cambria Math" panose="02040503050406030204" pitchFamily="18" charset="0"/>
+                                    </a:rPr>
+                                  </m:ctrlPr>
+                                </m:fPr>
+                                <m:num>
+                                  <m:r>
+                                    <a:rPr lang="en-US" i="1">
+                                      <a:solidFill>
+                                        <a:srgbClr val="000000"/>
+                                      </a:solidFill>
+                                      <a:latin typeface="Cambria Math" panose="02040503050406030204" pitchFamily="18" charset="0"/>
+                                    </a:rPr>
+                                    <m:t>𝜑</m:t>
+                                  </m:r>
+                                </m:num>
+                                <m:den>
+                                  <m:r>
+                                    <a:rPr lang="en-US" i="1">
+                                      <a:solidFill>
+                                        <a:srgbClr val="000000"/>
+                                      </a:solidFill>
+                                      <a:latin typeface="Cambria Math" panose="02040503050406030204" pitchFamily="18" charset="0"/>
+                                    </a:rPr>
+                                    <m:t>2</m:t>
+                                  </m:r>
+                                </m:den>
+                              </m:f>
+                            </m:e>
+                          </m:d>
+                        </m:e>
+                      </m:func>
+                      <m:func>
+                        <m:funcPr>
+                          <m:ctrlPr>
+                            <a:rPr lang="en-US" i="1">
+                              <a:solidFill>
+                                <a:srgbClr val="000000"/>
+                              </a:solidFill>
+                              <a:latin typeface="Cambria Math" panose="02040503050406030204" pitchFamily="18" charset="0"/>
+                            </a:rPr>
+                          </m:ctrlPr>
+                        </m:funcPr>
+                        <m:fName>
+                          <m:r>
+                            <m:rPr>
+                              <m:sty m:val="p"/>
+                            </m:rPr>
+                            <a:rPr lang="en-US" i="0">
+                              <a:solidFill>
+                                <a:srgbClr val="000000"/>
+                              </a:solidFill>
+                              <a:latin typeface="Cambria Math" panose="02040503050406030204" pitchFamily="18" charset="0"/>
+                            </a:rPr>
+                            <m:t>sin</m:t>
+                          </m:r>
+                        </m:fName>
+                        <m:e>
+                          <m:d>
+                            <m:dPr>
+                              <m:ctrlPr>
+                                <a:rPr lang="en-US" i="1">
+                                  <a:solidFill>
+                                    <a:srgbClr val="000000"/>
+                                  </a:solidFill>
+                                  <a:latin typeface="Cambria Math" panose="02040503050406030204" pitchFamily="18" charset="0"/>
+                                </a:rPr>
+                              </m:ctrlPr>
+                            </m:dPr>
+                            <m:e>
+                              <m:r>
+                                <a:rPr lang="en-US" i="1">
+                                  <a:solidFill>
+                                    <a:srgbClr val="000000"/>
+                                  </a:solidFill>
+                                  <a:latin typeface="Cambria Math" panose="02040503050406030204" pitchFamily="18" charset="0"/>
+                                </a:rPr>
+                                <m:t>𝑘𝑥</m:t>
+                              </m:r>
+                              <m:r>
+                                <a:rPr lang="en-US" i="1">
+                                  <a:solidFill>
+                                    <a:srgbClr val="000000"/>
+                                  </a:solidFill>
+                                  <a:latin typeface="Cambria Math" panose="02040503050406030204" pitchFamily="18" charset="0"/>
+                                </a:rPr>
+                                <m:t>−</m:t>
+                              </m:r>
+                              <m:r>
+                                <a:rPr lang="en-US" i="1">
+                                  <a:solidFill>
+                                    <a:srgbClr val="000000"/>
+                                  </a:solidFill>
+                                  <a:latin typeface="Cambria Math" panose="02040503050406030204" pitchFamily="18" charset="0"/>
+                                </a:rPr>
+                                <m:t>𝜔</m:t>
+                              </m:r>
+                              <m:r>
+                                <a:rPr lang="en-US" i="1">
+                                  <a:solidFill>
+                                    <a:srgbClr val="000000"/>
+                                  </a:solidFill>
+                                  <a:latin typeface="Cambria Math" panose="02040503050406030204" pitchFamily="18" charset="0"/>
+                                </a:rPr>
+                                <m:t>𝑡</m:t>
+                              </m:r>
+                              <m:r>
+                                <a:rPr lang="en-US" i="1">
+                                  <a:solidFill>
+                                    <a:srgbClr val="000000"/>
+                                  </a:solidFill>
+                                  <a:latin typeface="Cambria Math" panose="02040503050406030204" pitchFamily="18" charset="0"/>
+                                </a:rPr>
+                                <m:t>+</m:t>
+                              </m:r>
+                              <m:f>
+                                <m:fPr>
+                                  <m:ctrlPr>
+                                    <a:rPr lang="en-US" i="1">
+                                      <a:solidFill>
+                                        <a:srgbClr val="000000"/>
+                                      </a:solidFill>
+                                      <a:latin typeface="Cambria Math" panose="02040503050406030204" pitchFamily="18" charset="0"/>
+                                    </a:rPr>
+                                  </m:ctrlPr>
+                                </m:fPr>
+                                <m:num>
+                                  <m:r>
+                                    <a:rPr lang="en-US" i="1">
+                                      <a:solidFill>
+                                        <a:srgbClr val="000000"/>
+                                      </a:solidFill>
+                                      <a:latin typeface="Cambria Math" panose="02040503050406030204" pitchFamily="18" charset="0"/>
+                                    </a:rPr>
+                                    <m:t>𝜑</m:t>
+                                  </m:r>
+                                </m:num>
+                                <m:den>
+                                  <m:r>
+                                    <a:rPr lang="en-US" i="1">
+                                      <a:solidFill>
+                                        <a:srgbClr val="000000"/>
+                                      </a:solidFill>
+                                      <a:latin typeface="Cambria Math" panose="02040503050406030204" pitchFamily="18" charset="0"/>
+                                    </a:rPr>
+                                    <m:t>2</m:t>
+                                  </m:r>
+                                </m:den>
+                              </m:f>
+                            </m:e>
+                          </m:d>
+                        </m:e>
+                      </m:func>
+                    </m:oMath>
+                  </m:oMathPara>
+                </a14:m>
+                <a:endParaRPr lang="en-US"/>
+              </a:p>
+            </p:txBody>
+          </p:sp>
+        </mc:Choice>
+        <mc:Fallback>
+          <p:sp>
+            <p:nvSpPr>
+              <p:cNvPr id="3074" name="Object 5"/>
+              <p:cNvSpPr txBox="1">
+                <a:spLocks noRot="1" noChangeAspect="1" noMove="1" noResize="1" noEditPoints="1" noAdjustHandles="1" noChangeArrowheads="1" noChangeShapeType="1" noTextEdit="1"/>
+              </p:cNvSpPr>
+              <p:nvPr/>
+            </p:nvSpPr>
+            <p:spPr bwMode="auto">
+              <a:xfrm>
+                <a:off x="5557838" y="5305425"/>
+                <a:ext cx="2019300" cy="428625"/>
+              </a:xfrm>
+              <a:prstGeom prst="rect">
+                <a:avLst/>
+              </a:prstGeom>
+              <a:blipFill>
+                <a:blip r:embed="rId3"/>
+                <a:stretch>
+                  <a:fillRect/>
+                </a:stretch>
+              </a:blipFill>
+            </p:spPr>
+            <p:txBody>
+              <a:bodyPr/>
+              <a:lstStyle/>
+              <a:p>
+                <a:r>
+                  <a:rPr lang="en-US">
+                    <a:noFill/>
+                  </a:rPr>
+                  <a:t> </a:t>
+                </a:r>
+              </a:p>
+            </p:txBody>
+          </p:sp>
+        </mc:Fallback>
+      </mc:AlternateContent>
+      <mc:AlternateContent xmlns:mc="http://schemas.openxmlformats.org/markup-compatibility/2006">
+        <mc:Choice xmlns:a14="http://schemas.microsoft.com/office/drawing/2010/main" Requires="a14">
+          <p:sp>
+            <p:nvSpPr>
+              <p:cNvPr id="3075" name="Object 6"/>
+              <p:cNvSpPr txBox="1"/>
+              <p:nvPr/>
+            </p:nvSpPr>
+            <p:spPr bwMode="auto">
+              <a:xfrm>
+                <a:off x="8201025" y="4760913"/>
+                <a:ext cx="419100" cy="1343025"/>
+              </a:xfrm>
+              <a:prstGeom prst="rect">
+                <a:avLst/>
+              </a:prstGeom>
+              <a:noFill/>
+            </p:spPr>
+            <p:txBody>
+              <a:bodyPr>
+                <a:normAutofit fontScale="55000" lnSpcReduction="20000"/>
+              </a:bodyPr>
+              <a:lstStyle/>
+              <a:p>
+                <a:pPr/>
+                <a14:m>
+                  <m:oMathPara xmlns:m="http://schemas.openxmlformats.org/officeDocument/2006/math">
+                    <m:oMathParaPr>
+                      <m:jc m:val="left"/>
+                    </m:oMathParaPr>
+                    <m:oMath xmlns:m="http://schemas.openxmlformats.org/officeDocument/2006/math">
+                      <m:m>
+                        <m:mPr>
+                          <m:plcHide m:val="on"/>
+                          <m:mcs>
+                            <m:mc>
+                              <m:mcPr>
+                                <m:count m:val="1"/>
+                                <m:mcJc m:val="center"/>
+                              </m:mcPr>
+                            </m:mc>
+                          </m:mcs>
+                          <m:ctrlPr>
+                            <a:rPr lang="en-US" i="1">
+                              <a:solidFill>
+                                <a:srgbClr val="000000"/>
+                              </a:solidFill>
+                              <a:latin typeface="Cambria Math" panose="02040503050406030204" pitchFamily="18" charset="0"/>
+                            </a:rPr>
+                          </m:ctrlPr>
+                        </m:mPr>
+                        <m:mr>
+                          <m:e>
+                            <m:r>
+                              <a:rPr lang="en-US" i="1">
+                                <a:solidFill>
+                                  <a:srgbClr val="000000"/>
+                                </a:solidFill>
+                                <a:latin typeface="Cambria Math" panose="02040503050406030204" pitchFamily="18" charset="0"/>
+                              </a:rPr>
+                              <m:t>𝜆</m:t>
+                            </m:r>
+                            <m:r>
+                              <a:rPr lang="en-US" i="1">
+                                <a:solidFill>
+                                  <a:srgbClr val="000000"/>
+                                </a:solidFill>
+                                <a:latin typeface="Cambria Math" panose="02040503050406030204" pitchFamily="18" charset="0"/>
+                              </a:rPr>
+                              <m:t>=2</m:t>
+                            </m:r>
+                          </m:e>
+                        </m:mr>
+                        <m:mr>
+                          <m:e>
+                            <m:r>
+                              <a:rPr lang="en-US" i="1">
+                                <a:solidFill>
+                                  <a:srgbClr val="000000"/>
+                                </a:solidFill>
+                                <a:latin typeface="Cambria Math" panose="02040503050406030204" pitchFamily="18" charset="0"/>
+                              </a:rPr>
+                              <m:t>𝑘</m:t>
+                            </m:r>
+                            <m:r>
+                              <a:rPr lang="en-US" i="1">
+                                <a:solidFill>
+                                  <a:srgbClr val="000000"/>
+                                </a:solidFill>
+                                <a:latin typeface="Cambria Math" panose="02040503050406030204" pitchFamily="18" charset="0"/>
+                              </a:rPr>
+                              <m:t>=</m:t>
+                            </m:r>
+                            <m:f>
+                              <m:fPr>
+                                <m:ctrlPr>
+                                  <a:rPr lang="en-US" i="1">
+                                    <a:solidFill>
+                                      <a:srgbClr val="000000"/>
+                                    </a:solidFill>
+                                    <a:latin typeface="Cambria Math" panose="02040503050406030204" pitchFamily="18" charset="0"/>
+                                  </a:rPr>
+                                </m:ctrlPr>
+                              </m:fPr>
+                              <m:num>
+                                <m:r>
+                                  <a:rPr lang="en-US" i="1">
+                                    <a:solidFill>
+                                      <a:srgbClr val="000000"/>
+                                    </a:solidFill>
+                                    <a:latin typeface="Cambria Math" panose="02040503050406030204" pitchFamily="18" charset="0"/>
+                                  </a:rPr>
+                                  <m:t>2</m:t>
+                                </m:r>
+                                <m:r>
+                                  <a:rPr lang="en-US" i="1">
+                                    <a:solidFill>
+                                      <a:srgbClr val="000000"/>
+                                    </a:solidFill>
+                                    <a:latin typeface="Cambria Math" panose="02040503050406030204" pitchFamily="18" charset="0"/>
+                                  </a:rPr>
+                                  <m:t>𝜋</m:t>
+                                </m:r>
+                              </m:num>
+                              <m:den>
+                                <m:r>
+                                  <a:rPr lang="en-US" i="1">
+                                    <a:solidFill>
+                                      <a:srgbClr val="000000"/>
+                                    </a:solidFill>
+                                    <a:latin typeface="Cambria Math" panose="02040503050406030204" pitchFamily="18" charset="0"/>
+                                  </a:rPr>
+                                  <m:t>𝜆</m:t>
+                                </m:r>
+                              </m:den>
+                            </m:f>
+                          </m:e>
+                        </m:mr>
+                        <m:mr>
+                          <m:e>
+                            <m:r>
+                              <a:rPr lang="en-US" i="1">
+                                <a:solidFill>
+                                  <a:srgbClr val="000000"/>
+                                </a:solidFill>
+                                <a:latin typeface="Cambria Math" panose="02040503050406030204" pitchFamily="18" charset="0"/>
+                              </a:rPr>
+                              <m:t>𝜔</m:t>
+                            </m:r>
+                            <m:r>
+                              <a:rPr lang="en-US" i="1">
+                                <a:solidFill>
+                                  <a:srgbClr val="000000"/>
+                                </a:solidFill>
+                                <a:latin typeface="Cambria Math" panose="02040503050406030204" pitchFamily="18" charset="0"/>
+                              </a:rPr>
+                              <m:t>=1</m:t>
+                            </m:r>
+                          </m:e>
+                        </m:mr>
+                        <m:mr>
+                          <m:e/>
+                        </m:mr>
+                        <m:mr>
+                          <m:e>
+                            <m:r>
+                              <a:rPr lang="en-US" i="1">
+                                <a:solidFill>
+                                  <a:srgbClr val="000000"/>
+                                </a:solidFill>
+                                <a:latin typeface="Cambria Math" panose="02040503050406030204" pitchFamily="18" charset="0"/>
+                              </a:rPr>
+                              <m:t>𝑡</m:t>
+                            </m:r>
+                            <m:r>
+                              <a:rPr lang="en-US" i="1">
+                                <a:solidFill>
+                                  <a:srgbClr val="000000"/>
+                                </a:solidFill>
+                                <a:latin typeface="Cambria Math" panose="02040503050406030204" pitchFamily="18" charset="0"/>
+                              </a:rPr>
+                              <m:t>=0</m:t>
+                            </m:r>
+                          </m:e>
+                        </m:mr>
+                        <m:mr>
+                          <m:e>
+                            <m:r>
+                              <a:rPr lang="en-US" i="1">
+                                <a:solidFill>
+                                  <a:srgbClr val="000000"/>
+                                </a:solidFill>
+                                <a:latin typeface="Cambria Math" panose="02040503050406030204" pitchFamily="18" charset="0"/>
+                              </a:rPr>
+                              <m:t>𝐴</m:t>
+                            </m:r>
+                            <m:r>
+                              <a:rPr lang="en-US" i="1">
+                                <a:solidFill>
+                                  <a:srgbClr val="000000"/>
+                                </a:solidFill>
+                                <a:latin typeface="Cambria Math" panose="02040503050406030204" pitchFamily="18" charset="0"/>
+                              </a:rPr>
+                              <m:t>=1</m:t>
+                            </m:r>
+                          </m:e>
+                        </m:mr>
+                      </m:m>
+                    </m:oMath>
+                  </m:oMathPara>
+                </a14:m>
+                <a:endParaRPr lang="en-US"/>
+              </a:p>
+            </p:txBody>
+          </p:sp>
+        </mc:Choice>
+        <mc:Fallback>
+          <p:sp>
+            <p:nvSpPr>
+              <p:cNvPr id="3075" name="Object 6"/>
+              <p:cNvSpPr txBox="1">
+                <a:spLocks noRot="1" noChangeAspect="1" noMove="1" noResize="1" noEditPoints="1" noAdjustHandles="1" noChangeArrowheads="1" noChangeShapeType="1" noTextEdit="1"/>
+              </p:cNvSpPr>
+              <p:nvPr/>
+            </p:nvSpPr>
+            <p:spPr bwMode="auto">
+              <a:xfrm>
+                <a:off x="8201025" y="4760913"/>
+                <a:ext cx="419100" cy="1343025"/>
+              </a:xfrm>
+              <a:prstGeom prst="rect">
+                <a:avLst/>
+              </a:prstGeom>
+              <a:blipFill>
+                <a:blip r:embed="rId4"/>
+                <a:stretch>
+                  <a:fillRect r="-14493"/>
+                </a:stretch>
+              </a:blipFill>
+            </p:spPr>
+            <p:txBody>
+              <a:bodyPr/>
+              <a:lstStyle/>
+              <a:p>
+                <a:r>
+                  <a:rPr lang="en-US">
+                    <a:noFill/>
+                  </a:rPr>
+                  <a:t> </a:t>
+                </a:r>
+              </a:p>
+            </p:txBody>
+          </p:sp>
+        </mc:Fallback>
+      </mc:AlternateContent>
     </p:spTree>
   </p:cSld>
   <p:clrMapOvr>
@@ -25831,76 +29771,118 @@
             </a:p>
           </p:txBody>
         </p:sp>
-        <p:graphicFrame>
-          <p:nvGraphicFramePr>
-            <p:cNvPr id="17410" name="Object 19"/>
-            <p:cNvGraphicFramePr>
-              <a:graphicFrameLocks noChangeAspect="1"/>
-            </p:cNvGraphicFramePr>
-            <p:nvPr/>
-          </p:nvGraphicFramePr>
-          <p:xfrm>
-            <a:off x="4339" y="3521"/>
-            <a:ext cx="314" cy="398"/>
-          </p:xfrm>
-          <a:graphic>
-            <a:graphicData uri="http://schemas.openxmlformats.org/presentationml/2006/ole">
-              <mc:AlternateContent xmlns:mc="http://schemas.openxmlformats.org/markup-compatibility/2006">
-                <mc:Choice xmlns:v="urn:schemas-microsoft-com:vml" Requires="v">
-                  <p:oleObj name="Equation" r:id="rId2" imgW="190440" imgH="241200" progId="Equation.3">
-                    <p:embed/>
-                  </p:oleObj>
-                </mc:Choice>
-                <mc:Fallback>
-                  <p:oleObj name="Equation" r:id="rId2" imgW="190440" imgH="241200" progId="Equation.3">
-                    <p:embed/>
-                    <p:pic>
-                      <p:nvPicPr>
-                        <p:cNvPr id="17410" name="Object 19"/>
-                        <p:cNvPicPr>
-                          <a:picLocks noChangeAspect="1" noChangeArrowheads="1"/>
-                        </p:cNvPicPr>
-                        <p:nvPr/>
-                      </p:nvPicPr>
-                      <p:blipFill>
-                        <a:blip r:embed="rId3">
-                          <a:extLst>
-                            <a:ext uri="{28A0092B-C50C-407E-A947-70E740481C1C}">
-                              <a14:useLocalDpi xmlns:a14="http://schemas.microsoft.com/office/drawing/2010/main" val="0"/>
-                            </a:ext>
-                          </a:extLst>
-                        </a:blip>
-                        <a:srcRect/>
-                        <a:stretch>
-                          <a:fillRect/>
-                        </a:stretch>
-                      </p:blipFill>
-                      <p:spPr bwMode="auto">
-                        <a:xfrm>
-                          <a:off x="4339" y="3521"/>
-                          <a:ext cx="314" cy="398"/>
-                        </a:xfrm>
-                        <a:prstGeom prst="rect">
-                          <a:avLst/>
-                        </a:prstGeom>
-                        <a:noFill/>
-                        <a:extLst>
-                          <a:ext uri="{909E8E84-426E-40DD-AFC4-6F175D3DCCD1}">
-                            <a14:hiddenFill xmlns:a14="http://schemas.microsoft.com/office/drawing/2010/main">
-                              <a:solidFill>
-                                <a:srgbClr val="FFFFFF"/>
-                              </a:solidFill>
-                            </a14:hiddenFill>
-                          </a:ext>
-                        </a:extLst>
-                      </p:spPr>
-                    </p:pic>
-                  </p:oleObj>
-                </mc:Fallback>
-              </mc:AlternateContent>
-            </a:graphicData>
-          </a:graphic>
-        </p:graphicFrame>
+        <mc:AlternateContent xmlns:mc="http://schemas.openxmlformats.org/markup-compatibility/2006">
+          <mc:Choice xmlns:a14="http://schemas.microsoft.com/office/drawing/2010/main" Requires="a14">
+            <p:sp>
+              <p:nvSpPr>
+                <p:cNvPr id="17410" name="Object 19"/>
+                <p:cNvSpPr txBox="1"/>
+                <p:nvPr/>
+              </p:nvSpPr>
+              <p:spPr bwMode="auto">
+                <a:xfrm>
+                  <a:off x="4339" y="3521"/>
+                  <a:ext cx="314" cy="398"/>
+                </a:xfrm>
+                <a:prstGeom prst="rect">
+                  <a:avLst/>
+                </a:prstGeom>
+                <a:noFill/>
+              </p:spPr>
+              <p:txBody>
+                <a:bodyPr>
+                  <a:normAutofit/>
+                </a:bodyPr>
+                <a:lstStyle/>
+                <a:p>
+                  <a:pPr/>
+                  <a14:m>
+                    <m:oMathPara xmlns:m="http://schemas.openxmlformats.org/officeDocument/2006/math">
+                      <m:oMathParaPr>
+                        <m:jc m:val="left"/>
+                      </m:oMathParaPr>
+                      <m:oMath xmlns:m="http://schemas.openxmlformats.org/officeDocument/2006/math">
+                        <m:sSub>
+                          <m:sSubPr>
+                            <m:ctrlPr>
+                              <a:rPr lang="en-US" i="1">
+                                <a:solidFill>
+                                  <a:srgbClr val="000000"/>
+                                </a:solidFill>
+                                <a:latin typeface="Cambria Math" panose="02040503050406030204" pitchFamily="18" charset="0"/>
+                              </a:rPr>
+                            </m:ctrlPr>
+                          </m:sSubPr>
+                          <m:e>
+                            <m:r>
+                              <a:rPr lang="en-US" i="1">
+                                <a:solidFill>
+                                  <a:srgbClr val="000000"/>
+                                </a:solidFill>
+                                <a:latin typeface="Cambria Math" panose="02040503050406030204" pitchFamily="18" charset="0"/>
+                              </a:rPr>
+                              <m:t>𝐹</m:t>
+                            </m:r>
+                          </m:e>
+                          <m:sub>
+                            <m:r>
+                              <a:rPr lang="en-US" i="1">
+                                <a:solidFill>
+                                  <a:srgbClr val="000000"/>
+                                </a:solidFill>
+                                <a:latin typeface="Cambria Math" panose="02040503050406030204" pitchFamily="18" charset="0"/>
+                              </a:rPr>
+                              <m:t>𝑔</m:t>
+                            </m:r>
+                          </m:sub>
+                        </m:sSub>
+                      </m:oMath>
+                    </m:oMathPara>
+                  </a14:m>
+                  <a:endParaRPr lang="en-US"/>
+                </a:p>
+              </p:txBody>
+            </p:sp>
+          </mc:Choice>
+          <mc:Fallback>
+            <p:sp>
+              <p:nvSpPr>
+                <p:cNvPr id="17410" name="Object 19"/>
+                <p:cNvSpPr txBox="1">
+                  <a:spLocks noRot="1" noChangeAspect="1" noMove="1" noResize="1" noEditPoints="1" noAdjustHandles="1" noChangeArrowheads="1" noChangeShapeType="1" noTextEdit="1"/>
+                </p:cNvSpPr>
+                <p:nvPr/>
+              </p:nvSpPr>
+              <p:spPr bwMode="auto">
+                <a:xfrm>
+                  <a:off x="4339" y="3521"/>
+                  <a:ext cx="314" cy="398"/>
+                </a:xfrm>
+                <a:prstGeom prst="rect">
+                  <a:avLst/>
+                </a:prstGeom>
+                <a:blipFill>
+                  <a:blip r:embed="rId2"/>
+                  <a:stretch>
+                    <a:fillRect/>
+                  </a:stretch>
+                </a:blipFill>
+              </p:spPr>
+              <p:txBody>
+                <a:bodyPr/>
+                <a:lstStyle/>
+                <a:p>
+                  <a:r>
+                    <a:rPr lang="en-US">
+                      <a:noFill/>
+                    </a:rPr>
+                    <a:t> </a:t>
+                  </a:r>
+                </a:p>
+              </p:txBody>
+            </p:sp>
+          </mc:Fallback>
+        </mc:AlternateContent>
         <p:sp>
           <p:nvSpPr>
             <p:cNvPr id="17424" name="Line 21"/>
@@ -25935,76 +29917,118 @@
             </a:p>
           </p:txBody>
         </p:sp>
-        <p:graphicFrame>
-          <p:nvGraphicFramePr>
-            <p:cNvPr id="17411" name="Object 22"/>
-            <p:cNvGraphicFramePr>
-              <a:graphicFrameLocks noChangeAspect="1"/>
-            </p:cNvGraphicFramePr>
-            <p:nvPr/>
-          </p:nvGraphicFramePr>
-          <p:xfrm>
-            <a:off x="4321" y="2429"/>
-            <a:ext cx="524" cy="377"/>
-          </p:xfrm>
-          <a:graphic>
-            <a:graphicData uri="http://schemas.openxmlformats.org/presentationml/2006/ole">
-              <mc:AlternateContent xmlns:mc="http://schemas.openxmlformats.org/markup-compatibility/2006">
-                <mc:Choice xmlns:v="urn:schemas-microsoft-com:vml" Requires="v">
-                  <p:oleObj name="Equation" r:id="rId4" imgW="317160" imgH="228600" progId="Equation.3">
-                    <p:embed/>
-                  </p:oleObj>
-                </mc:Choice>
-                <mc:Fallback>
-                  <p:oleObj name="Equation" r:id="rId4" imgW="317160" imgH="228600" progId="Equation.3">
-                    <p:embed/>
-                    <p:pic>
-                      <p:nvPicPr>
-                        <p:cNvPr id="17411" name="Object 22"/>
-                        <p:cNvPicPr>
-                          <a:picLocks noChangeAspect="1" noChangeArrowheads="1"/>
-                        </p:cNvPicPr>
-                        <p:nvPr/>
-                      </p:nvPicPr>
-                      <p:blipFill>
-                        <a:blip r:embed="rId5">
-                          <a:extLst>
-                            <a:ext uri="{28A0092B-C50C-407E-A947-70E740481C1C}">
-                              <a14:useLocalDpi xmlns:a14="http://schemas.microsoft.com/office/drawing/2010/main" val="0"/>
-                            </a:ext>
-                          </a:extLst>
-                        </a:blip>
-                        <a:srcRect/>
-                        <a:stretch>
-                          <a:fillRect/>
-                        </a:stretch>
-                      </p:blipFill>
-                      <p:spPr bwMode="auto">
-                        <a:xfrm>
-                          <a:off x="4321" y="2429"/>
-                          <a:ext cx="524" cy="377"/>
-                        </a:xfrm>
-                        <a:prstGeom prst="rect">
-                          <a:avLst/>
-                        </a:prstGeom>
-                        <a:noFill/>
-                        <a:extLst>
-                          <a:ext uri="{909E8E84-426E-40DD-AFC4-6F175D3DCCD1}">
-                            <a14:hiddenFill xmlns:a14="http://schemas.microsoft.com/office/drawing/2010/main">
-                              <a:solidFill>
-                                <a:srgbClr val="FFFFFF"/>
-                              </a:solidFill>
-                            </a14:hiddenFill>
-                          </a:ext>
-                        </a:extLst>
-                      </p:spPr>
-                    </p:pic>
-                  </p:oleObj>
-                </mc:Fallback>
-              </mc:AlternateContent>
-            </a:graphicData>
-          </a:graphic>
-        </p:graphicFrame>
+        <mc:AlternateContent xmlns:mc="http://schemas.openxmlformats.org/markup-compatibility/2006">
+          <mc:Choice xmlns:a14="http://schemas.microsoft.com/office/drawing/2010/main" Requires="a14">
+            <p:sp>
+              <p:nvSpPr>
+                <p:cNvPr id="17411" name="Object 22"/>
+                <p:cNvSpPr txBox="1"/>
+                <p:nvPr/>
+              </p:nvSpPr>
+              <p:spPr bwMode="auto">
+                <a:xfrm>
+                  <a:off x="4321" y="2429"/>
+                  <a:ext cx="524" cy="377"/>
+                </a:xfrm>
+                <a:prstGeom prst="rect">
+                  <a:avLst/>
+                </a:prstGeom>
+                <a:noFill/>
+              </p:spPr>
+              <p:txBody>
+                <a:bodyPr>
+                  <a:normAutofit/>
+                </a:bodyPr>
+                <a:lstStyle/>
+                <a:p>
+                  <a:pPr/>
+                  <a14:m>
+                    <m:oMathPara xmlns:m="http://schemas.openxmlformats.org/officeDocument/2006/math">
+                      <m:oMathParaPr>
+                        <m:jc m:val="left"/>
+                      </m:oMathParaPr>
+                      <m:oMath xmlns:m="http://schemas.openxmlformats.org/officeDocument/2006/math">
+                        <m:sSub>
+                          <m:sSubPr>
+                            <m:ctrlPr>
+                              <a:rPr lang="en-US" i="1">
+                                <a:solidFill>
+                                  <a:srgbClr val="000000"/>
+                                </a:solidFill>
+                                <a:latin typeface="Cambria Math" panose="02040503050406030204" pitchFamily="18" charset="0"/>
+                              </a:rPr>
+                            </m:ctrlPr>
+                          </m:sSubPr>
+                          <m:e>
+                            <m:r>
+                              <a:rPr lang="en-US" i="1">
+                                <a:solidFill>
+                                  <a:srgbClr val="000000"/>
+                                </a:solidFill>
+                                <a:latin typeface="Cambria Math" panose="02040503050406030204" pitchFamily="18" charset="0"/>
+                              </a:rPr>
+                              <m:t>𝐹</m:t>
+                            </m:r>
+                          </m:e>
+                          <m:sub>
+                            <m:r>
+                              <a:rPr lang="en-US" i="1">
+                                <a:solidFill>
+                                  <a:srgbClr val="000000"/>
+                                </a:solidFill>
+                                <a:latin typeface="Cambria Math" panose="02040503050406030204" pitchFamily="18" charset="0"/>
+                              </a:rPr>
+                              <m:t>𝑡𝑎𝑏𝑙𝑒</m:t>
+                            </m:r>
+                          </m:sub>
+                        </m:sSub>
+                      </m:oMath>
+                    </m:oMathPara>
+                  </a14:m>
+                  <a:endParaRPr lang="en-US"/>
+                </a:p>
+              </p:txBody>
+            </p:sp>
+          </mc:Choice>
+          <mc:Fallback>
+            <p:sp>
+              <p:nvSpPr>
+                <p:cNvPr id="17411" name="Object 22"/>
+                <p:cNvSpPr txBox="1">
+                  <a:spLocks noRot="1" noChangeAspect="1" noMove="1" noResize="1" noEditPoints="1" noAdjustHandles="1" noChangeArrowheads="1" noChangeShapeType="1" noTextEdit="1"/>
+                </p:cNvSpPr>
+                <p:nvPr/>
+              </p:nvSpPr>
+              <p:spPr bwMode="auto">
+                <a:xfrm>
+                  <a:off x="4321" y="2429"/>
+                  <a:ext cx="524" cy="377"/>
+                </a:xfrm>
+                <a:prstGeom prst="rect">
+                  <a:avLst/>
+                </a:prstGeom>
+                <a:blipFill>
+                  <a:blip r:embed="rId3"/>
+                  <a:stretch>
+                    <a:fillRect/>
+                  </a:stretch>
+                </a:blipFill>
+              </p:spPr>
+              <p:txBody>
+                <a:bodyPr/>
+                <a:lstStyle/>
+                <a:p>
+                  <a:r>
+                    <a:rPr lang="en-US">
+                      <a:noFill/>
+                    </a:rPr>
+                    <a:t> </a:t>
+                  </a:r>
+                </a:p>
+              </p:txBody>
+            </p:sp>
+          </mc:Fallback>
+        </mc:AlternateContent>
       </p:grpSp>
     </p:spTree>
   </p:cSld>
